--- a/spring-xml-prezentacja.pptx
+++ b/spring-xml-prezentacja.pptx
@@ -3,18 +3,19 @@
 <p:presentation xmlns:a="http://schemas.openxmlformats.org/drawingml/2006/main" xmlns:p="http://schemas.openxmlformats.org/presentationml/2006/main" xmlns:r="http://schemas.openxmlformats.org/officeDocument/2006/relationships" xmlns:p14="http://schemas.microsoft.com/office/powerpoint/2010/main" xmlns:p15="http://schemas.microsoft.com/office/powerpoint/2012/main" xmlns:mc="http://schemas.openxmlformats.org/markup-compatibility/2006">
   <p:sldMasterIdLst>
     <p:sldMasterId id="2147483648" r:id="rId2"/>
+    <p:sldMasterId id="2147483661" r:id="rId3"/>
   </p:sldMasterIdLst>
   <p:sldIdLst>
-    <p:sldId id="256" r:id="rId3"/>
-    <p:sldId id="257" r:id="rId4"/>
-    <p:sldId id="258" r:id="rId5"/>
-    <p:sldId id="259" r:id="rId6"/>
-    <p:sldId id="260" r:id="rId7"/>
-    <p:sldId id="261" r:id="rId8"/>
-    <p:sldId id="262" r:id="rId9"/>
-    <p:sldId id="263" r:id="rId10"/>
-    <p:sldId id="264" r:id="rId11"/>
-    <p:sldId id="265" r:id="rId12"/>
+    <p:sldId id="256" r:id="rId4"/>
+    <p:sldId id="257" r:id="rId5"/>
+    <p:sldId id="258" r:id="rId6"/>
+    <p:sldId id="259" r:id="rId7"/>
+    <p:sldId id="260" r:id="rId8"/>
+    <p:sldId id="261" r:id="rId9"/>
+    <p:sldId id="262" r:id="rId10"/>
+    <p:sldId id="263" r:id="rId11"/>
+    <p:sldId id="264" r:id="rId12"/>
+    <p:sldId id="265" r:id="rId13"/>
   </p:sldIdLst>
   <p:sldSz cx="10080625" cy="7559675"/>
   <p:notesSz cx="7559675" cy="10691812"/>
@@ -62,7 +63,7 @@
       </p:grpSpPr>
       <p:sp>
         <p:nvSpPr>
-          <p:cNvPr id="27" name="PlaceHolder 1"/>
+          <p:cNvPr id="24" name="PlaceHolder 1"/>
           <p:cNvSpPr>
             <a:spLocks noGrp="1"/>
           </p:cNvSpPr>
@@ -73,7 +74,7 @@
         <p:spPr>
           <a:xfrm>
             <a:off x="504000" y="576000"/>
-            <a:ext cx="7200000" cy="720000"/>
+            <a:ext cx="7199640" cy="719640"/>
           </a:xfrm>
           <a:prstGeom prst="rect">
             <a:avLst/>
@@ -82,15 +83,16 @@
         <p:txBody>
           <a:bodyPr lIns="0" rIns="0" tIns="0" bIns="0" anchor="ctr"/>
           <a:p>
-            <a:endParaRPr b="0" lang="en-US" sz="3600" spc="-1" strike="noStrike">
-              <a:latin typeface="Arial"/>
-            </a:endParaRPr>
-          </a:p>
-        </p:txBody>
-      </p:sp>
-      <p:sp>
-        <p:nvSpPr>
-          <p:cNvPr id="28" name="PlaceHolder 2"/>
+            <a:pPr algn="ctr"/>
+            <a:endParaRPr b="0" lang="en-US" sz="4400" spc="-1" strike="noStrike">
+              <a:latin typeface="Arial"/>
+            </a:endParaRPr>
+          </a:p>
+        </p:txBody>
+      </p:sp>
+      <p:sp>
+        <p:nvSpPr>
+          <p:cNvPr id="25" name="PlaceHolder 2"/>
           <p:cNvSpPr>
             <a:spLocks noGrp="1"/>
           </p:cNvSpPr>
@@ -101,7 +103,7 @@
         <p:spPr>
           <a:xfrm>
             <a:off x="504000" y="1800000"/>
-            <a:ext cx="9072000" cy="2091240"/>
+            <a:ext cx="9071640" cy="2090880"/>
           </a:xfrm>
           <a:prstGeom prst="rect">
             <a:avLst/>
@@ -112,15 +114,15 @@
             <a:normAutofit/>
           </a:bodyPr>
           <a:p>
-            <a:endParaRPr b="0" lang="en-US" sz="2600" spc="-1" strike="noStrike">
-              <a:latin typeface="Arial"/>
-            </a:endParaRPr>
-          </a:p>
-        </p:txBody>
-      </p:sp>
-      <p:sp>
-        <p:nvSpPr>
-          <p:cNvPr id="29" name="PlaceHolder 3"/>
+            <a:endParaRPr b="0" lang="en-US" sz="3200" spc="-1" strike="noStrike">
+              <a:latin typeface="Arial"/>
+            </a:endParaRPr>
+          </a:p>
+        </p:txBody>
+      </p:sp>
+      <p:sp>
+        <p:nvSpPr>
+          <p:cNvPr id="26" name="PlaceHolder 3"/>
           <p:cNvSpPr>
             <a:spLocks noGrp="1"/>
           </p:cNvSpPr>
@@ -130,8 +132,8 @@
         </p:nvSpPr>
         <p:spPr>
           <a:xfrm>
-            <a:off x="504000" y="4090320"/>
-            <a:ext cx="9072000" cy="2091240"/>
+            <a:off x="504000" y="4089960"/>
+            <a:ext cx="9071640" cy="2090880"/>
           </a:xfrm>
           <a:prstGeom prst="rect">
             <a:avLst/>
@@ -142,7 +144,7 @@
             <a:normAutofit/>
           </a:bodyPr>
           <a:p>
-            <a:endParaRPr b="0" lang="en-US" sz="2600" spc="-1" strike="noStrike">
+            <a:endParaRPr b="0" lang="en-US" sz="3200" spc="-1" strike="noStrike">
               <a:latin typeface="Arial"/>
             </a:endParaRPr>
           </a:p>
@@ -172,7 +174,7 @@
       </p:grpSpPr>
       <p:sp>
         <p:nvSpPr>
-          <p:cNvPr id="30" name="PlaceHolder 1"/>
+          <p:cNvPr id="27" name="PlaceHolder 1"/>
           <p:cNvSpPr>
             <a:spLocks noGrp="1"/>
           </p:cNvSpPr>
@@ -183,7 +185,7 @@
         <p:spPr>
           <a:xfrm>
             <a:off x="504000" y="576000"/>
-            <a:ext cx="7200000" cy="720000"/>
+            <a:ext cx="7199640" cy="719640"/>
           </a:xfrm>
           <a:prstGeom prst="rect">
             <a:avLst/>
@@ -192,15 +194,16 @@
         <p:txBody>
           <a:bodyPr lIns="0" rIns="0" tIns="0" bIns="0" anchor="ctr"/>
           <a:p>
-            <a:endParaRPr b="0" lang="en-US" sz="3600" spc="-1" strike="noStrike">
-              <a:latin typeface="Arial"/>
-            </a:endParaRPr>
-          </a:p>
-        </p:txBody>
-      </p:sp>
-      <p:sp>
-        <p:nvSpPr>
-          <p:cNvPr id="31" name="PlaceHolder 2"/>
+            <a:pPr algn="ctr"/>
+            <a:endParaRPr b="0" lang="en-US" sz="4400" spc="-1" strike="noStrike">
+              <a:latin typeface="Arial"/>
+            </a:endParaRPr>
+          </a:p>
+        </p:txBody>
+      </p:sp>
+      <p:sp>
+        <p:nvSpPr>
+          <p:cNvPr id="28" name="PlaceHolder 2"/>
           <p:cNvSpPr>
             <a:spLocks noGrp="1"/>
           </p:cNvSpPr>
@@ -211,7 +214,7 @@
         <p:spPr>
           <a:xfrm>
             <a:off x="504000" y="1800000"/>
-            <a:ext cx="4426920" cy="2091240"/>
+            <a:ext cx="4426920" cy="2090880"/>
           </a:xfrm>
           <a:prstGeom prst="rect">
             <a:avLst/>
@@ -222,15 +225,15 @@
             <a:normAutofit/>
           </a:bodyPr>
           <a:p>
-            <a:endParaRPr b="0" lang="en-US" sz="2600" spc="-1" strike="noStrike">
-              <a:latin typeface="Arial"/>
-            </a:endParaRPr>
-          </a:p>
-        </p:txBody>
-      </p:sp>
-      <p:sp>
-        <p:nvSpPr>
-          <p:cNvPr id="32" name="PlaceHolder 3"/>
+            <a:endParaRPr b="0" lang="en-US" sz="3200" spc="-1" strike="noStrike">
+              <a:latin typeface="Arial"/>
+            </a:endParaRPr>
+          </a:p>
+        </p:txBody>
+      </p:sp>
+      <p:sp>
+        <p:nvSpPr>
+          <p:cNvPr id="29" name="PlaceHolder 3"/>
           <p:cNvSpPr>
             <a:spLocks noGrp="1"/>
           </p:cNvSpPr>
@@ -241,7 +244,7 @@
         <p:spPr>
           <a:xfrm>
             <a:off x="5152680" y="1800000"/>
-            <a:ext cx="4426920" cy="2091240"/>
+            <a:ext cx="4426920" cy="2090880"/>
           </a:xfrm>
           <a:prstGeom prst="rect">
             <a:avLst/>
@@ -252,15 +255,15 @@
             <a:normAutofit/>
           </a:bodyPr>
           <a:p>
-            <a:endParaRPr b="0" lang="en-US" sz="2600" spc="-1" strike="noStrike">
-              <a:latin typeface="Arial"/>
-            </a:endParaRPr>
-          </a:p>
-        </p:txBody>
-      </p:sp>
-      <p:sp>
-        <p:nvSpPr>
-          <p:cNvPr id="33" name="PlaceHolder 4"/>
+            <a:endParaRPr b="0" lang="en-US" sz="3200" spc="-1" strike="noStrike">
+              <a:latin typeface="Arial"/>
+            </a:endParaRPr>
+          </a:p>
+        </p:txBody>
+      </p:sp>
+      <p:sp>
+        <p:nvSpPr>
+          <p:cNvPr id="30" name="PlaceHolder 4"/>
           <p:cNvSpPr>
             <a:spLocks noGrp="1"/>
           </p:cNvSpPr>
@@ -270,8 +273,8 @@
         </p:nvSpPr>
         <p:spPr>
           <a:xfrm>
-            <a:off x="504000" y="4090320"/>
-            <a:ext cx="4426920" cy="2091240"/>
+            <a:off x="504000" y="4089960"/>
+            <a:ext cx="4426920" cy="2090880"/>
           </a:xfrm>
           <a:prstGeom prst="rect">
             <a:avLst/>
@@ -282,15 +285,15 @@
             <a:normAutofit/>
           </a:bodyPr>
           <a:p>
-            <a:endParaRPr b="0" lang="en-US" sz="2600" spc="-1" strike="noStrike">
-              <a:latin typeface="Arial"/>
-            </a:endParaRPr>
-          </a:p>
-        </p:txBody>
-      </p:sp>
-      <p:sp>
-        <p:nvSpPr>
-          <p:cNvPr id="34" name="PlaceHolder 5"/>
+            <a:endParaRPr b="0" lang="en-US" sz="3200" spc="-1" strike="noStrike">
+              <a:latin typeface="Arial"/>
+            </a:endParaRPr>
+          </a:p>
+        </p:txBody>
+      </p:sp>
+      <p:sp>
+        <p:nvSpPr>
+          <p:cNvPr id="31" name="PlaceHolder 5"/>
           <p:cNvSpPr>
             <a:spLocks noGrp="1"/>
           </p:cNvSpPr>
@@ -300,8 +303,8 @@
         </p:nvSpPr>
         <p:spPr>
           <a:xfrm>
-            <a:off x="5152680" y="4090320"/>
-            <a:ext cx="4426920" cy="2091240"/>
+            <a:off x="5152680" y="4089960"/>
+            <a:ext cx="4426920" cy="2090880"/>
           </a:xfrm>
           <a:prstGeom prst="rect">
             <a:avLst/>
@@ -312,7 +315,7 @@
             <a:normAutofit/>
           </a:bodyPr>
           <a:p>
-            <a:endParaRPr b="0" lang="en-US" sz="2600" spc="-1" strike="noStrike">
+            <a:endParaRPr b="0" lang="en-US" sz="3200" spc="-1" strike="noStrike">
               <a:latin typeface="Arial"/>
             </a:endParaRPr>
           </a:p>
@@ -342,7 +345,7 @@
       </p:grpSpPr>
       <p:sp>
         <p:nvSpPr>
-          <p:cNvPr id="35" name="PlaceHolder 1"/>
+          <p:cNvPr id="32" name="PlaceHolder 1"/>
           <p:cNvSpPr>
             <a:spLocks noGrp="1"/>
           </p:cNvSpPr>
@@ -353,7 +356,7 @@
         <p:spPr>
           <a:xfrm>
             <a:off x="504000" y="576000"/>
-            <a:ext cx="7200000" cy="720000"/>
+            <a:ext cx="7199640" cy="719640"/>
           </a:xfrm>
           <a:prstGeom prst="rect">
             <a:avLst/>
@@ -362,15 +365,16 @@
         <p:txBody>
           <a:bodyPr lIns="0" rIns="0" tIns="0" bIns="0" anchor="ctr"/>
           <a:p>
-            <a:endParaRPr b="0" lang="en-US" sz="3600" spc="-1" strike="noStrike">
-              <a:latin typeface="Arial"/>
-            </a:endParaRPr>
-          </a:p>
-        </p:txBody>
-      </p:sp>
-      <p:sp>
-        <p:nvSpPr>
-          <p:cNvPr id="36" name="PlaceHolder 2"/>
+            <a:pPr algn="ctr"/>
+            <a:endParaRPr b="0" lang="en-US" sz="4400" spc="-1" strike="noStrike">
+              <a:latin typeface="Arial"/>
+            </a:endParaRPr>
+          </a:p>
+        </p:txBody>
+      </p:sp>
+      <p:sp>
+        <p:nvSpPr>
+          <p:cNvPr id="33" name="PlaceHolder 2"/>
           <p:cNvSpPr>
             <a:spLocks noGrp="1"/>
           </p:cNvSpPr>
@@ -381,7 +385,7 @@
         <p:spPr>
           <a:xfrm>
             <a:off x="504000" y="1800000"/>
-            <a:ext cx="2921040" cy="2091240"/>
+            <a:ext cx="2920680" cy="2090880"/>
           </a:xfrm>
           <a:prstGeom prst="rect">
             <a:avLst/>
@@ -392,15 +396,15 @@
             <a:normAutofit/>
           </a:bodyPr>
           <a:p>
-            <a:endParaRPr b="0" lang="en-US" sz="2600" spc="-1" strike="noStrike">
-              <a:latin typeface="Arial"/>
-            </a:endParaRPr>
-          </a:p>
-        </p:txBody>
-      </p:sp>
-      <p:sp>
-        <p:nvSpPr>
-          <p:cNvPr id="37" name="PlaceHolder 3"/>
+            <a:endParaRPr b="0" lang="en-US" sz="3200" spc="-1" strike="noStrike">
+              <a:latin typeface="Arial"/>
+            </a:endParaRPr>
+          </a:p>
+        </p:txBody>
+      </p:sp>
+      <p:sp>
+        <p:nvSpPr>
+          <p:cNvPr id="34" name="PlaceHolder 3"/>
           <p:cNvSpPr>
             <a:spLocks noGrp="1"/>
           </p:cNvSpPr>
@@ -410,8 +414,8 @@
         </p:nvSpPr>
         <p:spPr>
           <a:xfrm>
-            <a:off x="3571560" y="1800000"/>
-            <a:ext cx="2921040" cy="2091240"/>
+            <a:off x="3571200" y="1800000"/>
+            <a:ext cx="2920680" cy="2090880"/>
           </a:xfrm>
           <a:prstGeom prst="rect">
             <a:avLst/>
@@ -422,15 +426,15 @@
             <a:normAutofit/>
           </a:bodyPr>
           <a:p>
-            <a:endParaRPr b="0" lang="en-US" sz="2600" spc="-1" strike="noStrike">
-              <a:latin typeface="Arial"/>
-            </a:endParaRPr>
-          </a:p>
-        </p:txBody>
-      </p:sp>
-      <p:sp>
-        <p:nvSpPr>
-          <p:cNvPr id="38" name="PlaceHolder 4"/>
+            <a:endParaRPr b="0" lang="en-US" sz="3200" spc="-1" strike="noStrike">
+              <a:latin typeface="Arial"/>
+            </a:endParaRPr>
+          </a:p>
+        </p:txBody>
+      </p:sp>
+      <p:sp>
+        <p:nvSpPr>
+          <p:cNvPr id="35" name="PlaceHolder 4"/>
           <p:cNvSpPr>
             <a:spLocks noGrp="1"/>
           </p:cNvSpPr>
@@ -440,8 +444,8 @@
         </p:nvSpPr>
         <p:spPr>
           <a:xfrm>
-            <a:off x="6639120" y="1800000"/>
-            <a:ext cx="2921040" cy="2091240"/>
+            <a:off x="6638040" y="1800000"/>
+            <a:ext cx="2920680" cy="2090880"/>
           </a:xfrm>
           <a:prstGeom prst="rect">
             <a:avLst/>
@@ -452,15 +456,15 @@
             <a:normAutofit/>
           </a:bodyPr>
           <a:p>
-            <a:endParaRPr b="0" lang="en-US" sz="2600" spc="-1" strike="noStrike">
-              <a:latin typeface="Arial"/>
-            </a:endParaRPr>
-          </a:p>
-        </p:txBody>
-      </p:sp>
-      <p:sp>
-        <p:nvSpPr>
-          <p:cNvPr id="39" name="PlaceHolder 5"/>
+            <a:endParaRPr b="0" lang="en-US" sz="3200" spc="-1" strike="noStrike">
+              <a:latin typeface="Arial"/>
+            </a:endParaRPr>
+          </a:p>
+        </p:txBody>
+      </p:sp>
+      <p:sp>
+        <p:nvSpPr>
+          <p:cNvPr id="36" name="PlaceHolder 5"/>
           <p:cNvSpPr>
             <a:spLocks noGrp="1"/>
           </p:cNvSpPr>
@@ -470,8 +474,8 @@
         </p:nvSpPr>
         <p:spPr>
           <a:xfrm>
-            <a:off x="504000" y="4090320"/>
-            <a:ext cx="2921040" cy="2091240"/>
+            <a:off x="504000" y="4089960"/>
+            <a:ext cx="2920680" cy="2090880"/>
           </a:xfrm>
           <a:prstGeom prst="rect">
             <a:avLst/>
@@ -482,15 +486,15 @@
             <a:normAutofit/>
           </a:bodyPr>
           <a:p>
-            <a:endParaRPr b="0" lang="en-US" sz="2600" spc="-1" strike="noStrike">
-              <a:latin typeface="Arial"/>
-            </a:endParaRPr>
-          </a:p>
-        </p:txBody>
-      </p:sp>
-      <p:sp>
-        <p:nvSpPr>
-          <p:cNvPr id="40" name="PlaceHolder 6"/>
+            <a:endParaRPr b="0" lang="en-US" sz="3200" spc="-1" strike="noStrike">
+              <a:latin typeface="Arial"/>
+            </a:endParaRPr>
+          </a:p>
+        </p:txBody>
+      </p:sp>
+      <p:sp>
+        <p:nvSpPr>
+          <p:cNvPr id="37" name="PlaceHolder 6"/>
           <p:cNvSpPr>
             <a:spLocks noGrp="1"/>
           </p:cNvSpPr>
@@ -500,8 +504,8 @@
         </p:nvSpPr>
         <p:spPr>
           <a:xfrm>
-            <a:off x="3571560" y="4090320"/>
-            <a:ext cx="2921040" cy="2091240"/>
+            <a:off x="3571200" y="4089960"/>
+            <a:ext cx="2920680" cy="2090880"/>
           </a:xfrm>
           <a:prstGeom prst="rect">
             <a:avLst/>
@@ -512,15 +516,15 @@
             <a:normAutofit/>
           </a:bodyPr>
           <a:p>
-            <a:endParaRPr b="0" lang="en-US" sz="2600" spc="-1" strike="noStrike">
-              <a:latin typeface="Arial"/>
-            </a:endParaRPr>
-          </a:p>
-        </p:txBody>
-      </p:sp>
-      <p:sp>
-        <p:nvSpPr>
-          <p:cNvPr id="41" name="PlaceHolder 7"/>
+            <a:endParaRPr b="0" lang="en-US" sz="3200" spc="-1" strike="noStrike">
+              <a:latin typeface="Arial"/>
+            </a:endParaRPr>
+          </a:p>
+        </p:txBody>
+      </p:sp>
+      <p:sp>
+        <p:nvSpPr>
+          <p:cNvPr id="38" name="PlaceHolder 7"/>
           <p:cNvSpPr>
             <a:spLocks noGrp="1"/>
           </p:cNvSpPr>
@@ -530,8 +534,8 @@
         </p:nvSpPr>
         <p:spPr>
           <a:xfrm>
-            <a:off x="6639120" y="4090320"/>
-            <a:ext cx="2921040" cy="2091240"/>
+            <a:off x="6638040" y="4089960"/>
+            <a:ext cx="2920680" cy="2090880"/>
           </a:xfrm>
           <a:prstGeom prst="rect">
             <a:avLst/>
@@ -542,7 +546,544 @@
             <a:normAutofit/>
           </a:bodyPr>
           <a:p>
-            <a:endParaRPr b="0" lang="en-US" sz="2600" spc="-1" strike="noStrike">
+            <a:endParaRPr b="0" lang="en-US" sz="3200" spc="-1" strike="noStrike">
+              <a:latin typeface="Arial"/>
+            </a:endParaRPr>
+          </a:p>
+        </p:txBody>
+      </p:sp>
+    </p:spTree>
+  </p:cSld>
+</p:sldLayout>
+</file>
+
+<file path=ppt/slideLayouts/slideLayout13.xml><?xml version="1.0" encoding="utf-8"?>
+<p:sldLayout xmlns:a="http://schemas.openxmlformats.org/drawingml/2006/main" xmlns:p="http://schemas.openxmlformats.org/presentationml/2006/main" xmlns:r="http://schemas.openxmlformats.org/officeDocument/2006/relationships" xmlns:p14="http://schemas.microsoft.com/office/powerpoint/2010/main" xmlns:p15="http://schemas.microsoft.com/office/powerpoint/2012/main" xmlns:mc="http://schemas.openxmlformats.org/markup-compatibility/2006" type="blank" preserve="1">
+  <p:cSld name="Blank Slide">
+    <p:spTree>
+      <p:nvGrpSpPr>
+        <p:cNvPr id="1" name=""/>
+        <p:cNvGrpSpPr/>
+        <p:nvPr/>
+      </p:nvGrpSpPr>
+      <p:grpSpPr>
+        <a:xfrm>
+          <a:off x="0" y="0"/>
+          <a:ext cx="0" cy="0"/>
+          <a:chOff x="0" y="0"/>
+          <a:chExt cx="0" cy="0"/>
+        </a:xfrm>
+      </p:grpSpPr>
+    </p:spTree>
+  </p:cSld>
+</p:sldLayout>
+</file>
+
+<file path=ppt/slideLayouts/slideLayout14.xml><?xml version="1.0" encoding="utf-8"?>
+<p:sldLayout xmlns:a="http://schemas.openxmlformats.org/drawingml/2006/main" xmlns:p="http://schemas.openxmlformats.org/presentationml/2006/main" xmlns:r="http://schemas.openxmlformats.org/officeDocument/2006/relationships" xmlns:p14="http://schemas.microsoft.com/office/powerpoint/2010/main" xmlns:p15="http://schemas.microsoft.com/office/powerpoint/2012/main" xmlns:mc="http://schemas.openxmlformats.org/markup-compatibility/2006" type="tx" preserve="1">
+  <p:cSld name="Title Slide">
+    <p:spTree>
+      <p:nvGrpSpPr>
+        <p:cNvPr id="1" name=""/>
+        <p:cNvGrpSpPr/>
+        <p:nvPr/>
+      </p:nvGrpSpPr>
+      <p:grpSpPr>
+        <a:xfrm>
+          <a:off x="0" y="0"/>
+          <a:ext cx="0" cy="0"/>
+          <a:chOff x="0" y="0"/>
+          <a:chExt cx="0" cy="0"/>
+        </a:xfrm>
+      </p:grpSpPr>
+      <p:sp>
+        <p:nvSpPr>
+          <p:cNvPr id="42" name="PlaceHolder 1"/>
+          <p:cNvSpPr>
+            <a:spLocks noGrp="1"/>
+          </p:cNvSpPr>
+          <p:nvPr>
+            <p:ph type="title"/>
+          </p:nvPr>
+        </p:nvSpPr>
+        <p:spPr>
+          <a:xfrm>
+            <a:off x="504000" y="576000"/>
+            <a:ext cx="7199640" cy="719640"/>
+          </a:xfrm>
+          <a:prstGeom prst="rect">
+            <a:avLst/>
+          </a:prstGeom>
+        </p:spPr>
+        <p:txBody>
+          <a:bodyPr lIns="0" rIns="0" tIns="0" bIns="0" anchor="ctr"/>
+          <a:p>
+            <a:pPr algn="ctr"/>
+            <a:endParaRPr b="0" lang="en-US" sz="4400" spc="-1" strike="noStrike">
+              <a:latin typeface="Arial"/>
+            </a:endParaRPr>
+          </a:p>
+        </p:txBody>
+      </p:sp>
+      <p:sp>
+        <p:nvSpPr>
+          <p:cNvPr id="43" name="PlaceHolder 2"/>
+          <p:cNvSpPr>
+            <a:spLocks noGrp="1"/>
+          </p:cNvSpPr>
+          <p:nvPr>
+            <p:ph type="subTitle"/>
+          </p:nvPr>
+        </p:nvSpPr>
+        <p:spPr>
+          <a:xfrm>
+            <a:off x="504000" y="1800000"/>
+            <a:ext cx="9071640" cy="4384080"/>
+          </a:xfrm>
+          <a:prstGeom prst="rect">
+            <a:avLst/>
+          </a:prstGeom>
+        </p:spPr>
+        <p:txBody>
+          <a:bodyPr lIns="0" rIns="0" tIns="0" bIns="0" anchor="ctr"/>
+          <a:p>
+            <a:pPr algn="ctr"/>
+            <a:endParaRPr b="0" lang="en-US" sz="3200" spc="-1" strike="noStrike">
+              <a:latin typeface="Arial"/>
+            </a:endParaRPr>
+          </a:p>
+        </p:txBody>
+      </p:sp>
+    </p:spTree>
+  </p:cSld>
+</p:sldLayout>
+</file>
+
+<file path=ppt/slideLayouts/slideLayout15.xml><?xml version="1.0" encoding="utf-8"?>
+<p:sldLayout xmlns:a="http://schemas.openxmlformats.org/drawingml/2006/main" xmlns:p="http://schemas.openxmlformats.org/presentationml/2006/main" xmlns:r="http://schemas.openxmlformats.org/officeDocument/2006/relationships" xmlns:p14="http://schemas.microsoft.com/office/powerpoint/2010/main" xmlns:p15="http://schemas.microsoft.com/office/powerpoint/2012/main" xmlns:mc="http://schemas.openxmlformats.org/markup-compatibility/2006" type="obj" preserve="1">
+  <p:cSld name="Title, Content">
+    <p:spTree>
+      <p:nvGrpSpPr>
+        <p:cNvPr id="1" name=""/>
+        <p:cNvGrpSpPr/>
+        <p:nvPr/>
+      </p:nvGrpSpPr>
+      <p:grpSpPr>
+        <a:xfrm>
+          <a:off x="0" y="0"/>
+          <a:ext cx="0" cy="0"/>
+          <a:chOff x="0" y="0"/>
+          <a:chExt cx="0" cy="0"/>
+        </a:xfrm>
+      </p:grpSpPr>
+      <p:sp>
+        <p:nvSpPr>
+          <p:cNvPr id="44" name="PlaceHolder 1"/>
+          <p:cNvSpPr>
+            <a:spLocks noGrp="1"/>
+          </p:cNvSpPr>
+          <p:nvPr>
+            <p:ph type="title"/>
+          </p:nvPr>
+        </p:nvSpPr>
+        <p:spPr>
+          <a:xfrm>
+            <a:off x="504000" y="576000"/>
+            <a:ext cx="7199640" cy="719640"/>
+          </a:xfrm>
+          <a:prstGeom prst="rect">
+            <a:avLst/>
+          </a:prstGeom>
+        </p:spPr>
+        <p:txBody>
+          <a:bodyPr lIns="0" rIns="0" tIns="0" bIns="0" anchor="ctr"/>
+          <a:p>
+            <a:pPr algn="ctr"/>
+            <a:endParaRPr b="0" lang="en-US" sz="4400" spc="-1" strike="noStrike">
+              <a:latin typeface="Arial"/>
+            </a:endParaRPr>
+          </a:p>
+        </p:txBody>
+      </p:sp>
+      <p:sp>
+        <p:nvSpPr>
+          <p:cNvPr id="45" name="PlaceHolder 2"/>
+          <p:cNvSpPr>
+            <a:spLocks noGrp="1"/>
+          </p:cNvSpPr>
+          <p:nvPr>
+            <p:ph type="body"/>
+          </p:nvPr>
+        </p:nvSpPr>
+        <p:spPr>
+          <a:xfrm>
+            <a:off x="504000" y="1800000"/>
+            <a:ext cx="9071640" cy="4384080"/>
+          </a:xfrm>
+          <a:prstGeom prst="rect">
+            <a:avLst/>
+          </a:prstGeom>
+        </p:spPr>
+        <p:txBody>
+          <a:bodyPr lIns="0" rIns="0" tIns="0" bIns="0">
+            <a:normAutofit/>
+          </a:bodyPr>
+          <a:p>
+            <a:endParaRPr b="0" lang="en-US" sz="3200" spc="-1" strike="noStrike">
+              <a:latin typeface="Arial"/>
+            </a:endParaRPr>
+          </a:p>
+        </p:txBody>
+      </p:sp>
+    </p:spTree>
+  </p:cSld>
+</p:sldLayout>
+</file>
+
+<file path=ppt/slideLayouts/slideLayout16.xml><?xml version="1.0" encoding="utf-8"?>
+<p:sldLayout xmlns:a="http://schemas.openxmlformats.org/drawingml/2006/main" xmlns:p="http://schemas.openxmlformats.org/presentationml/2006/main" xmlns:r="http://schemas.openxmlformats.org/officeDocument/2006/relationships" xmlns:p14="http://schemas.microsoft.com/office/powerpoint/2010/main" xmlns:p15="http://schemas.microsoft.com/office/powerpoint/2012/main" xmlns:mc="http://schemas.openxmlformats.org/markup-compatibility/2006" type="twoObj" preserve="1">
+  <p:cSld name="Title, 2 Content">
+    <p:spTree>
+      <p:nvGrpSpPr>
+        <p:cNvPr id="1" name=""/>
+        <p:cNvGrpSpPr/>
+        <p:nvPr/>
+      </p:nvGrpSpPr>
+      <p:grpSpPr>
+        <a:xfrm>
+          <a:off x="0" y="0"/>
+          <a:ext cx="0" cy="0"/>
+          <a:chOff x="0" y="0"/>
+          <a:chExt cx="0" cy="0"/>
+        </a:xfrm>
+      </p:grpSpPr>
+      <p:sp>
+        <p:nvSpPr>
+          <p:cNvPr id="46" name="PlaceHolder 1"/>
+          <p:cNvSpPr>
+            <a:spLocks noGrp="1"/>
+          </p:cNvSpPr>
+          <p:nvPr>
+            <p:ph type="title"/>
+          </p:nvPr>
+        </p:nvSpPr>
+        <p:spPr>
+          <a:xfrm>
+            <a:off x="504000" y="576000"/>
+            <a:ext cx="7199640" cy="719640"/>
+          </a:xfrm>
+          <a:prstGeom prst="rect">
+            <a:avLst/>
+          </a:prstGeom>
+        </p:spPr>
+        <p:txBody>
+          <a:bodyPr lIns="0" rIns="0" tIns="0" bIns="0" anchor="ctr"/>
+          <a:p>
+            <a:pPr algn="ctr"/>
+            <a:endParaRPr b="0" lang="en-US" sz="4400" spc="-1" strike="noStrike">
+              <a:latin typeface="Arial"/>
+            </a:endParaRPr>
+          </a:p>
+        </p:txBody>
+      </p:sp>
+      <p:sp>
+        <p:nvSpPr>
+          <p:cNvPr id="47" name="PlaceHolder 2"/>
+          <p:cNvSpPr>
+            <a:spLocks noGrp="1"/>
+          </p:cNvSpPr>
+          <p:nvPr>
+            <p:ph type="body"/>
+          </p:nvPr>
+        </p:nvSpPr>
+        <p:spPr>
+          <a:xfrm>
+            <a:off x="504000" y="1800000"/>
+            <a:ext cx="4426920" cy="4384080"/>
+          </a:xfrm>
+          <a:prstGeom prst="rect">
+            <a:avLst/>
+          </a:prstGeom>
+        </p:spPr>
+        <p:txBody>
+          <a:bodyPr lIns="0" rIns="0" tIns="0" bIns="0">
+            <a:normAutofit/>
+          </a:bodyPr>
+          <a:p>
+            <a:endParaRPr b="0" lang="en-US" sz="3200" spc="-1" strike="noStrike">
+              <a:latin typeface="Arial"/>
+            </a:endParaRPr>
+          </a:p>
+        </p:txBody>
+      </p:sp>
+      <p:sp>
+        <p:nvSpPr>
+          <p:cNvPr id="48" name="PlaceHolder 3"/>
+          <p:cNvSpPr>
+            <a:spLocks noGrp="1"/>
+          </p:cNvSpPr>
+          <p:nvPr>
+            <p:ph type="body"/>
+          </p:nvPr>
+        </p:nvSpPr>
+        <p:spPr>
+          <a:xfrm>
+            <a:off x="5152680" y="1800000"/>
+            <a:ext cx="4426920" cy="4384080"/>
+          </a:xfrm>
+          <a:prstGeom prst="rect">
+            <a:avLst/>
+          </a:prstGeom>
+        </p:spPr>
+        <p:txBody>
+          <a:bodyPr lIns="0" rIns="0" tIns="0" bIns="0">
+            <a:normAutofit/>
+          </a:bodyPr>
+          <a:p>
+            <a:endParaRPr b="0" lang="en-US" sz="3200" spc="-1" strike="noStrike">
+              <a:latin typeface="Arial"/>
+            </a:endParaRPr>
+          </a:p>
+        </p:txBody>
+      </p:sp>
+    </p:spTree>
+  </p:cSld>
+</p:sldLayout>
+</file>
+
+<file path=ppt/slideLayouts/slideLayout17.xml><?xml version="1.0" encoding="utf-8"?>
+<p:sldLayout xmlns:a="http://schemas.openxmlformats.org/drawingml/2006/main" xmlns:p="http://schemas.openxmlformats.org/presentationml/2006/main" xmlns:r="http://schemas.openxmlformats.org/officeDocument/2006/relationships" xmlns:p14="http://schemas.microsoft.com/office/powerpoint/2010/main" xmlns:p15="http://schemas.microsoft.com/office/powerpoint/2012/main" xmlns:mc="http://schemas.openxmlformats.org/markup-compatibility/2006" type="titleOnly" preserve="1">
+  <p:cSld name="Title Only">
+    <p:spTree>
+      <p:nvGrpSpPr>
+        <p:cNvPr id="1" name=""/>
+        <p:cNvGrpSpPr/>
+        <p:nvPr/>
+      </p:nvGrpSpPr>
+      <p:grpSpPr>
+        <a:xfrm>
+          <a:off x="0" y="0"/>
+          <a:ext cx="0" cy="0"/>
+          <a:chOff x="0" y="0"/>
+          <a:chExt cx="0" cy="0"/>
+        </a:xfrm>
+      </p:grpSpPr>
+      <p:sp>
+        <p:nvSpPr>
+          <p:cNvPr id="49" name="PlaceHolder 1"/>
+          <p:cNvSpPr>
+            <a:spLocks noGrp="1"/>
+          </p:cNvSpPr>
+          <p:nvPr>
+            <p:ph type="title"/>
+          </p:nvPr>
+        </p:nvSpPr>
+        <p:spPr>
+          <a:xfrm>
+            <a:off x="504000" y="576000"/>
+            <a:ext cx="7199640" cy="719640"/>
+          </a:xfrm>
+          <a:prstGeom prst="rect">
+            <a:avLst/>
+          </a:prstGeom>
+        </p:spPr>
+        <p:txBody>
+          <a:bodyPr lIns="0" rIns="0" tIns="0" bIns="0" anchor="ctr"/>
+          <a:p>
+            <a:pPr algn="ctr"/>
+            <a:endParaRPr b="0" lang="en-US" sz="4400" spc="-1" strike="noStrike">
+              <a:latin typeface="Arial"/>
+            </a:endParaRPr>
+          </a:p>
+        </p:txBody>
+      </p:sp>
+    </p:spTree>
+  </p:cSld>
+</p:sldLayout>
+</file>
+
+<file path=ppt/slideLayouts/slideLayout18.xml><?xml version="1.0" encoding="utf-8"?>
+<p:sldLayout xmlns:a="http://schemas.openxmlformats.org/drawingml/2006/main" xmlns:p="http://schemas.openxmlformats.org/presentationml/2006/main" xmlns:r="http://schemas.openxmlformats.org/officeDocument/2006/relationships" xmlns:p14="http://schemas.microsoft.com/office/powerpoint/2010/main" xmlns:p15="http://schemas.microsoft.com/office/powerpoint/2012/main" xmlns:mc="http://schemas.openxmlformats.org/markup-compatibility/2006" type="objOnly" preserve="1">
+  <p:cSld name="Centered Text">
+    <p:spTree>
+      <p:nvGrpSpPr>
+        <p:cNvPr id="1" name=""/>
+        <p:cNvGrpSpPr/>
+        <p:nvPr/>
+      </p:nvGrpSpPr>
+      <p:grpSpPr>
+        <a:xfrm>
+          <a:off x="0" y="0"/>
+          <a:ext cx="0" cy="0"/>
+          <a:chOff x="0" y="0"/>
+          <a:chExt cx="0" cy="0"/>
+        </a:xfrm>
+      </p:grpSpPr>
+      <p:sp>
+        <p:nvSpPr>
+          <p:cNvPr id="50" name="PlaceHolder 1"/>
+          <p:cNvSpPr>
+            <a:spLocks noGrp="1"/>
+          </p:cNvSpPr>
+          <p:nvPr>
+            <p:ph type="subTitle"/>
+          </p:nvPr>
+        </p:nvSpPr>
+        <p:spPr>
+          <a:xfrm>
+            <a:off x="504000" y="576000"/>
+            <a:ext cx="7199640" cy="3337200"/>
+          </a:xfrm>
+          <a:prstGeom prst="rect">
+            <a:avLst/>
+          </a:prstGeom>
+        </p:spPr>
+        <p:txBody>
+          <a:bodyPr lIns="0" rIns="0" tIns="0" bIns="0" anchor="ctr"/>
+          <a:p>
+            <a:pPr algn="ctr"/>
+            <a:endParaRPr b="0" lang="en-US" sz="3200" spc="-1" strike="noStrike">
+              <a:latin typeface="Arial"/>
+            </a:endParaRPr>
+          </a:p>
+        </p:txBody>
+      </p:sp>
+    </p:spTree>
+  </p:cSld>
+</p:sldLayout>
+</file>
+
+<file path=ppt/slideLayouts/slideLayout19.xml><?xml version="1.0" encoding="utf-8"?>
+<p:sldLayout xmlns:a="http://schemas.openxmlformats.org/drawingml/2006/main" xmlns:p="http://schemas.openxmlformats.org/presentationml/2006/main" xmlns:r="http://schemas.openxmlformats.org/officeDocument/2006/relationships" xmlns:p14="http://schemas.microsoft.com/office/powerpoint/2010/main" xmlns:p15="http://schemas.microsoft.com/office/powerpoint/2012/main" xmlns:mc="http://schemas.openxmlformats.org/markup-compatibility/2006" type="twoObjAndObj" preserve="1">
+  <p:cSld name="Title, 2 Content and Content">
+    <p:spTree>
+      <p:nvGrpSpPr>
+        <p:cNvPr id="1" name=""/>
+        <p:cNvGrpSpPr/>
+        <p:nvPr/>
+      </p:nvGrpSpPr>
+      <p:grpSpPr>
+        <a:xfrm>
+          <a:off x="0" y="0"/>
+          <a:ext cx="0" cy="0"/>
+          <a:chOff x="0" y="0"/>
+          <a:chExt cx="0" cy="0"/>
+        </a:xfrm>
+      </p:grpSpPr>
+      <p:sp>
+        <p:nvSpPr>
+          <p:cNvPr id="51" name="PlaceHolder 1"/>
+          <p:cNvSpPr>
+            <a:spLocks noGrp="1"/>
+          </p:cNvSpPr>
+          <p:nvPr>
+            <p:ph type="title"/>
+          </p:nvPr>
+        </p:nvSpPr>
+        <p:spPr>
+          <a:xfrm>
+            <a:off x="504000" y="576000"/>
+            <a:ext cx="7199640" cy="719640"/>
+          </a:xfrm>
+          <a:prstGeom prst="rect">
+            <a:avLst/>
+          </a:prstGeom>
+        </p:spPr>
+        <p:txBody>
+          <a:bodyPr lIns="0" rIns="0" tIns="0" bIns="0" anchor="ctr"/>
+          <a:p>
+            <a:pPr algn="ctr"/>
+            <a:endParaRPr b="0" lang="en-US" sz="4400" spc="-1" strike="noStrike">
+              <a:latin typeface="Arial"/>
+            </a:endParaRPr>
+          </a:p>
+        </p:txBody>
+      </p:sp>
+      <p:sp>
+        <p:nvSpPr>
+          <p:cNvPr id="52" name="PlaceHolder 2"/>
+          <p:cNvSpPr>
+            <a:spLocks noGrp="1"/>
+          </p:cNvSpPr>
+          <p:nvPr>
+            <p:ph type="body"/>
+          </p:nvPr>
+        </p:nvSpPr>
+        <p:spPr>
+          <a:xfrm>
+            <a:off x="504000" y="1800000"/>
+            <a:ext cx="4426920" cy="2090880"/>
+          </a:xfrm>
+          <a:prstGeom prst="rect">
+            <a:avLst/>
+          </a:prstGeom>
+        </p:spPr>
+        <p:txBody>
+          <a:bodyPr lIns="0" rIns="0" tIns="0" bIns="0">
+            <a:normAutofit/>
+          </a:bodyPr>
+          <a:p>
+            <a:endParaRPr b="0" lang="en-US" sz="3200" spc="-1" strike="noStrike">
+              <a:latin typeface="Arial"/>
+            </a:endParaRPr>
+          </a:p>
+        </p:txBody>
+      </p:sp>
+      <p:sp>
+        <p:nvSpPr>
+          <p:cNvPr id="53" name="PlaceHolder 3"/>
+          <p:cNvSpPr>
+            <a:spLocks noGrp="1"/>
+          </p:cNvSpPr>
+          <p:nvPr>
+            <p:ph type="body"/>
+          </p:nvPr>
+        </p:nvSpPr>
+        <p:spPr>
+          <a:xfrm>
+            <a:off x="5152680" y="1800000"/>
+            <a:ext cx="4426920" cy="4384080"/>
+          </a:xfrm>
+          <a:prstGeom prst="rect">
+            <a:avLst/>
+          </a:prstGeom>
+        </p:spPr>
+        <p:txBody>
+          <a:bodyPr lIns="0" rIns="0" tIns="0" bIns="0">
+            <a:normAutofit/>
+          </a:bodyPr>
+          <a:p>
+            <a:endParaRPr b="0" lang="en-US" sz="3200" spc="-1" strike="noStrike">
+              <a:latin typeface="Arial"/>
+            </a:endParaRPr>
+          </a:p>
+        </p:txBody>
+      </p:sp>
+      <p:sp>
+        <p:nvSpPr>
+          <p:cNvPr id="54" name="PlaceHolder 4"/>
+          <p:cNvSpPr>
+            <a:spLocks noGrp="1"/>
+          </p:cNvSpPr>
+          <p:nvPr>
+            <p:ph type="body"/>
+          </p:nvPr>
+        </p:nvSpPr>
+        <p:spPr>
+          <a:xfrm>
+            <a:off x="504000" y="4089960"/>
+            <a:ext cx="4426920" cy="2090880"/>
+          </a:xfrm>
+          <a:prstGeom prst="rect">
+            <a:avLst/>
+          </a:prstGeom>
+        </p:spPr>
+        <p:txBody>
+          <a:bodyPr lIns="0" rIns="0" tIns="0" bIns="0">
+            <a:normAutofit/>
+          </a:bodyPr>
+          <a:p>
+            <a:endParaRPr b="0" lang="en-US" sz="3200" spc="-1" strike="noStrike">
               <a:latin typeface="Arial"/>
             </a:endParaRPr>
           </a:p>
@@ -572,7 +1113,7 @@
       </p:grpSpPr>
       <p:sp>
         <p:nvSpPr>
-          <p:cNvPr id="6" name="PlaceHolder 1"/>
+          <p:cNvPr id="3" name="PlaceHolder 1"/>
           <p:cNvSpPr>
             <a:spLocks noGrp="1"/>
           </p:cNvSpPr>
@@ -583,7 +1124,7 @@
         <p:spPr>
           <a:xfrm>
             <a:off x="504000" y="576000"/>
-            <a:ext cx="7200000" cy="720000"/>
+            <a:ext cx="7199640" cy="719640"/>
           </a:xfrm>
           <a:prstGeom prst="rect">
             <a:avLst/>
@@ -592,15 +1133,16 @@
         <p:txBody>
           <a:bodyPr lIns="0" rIns="0" tIns="0" bIns="0" anchor="ctr"/>
           <a:p>
-            <a:endParaRPr b="0" lang="en-US" sz="3600" spc="-1" strike="noStrike">
-              <a:latin typeface="Arial"/>
-            </a:endParaRPr>
-          </a:p>
-        </p:txBody>
-      </p:sp>
-      <p:sp>
-        <p:nvSpPr>
-          <p:cNvPr id="7" name="PlaceHolder 2"/>
+            <a:pPr algn="ctr"/>
+            <a:endParaRPr b="0" lang="en-US" sz="4400" spc="-1" strike="noStrike">
+              <a:latin typeface="Arial"/>
+            </a:endParaRPr>
+          </a:p>
+        </p:txBody>
+      </p:sp>
+      <p:sp>
+        <p:nvSpPr>
+          <p:cNvPr id="4" name="PlaceHolder 2"/>
           <p:cNvSpPr>
             <a:spLocks noGrp="1"/>
           </p:cNvSpPr>
@@ -611,7 +1153,7 @@
         <p:spPr>
           <a:xfrm>
             <a:off x="504000" y="1800000"/>
-            <a:ext cx="9072000" cy="4384440"/>
+            <a:ext cx="9071640" cy="4384080"/>
           </a:xfrm>
           <a:prstGeom prst="rect">
             <a:avLst/>
@@ -621,6 +1163,801 @@
           <a:bodyPr lIns="0" rIns="0" tIns="0" bIns="0" anchor="ctr"/>
           <a:p>
             <a:pPr algn="ctr"/>
+            <a:endParaRPr b="0" lang="en-US" sz="3200" spc="-1" strike="noStrike">
+              <a:latin typeface="Arial"/>
+            </a:endParaRPr>
+          </a:p>
+        </p:txBody>
+      </p:sp>
+    </p:spTree>
+  </p:cSld>
+</p:sldLayout>
+</file>
+
+<file path=ppt/slideLayouts/slideLayout20.xml><?xml version="1.0" encoding="utf-8"?>
+<p:sldLayout xmlns:a="http://schemas.openxmlformats.org/drawingml/2006/main" xmlns:p="http://schemas.openxmlformats.org/presentationml/2006/main" xmlns:r="http://schemas.openxmlformats.org/officeDocument/2006/relationships" xmlns:p14="http://schemas.microsoft.com/office/powerpoint/2010/main" xmlns:p15="http://schemas.microsoft.com/office/powerpoint/2012/main" xmlns:mc="http://schemas.openxmlformats.org/markup-compatibility/2006" type="objAndTwoObj" preserve="1">
+  <p:cSld name="Title Content and 2 Content">
+    <p:spTree>
+      <p:nvGrpSpPr>
+        <p:cNvPr id="1" name=""/>
+        <p:cNvGrpSpPr/>
+        <p:nvPr/>
+      </p:nvGrpSpPr>
+      <p:grpSpPr>
+        <a:xfrm>
+          <a:off x="0" y="0"/>
+          <a:ext cx="0" cy="0"/>
+          <a:chOff x="0" y="0"/>
+          <a:chExt cx="0" cy="0"/>
+        </a:xfrm>
+      </p:grpSpPr>
+      <p:sp>
+        <p:nvSpPr>
+          <p:cNvPr id="55" name="PlaceHolder 1"/>
+          <p:cNvSpPr>
+            <a:spLocks noGrp="1"/>
+          </p:cNvSpPr>
+          <p:nvPr>
+            <p:ph type="title"/>
+          </p:nvPr>
+        </p:nvSpPr>
+        <p:spPr>
+          <a:xfrm>
+            <a:off x="504000" y="576000"/>
+            <a:ext cx="7199640" cy="719640"/>
+          </a:xfrm>
+          <a:prstGeom prst="rect">
+            <a:avLst/>
+          </a:prstGeom>
+        </p:spPr>
+        <p:txBody>
+          <a:bodyPr lIns="0" rIns="0" tIns="0" bIns="0" anchor="ctr"/>
+          <a:p>
+            <a:pPr algn="ctr"/>
+            <a:endParaRPr b="0" lang="en-US" sz="4400" spc="-1" strike="noStrike">
+              <a:latin typeface="Arial"/>
+            </a:endParaRPr>
+          </a:p>
+        </p:txBody>
+      </p:sp>
+      <p:sp>
+        <p:nvSpPr>
+          <p:cNvPr id="56" name="PlaceHolder 2"/>
+          <p:cNvSpPr>
+            <a:spLocks noGrp="1"/>
+          </p:cNvSpPr>
+          <p:nvPr>
+            <p:ph type="body"/>
+          </p:nvPr>
+        </p:nvSpPr>
+        <p:spPr>
+          <a:xfrm>
+            <a:off x="504000" y="1800000"/>
+            <a:ext cx="4426920" cy="4384080"/>
+          </a:xfrm>
+          <a:prstGeom prst="rect">
+            <a:avLst/>
+          </a:prstGeom>
+        </p:spPr>
+        <p:txBody>
+          <a:bodyPr lIns="0" rIns="0" tIns="0" bIns="0">
+            <a:normAutofit/>
+          </a:bodyPr>
+          <a:p>
+            <a:endParaRPr b="0" lang="en-US" sz="3200" spc="-1" strike="noStrike">
+              <a:latin typeface="Arial"/>
+            </a:endParaRPr>
+          </a:p>
+        </p:txBody>
+      </p:sp>
+      <p:sp>
+        <p:nvSpPr>
+          <p:cNvPr id="57" name="PlaceHolder 3"/>
+          <p:cNvSpPr>
+            <a:spLocks noGrp="1"/>
+          </p:cNvSpPr>
+          <p:nvPr>
+            <p:ph type="body"/>
+          </p:nvPr>
+        </p:nvSpPr>
+        <p:spPr>
+          <a:xfrm>
+            <a:off x="5152680" y="1800000"/>
+            <a:ext cx="4426920" cy="2090880"/>
+          </a:xfrm>
+          <a:prstGeom prst="rect">
+            <a:avLst/>
+          </a:prstGeom>
+        </p:spPr>
+        <p:txBody>
+          <a:bodyPr lIns="0" rIns="0" tIns="0" bIns="0">
+            <a:normAutofit/>
+          </a:bodyPr>
+          <a:p>
+            <a:endParaRPr b="0" lang="en-US" sz="3200" spc="-1" strike="noStrike">
+              <a:latin typeface="Arial"/>
+            </a:endParaRPr>
+          </a:p>
+        </p:txBody>
+      </p:sp>
+      <p:sp>
+        <p:nvSpPr>
+          <p:cNvPr id="58" name="PlaceHolder 4"/>
+          <p:cNvSpPr>
+            <a:spLocks noGrp="1"/>
+          </p:cNvSpPr>
+          <p:nvPr>
+            <p:ph type="body"/>
+          </p:nvPr>
+        </p:nvSpPr>
+        <p:spPr>
+          <a:xfrm>
+            <a:off x="5152680" y="4089960"/>
+            <a:ext cx="4426920" cy="2090880"/>
+          </a:xfrm>
+          <a:prstGeom prst="rect">
+            <a:avLst/>
+          </a:prstGeom>
+        </p:spPr>
+        <p:txBody>
+          <a:bodyPr lIns="0" rIns="0" tIns="0" bIns="0">
+            <a:normAutofit/>
+          </a:bodyPr>
+          <a:p>
+            <a:endParaRPr b="0" lang="en-US" sz="3200" spc="-1" strike="noStrike">
+              <a:latin typeface="Arial"/>
+            </a:endParaRPr>
+          </a:p>
+        </p:txBody>
+      </p:sp>
+    </p:spTree>
+  </p:cSld>
+</p:sldLayout>
+</file>
+
+<file path=ppt/slideLayouts/slideLayout21.xml><?xml version="1.0" encoding="utf-8"?>
+<p:sldLayout xmlns:a="http://schemas.openxmlformats.org/drawingml/2006/main" xmlns:p="http://schemas.openxmlformats.org/presentationml/2006/main" xmlns:r="http://schemas.openxmlformats.org/officeDocument/2006/relationships" xmlns:p14="http://schemas.microsoft.com/office/powerpoint/2010/main" xmlns:p15="http://schemas.microsoft.com/office/powerpoint/2012/main" xmlns:mc="http://schemas.openxmlformats.org/markup-compatibility/2006" type="twoObjOverTx" preserve="1">
+  <p:cSld name="Title, 2 Content over Content">
+    <p:spTree>
+      <p:nvGrpSpPr>
+        <p:cNvPr id="1" name=""/>
+        <p:cNvGrpSpPr/>
+        <p:nvPr/>
+      </p:nvGrpSpPr>
+      <p:grpSpPr>
+        <a:xfrm>
+          <a:off x="0" y="0"/>
+          <a:ext cx="0" cy="0"/>
+          <a:chOff x="0" y="0"/>
+          <a:chExt cx="0" cy="0"/>
+        </a:xfrm>
+      </p:grpSpPr>
+      <p:sp>
+        <p:nvSpPr>
+          <p:cNvPr id="59" name="PlaceHolder 1"/>
+          <p:cNvSpPr>
+            <a:spLocks noGrp="1"/>
+          </p:cNvSpPr>
+          <p:nvPr>
+            <p:ph type="title"/>
+          </p:nvPr>
+        </p:nvSpPr>
+        <p:spPr>
+          <a:xfrm>
+            <a:off x="504000" y="576000"/>
+            <a:ext cx="7199640" cy="719640"/>
+          </a:xfrm>
+          <a:prstGeom prst="rect">
+            <a:avLst/>
+          </a:prstGeom>
+        </p:spPr>
+        <p:txBody>
+          <a:bodyPr lIns="0" rIns="0" tIns="0" bIns="0" anchor="ctr"/>
+          <a:p>
+            <a:pPr algn="ctr"/>
+            <a:endParaRPr b="0" lang="en-US" sz="4400" spc="-1" strike="noStrike">
+              <a:latin typeface="Arial"/>
+            </a:endParaRPr>
+          </a:p>
+        </p:txBody>
+      </p:sp>
+      <p:sp>
+        <p:nvSpPr>
+          <p:cNvPr id="60" name="PlaceHolder 2"/>
+          <p:cNvSpPr>
+            <a:spLocks noGrp="1"/>
+          </p:cNvSpPr>
+          <p:nvPr>
+            <p:ph type="body"/>
+          </p:nvPr>
+        </p:nvSpPr>
+        <p:spPr>
+          <a:xfrm>
+            <a:off x="504000" y="1800000"/>
+            <a:ext cx="4426920" cy="2090880"/>
+          </a:xfrm>
+          <a:prstGeom prst="rect">
+            <a:avLst/>
+          </a:prstGeom>
+        </p:spPr>
+        <p:txBody>
+          <a:bodyPr lIns="0" rIns="0" tIns="0" bIns="0">
+            <a:normAutofit/>
+          </a:bodyPr>
+          <a:p>
+            <a:endParaRPr b="0" lang="en-US" sz="3200" spc="-1" strike="noStrike">
+              <a:latin typeface="Arial"/>
+            </a:endParaRPr>
+          </a:p>
+        </p:txBody>
+      </p:sp>
+      <p:sp>
+        <p:nvSpPr>
+          <p:cNvPr id="61" name="PlaceHolder 3"/>
+          <p:cNvSpPr>
+            <a:spLocks noGrp="1"/>
+          </p:cNvSpPr>
+          <p:nvPr>
+            <p:ph type="body"/>
+          </p:nvPr>
+        </p:nvSpPr>
+        <p:spPr>
+          <a:xfrm>
+            <a:off x="5152680" y="1800000"/>
+            <a:ext cx="4426920" cy="2090880"/>
+          </a:xfrm>
+          <a:prstGeom prst="rect">
+            <a:avLst/>
+          </a:prstGeom>
+        </p:spPr>
+        <p:txBody>
+          <a:bodyPr lIns="0" rIns="0" tIns="0" bIns="0">
+            <a:normAutofit/>
+          </a:bodyPr>
+          <a:p>
+            <a:endParaRPr b="0" lang="en-US" sz="3200" spc="-1" strike="noStrike">
+              <a:latin typeface="Arial"/>
+            </a:endParaRPr>
+          </a:p>
+        </p:txBody>
+      </p:sp>
+      <p:sp>
+        <p:nvSpPr>
+          <p:cNvPr id="62" name="PlaceHolder 4"/>
+          <p:cNvSpPr>
+            <a:spLocks noGrp="1"/>
+          </p:cNvSpPr>
+          <p:nvPr>
+            <p:ph type="body"/>
+          </p:nvPr>
+        </p:nvSpPr>
+        <p:spPr>
+          <a:xfrm>
+            <a:off x="504000" y="4089960"/>
+            <a:ext cx="9071640" cy="2090880"/>
+          </a:xfrm>
+          <a:prstGeom prst="rect">
+            <a:avLst/>
+          </a:prstGeom>
+        </p:spPr>
+        <p:txBody>
+          <a:bodyPr lIns="0" rIns="0" tIns="0" bIns="0">
+            <a:normAutofit/>
+          </a:bodyPr>
+          <a:p>
+            <a:endParaRPr b="0" lang="en-US" sz="3200" spc="-1" strike="noStrike">
+              <a:latin typeface="Arial"/>
+            </a:endParaRPr>
+          </a:p>
+        </p:txBody>
+      </p:sp>
+    </p:spTree>
+  </p:cSld>
+</p:sldLayout>
+</file>
+
+<file path=ppt/slideLayouts/slideLayout22.xml><?xml version="1.0" encoding="utf-8"?>
+<p:sldLayout xmlns:a="http://schemas.openxmlformats.org/drawingml/2006/main" xmlns:p="http://schemas.openxmlformats.org/presentationml/2006/main" xmlns:r="http://schemas.openxmlformats.org/officeDocument/2006/relationships" xmlns:p14="http://schemas.microsoft.com/office/powerpoint/2010/main" xmlns:p15="http://schemas.microsoft.com/office/powerpoint/2012/main" xmlns:mc="http://schemas.openxmlformats.org/markup-compatibility/2006" type="objOverTx" preserve="1">
+  <p:cSld name="Title, Content over Content">
+    <p:spTree>
+      <p:nvGrpSpPr>
+        <p:cNvPr id="1" name=""/>
+        <p:cNvGrpSpPr/>
+        <p:nvPr/>
+      </p:nvGrpSpPr>
+      <p:grpSpPr>
+        <a:xfrm>
+          <a:off x="0" y="0"/>
+          <a:ext cx="0" cy="0"/>
+          <a:chOff x="0" y="0"/>
+          <a:chExt cx="0" cy="0"/>
+        </a:xfrm>
+      </p:grpSpPr>
+      <p:sp>
+        <p:nvSpPr>
+          <p:cNvPr id="63" name="PlaceHolder 1"/>
+          <p:cNvSpPr>
+            <a:spLocks noGrp="1"/>
+          </p:cNvSpPr>
+          <p:nvPr>
+            <p:ph type="title"/>
+          </p:nvPr>
+        </p:nvSpPr>
+        <p:spPr>
+          <a:xfrm>
+            <a:off x="504000" y="576000"/>
+            <a:ext cx="7199640" cy="719640"/>
+          </a:xfrm>
+          <a:prstGeom prst="rect">
+            <a:avLst/>
+          </a:prstGeom>
+        </p:spPr>
+        <p:txBody>
+          <a:bodyPr lIns="0" rIns="0" tIns="0" bIns="0" anchor="ctr"/>
+          <a:p>
+            <a:pPr algn="ctr"/>
+            <a:endParaRPr b="0" lang="en-US" sz="4400" spc="-1" strike="noStrike">
+              <a:latin typeface="Arial"/>
+            </a:endParaRPr>
+          </a:p>
+        </p:txBody>
+      </p:sp>
+      <p:sp>
+        <p:nvSpPr>
+          <p:cNvPr id="64" name="PlaceHolder 2"/>
+          <p:cNvSpPr>
+            <a:spLocks noGrp="1"/>
+          </p:cNvSpPr>
+          <p:nvPr>
+            <p:ph type="body"/>
+          </p:nvPr>
+        </p:nvSpPr>
+        <p:spPr>
+          <a:xfrm>
+            <a:off x="504000" y="1800000"/>
+            <a:ext cx="9071640" cy="2090880"/>
+          </a:xfrm>
+          <a:prstGeom prst="rect">
+            <a:avLst/>
+          </a:prstGeom>
+        </p:spPr>
+        <p:txBody>
+          <a:bodyPr lIns="0" rIns="0" tIns="0" bIns="0">
+            <a:normAutofit/>
+          </a:bodyPr>
+          <a:p>
+            <a:endParaRPr b="0" lang="en-US" sz="3200" spc="-1" strike="noStrike">
+              <a:latin typeface="Arial"/>
+            </a:endParaRPr>
+          </a:p>
+        </p:txBody>
+      </p:sp>
+      <p:sp>
+        <p:nvSpPr>
+          <p:cNvPr id="65" name="PlaceHolder 3"/>
+          <p:cNvSpPr>
+            <a:spLocks noGrp="1"/>
+          </p:cNvSpPr>
+          <p:nvPr>
+            <p:ph type="body"/>
+          </p:nvPr>
+        </p:nvSpPr>
+        <p:spPr>
+          <a:xfrm>
+            <a:off x="504000" y="4089960"/>
+            <a:ext cx="9071640" cy="2090880"/>
+          </a:xfrm>
+          <a:prstGeom prst="rect">
+            <a:avLst/>
+          </a:prstGeom>
+        </p:spPr>
+        <p:txBody>
+          <a:bodyPr lIns="0" rIns="0" tIns="0" bIns="0">
+            <a:normAutofit/>
+          </a:bodyPr>
+          <a:p>
+            <a:endParaRPr b="0" lang="en-US" sz="3200" spc="-1" strike="noStrike">
+              <a:latin typeface="Arial"/>
+            </a:endParaRPr>
+          </a:p>
+        </p:txBody>
+      </p:sp>
+    </p:spTree>
+  </p:cSld>
+</p:sldLayout>
+</file>
+
+<file path=ppt/slideLayouts/slideLayout23.xml><?xml version="1.0" encoding="utf-8"?>
+<p:sldLayout xmlns:a="http://schemas.openxmlformats.org/drawingml/2006/main" xmlns:p="http://schemas.openxmlformats.org/presentationml/2006/main" xmlns:r="http://schemas.openxmlformats.org/officeDocument/2006/relationships" xmlns:p14="http://schemas.microsoft.com/office/powerpoint/2010/main" xmlns:p15="http://schemas.microsoft.com/office/powerpoint/2012/main" xmlns:mc="http://schemas.openxmlformats.org/markup-compatibility/2006" type="fourObj" preserve="1">
+  <p:cSld name="Title, 4 Content">
+    <p:spTree>
+      <p:nvGrpSpPr>
+        <p:cNvPr id="1" name=""/>
+        <p:cNvGrpSpPr/>
+        <p:nvPr/>
+      </p:nvGrpSpPr>
+      <p:grpSpPr>
+        <a:xfrm>
+          <a:off x="0" y="0"/>
+          <a:ext cx="0" cy="0"/>
+          <a:chOff x="0" y="0"/>
+          <a:chExt cx="0" cy="0"/>
+        </a:xfrm>
+      </p:grpSpPr>
+      <p:sp>
+        <p:nvSpPr>
+          <p:cNvPr id="66" name="PlaceHolder 1"/>
+          <p:cNvSpPr>
+            <a:spLocks noGrp="1"/>
+          </p:cNvSpPr>
+          <p:nvPr>
+            <p:ph type="title"/>
+          </p:nvPr>
+        </p:nvSpPr>
+        <p:spPr>
+          <a:xfrm>
+            <a:off x="504000" y="576000"/>
+            <a:ext cx="7199640" cy="719640"/>
+          </a:xfrm>
+          <a:prstGeom prst="rect">
+            <a:avLst/>
+          </a:prstGeom>
+        </p:spPr>
+        <p:txBody>
+          <a:bodyPr lIns="0" rIns="0" tIns="0" bIns="0" anchor="ctr"/>
+          <a:p>
+            <a:pPr algn="ctr"/>
+            <a:endParaRPr b="0" lang="en-US" sz="4400" spc="-1" strike="noStrike">
+              <a:latin typeface="Arial"/>
+            </a:endParaRPr>
+          </a:p>
+        </p:txBody>
+      </p:sp>
+      <p:sp>
+        <p:nvSpPr>
+          <p:cNvPr id="67" name="PlaceHolder 2"/>
+          <p:cNvSpPr>
+            <a:spLocks noGrp="1"/>
+          </p:cNvSpPr>
+          <p:nvPr>
+            <p:ph type="body"/>
+          </p:nvPr>
+        </p:nvSpPr>
+        <p:spPr>
+          <a:xfrm>
+            <a:off x="504000" y="1800000"/>
+            <a:ext cx="4426920" cy="2090880"/>
+          </a:xfrm>
+          <a:prstGeom prst="rect">
+            <a:avLst/>
+          </a:prstGeom>
+        </p:spPr>
+        <p:txBody>
+          <a:bodyPr lIns="0" rIns="0" tIns="0" bIns="0">
+            <a:normAutofit/>
+          </a:bodyPr>
+          <a:p>
+            <a:endParaRPr b="0" lang="en-US" sz="3200" spc="-1" strike="noStrike">
+              <a:latin typeface="Arial"/>
+            </a:endParaRPr>
+          </a:p>
+        </p:txBody>
+      </p:sp>
+      <p:sp>
+        <p:nvSpPr>
+          <p:cNvPr id="68" name="PlaceHolder 3"/>
+          <p:cNvSpPr>
+            <a:spLocks noGrp="1"/>
+          </p:cNvSpPr>
+          <p:nvPr>
+            <p:ph type="body"/>
+          </p:nvPr>
+        </p:nvSpPr>
+        <p:spPr>
+          <a:xfrm>
+            <a:off x="5152680" y="1800000"/>
+            <a:ext cx="4426920" cy="2090880"/>
+          </a:xfrm>
+          <a:prstGeom prst="rect">
+            <a:avLst/>
+          </a:prstGeom>
+        </p:spPr>
+        <p:txBody>
+          <a:bodyPr lIns="0" rIns="0" tIns="0" bIns="0">
+            <a:normAutofit/>
+          </a:bodyPr>
+          <a:p>
+            <a:endParaRPr b="0" lang="en-US" sz="3200" spc="-1" strike="noStrike">
+              <a:latin typeface="Arial"/>
+            </a:endParaRPr>
+          </a:p>
+        </p:txBody>
+      </p:sp>
+      <p:sp>
+        <p:nvSpPr>
+          <p:cNvPr id="69" name="PlaceHolder 4"/>
+          <p:cNvSpPr>
+            <a:spLocks noGrp="1"/>
+          </p:cNvSpPr>
+          <p:nvPr>
+            <p:ph type="body"/>
+          </p:nvPr>
+        </p:nvSpPr>
+        <p:spPr>
+          <a:xfrm>
+            <a:off x="504000" y="4089960"/>
+            <a:ext cx="4426920" cy="2090880"/>
+          </a:xfrm>
+          <a:prstGeom prst="rect">
+            <a:avLst/>
+          </a:prstGeom>
+        </p:spPr>
+        <p:txBody>
+          <a:bodyPr lIns="0" rIns="0" tIns="0" bIns="0">
+            <a:normAutofit/>
+          </a:bodyPr>
+          <a:p>
+            <a:endParaRPr b="0" lang="en-US" sz="3200" spc="-1" strike="noStrike">
+              <a:latin typeface="Arial"/>
+            </a:endParaRPr>
+          </a:p>
+        </p:txBody>
+      </p:sp>
+      <p:sp>
+        <p:nvSpPr>
+          <p:cNvPr id="70" name="PlaceHolder 5"/>
+          <p:cNvSpPr>
+            <a:spLocks noGrp="1"/>
+          </p:cNvSpPr>
+          <p:nvPr>
+            <p:ph type="body"/>
+          </p:nvPr>
+        </p:nvSpPr>
+        <p:spPr>
+          <a:xfrm>
+            <a:off x="5152680" y="4089960"/>
+            <a:ext cx="4426920" cy="2090880"/>
+          </a:xfrm>
+          <a:prstGeom prst="rect">
+            <a:avLst/>
+          </a:prstGeom>
+        </p:spPr>
+        <p:txBody>
+          <a:bodyPr lIns="0" rIns="0" tIns="0" bIns="0">
+            <a:normAutofit/>
+          </a:bodyPr>
+          <a:p>
+            <a:endParaRPr b="0" lang="en-US" sz="3200" spc="-1" strike="noStrike">
+              <a:latin typeface="Arial"/>
+            </a:endParaRPr>
+          </a:p>
+        </p:txBody>
+      </p:sp>
+    </p:spTree>
+  </p:cSld>
+</p:sldLayout>
+</file>
+
+<file path=ppt/slideLayouts/slideLayout24.xml><?xml version="1.0" encoding="utf-8"?>
+<p:sldLayout xmlns:a="http://schemas.openxmlformats.org/drawingml/2006/main" xmlns:p="http://schemas.openxmlformats.org/presentationml/2006/main" xmlns:r="http://schemas.openxmlformats.org/officeDocument/2006/relationships" xmlns:p14="http://schemas.microsoft.com/office/powerpoint/2010/main" xmlns:p15="http://schemas.microsoft.com/office/powerpoint/2012/main" xmlns:mc="http://schemas.openxmlformats.org/markup-compatibility/2006" type="blank" preserve="1">
+  <p:cSld name="Title, 6 Content">
+    <p:spTree>
+      <p:nvGrpSpPr>
+        <p:cNvPr id="1" name=""/>
+        <p:cNvGrpSpPr/>
+        <p:nvPr/>
+      </p:nvGrpSpPr>
+      <p:grpSpPr>
+        <a:xfrm>
+          <a:off x="0" y="0"/>
+          <a:ext cx="0" cy="0"/>
+          <a:chOff x="0" y="0"/>
+          <a:chExt cx="0" cy="0"/>
+        </a:xfrm>
+      </p:grpSpPr>
+      <p:sp>
+        <p:nvSpPr>
+          <p:cNvPr id="71" name="PlaceHolder 1"/>
+          <p:cNvSpPr>
+            <a:spLocks noGrp="1"/>
+          </p:cNvSpPr>
+          <p:nvPr>
+            <p:ph type="title"/>
+          </p:nvPr>
+        </p:nvSpPr>
+        <p:spPr>
+          <a:xfrm>
+            <a:off x="504000" y="576000"/>
+            <a:ext cx="7199640" cy="719640"/>
+          </a:xfrm>
+          <a:prstGeom prst="rect">
+            <a:avLst/>
+          </a:prstGeom>
+        </p:spPr>
+        <p:txBody>
+          <a:bodyPr lIns="0" rIns="0" tIns="0" bIns="0" anchor="ctr"/>
+          <a:p>
+            <a:pPr algn="ctr"/>
+            <a:endParaRPr b="0" lang="en-US" sz="4400" spc="-1" strike="noStrike">
+              <a:latin typeface="Arial"/>
+            </a:endParaRPr>
+          </a:p>
+        </p:txBody>
+      </p:sp>
+      <p:sp>
+        <p:nvSpPr>
+          <p:cNvPr id="72" name="PlaceHolder 2"/>
+          <p:cNvSpPr>
+            <a:spLocks noGrp="1"/>
+          </p:cNvSpPr>
+          <p:nvPr>
+            <p:ph type="body"/>
+          </p:nvPr>
+        </p:nvSpPr>
+        <p:spPr>
+          <a:xfrm>
+            <a:off x="504000" y="1800000"/>
+            <a:ext cx="2920680" cy="2090880"/>
+          </a:xfrm>
+          <a:prstGeom prst="rect">
+            <a:avLst/>
+          </a:prstGeom>
+        </p:spPr>
+        <p:txBody>
+          <a:bodyPr lIns="0" rIns="0" tIns="0" bIns="0">
+            <a:normAutofit/>
+          </a:bodyPr>
+          <a:p>
+            <a:endParaRPr b="0" lang="en-US" sz="3200" spc="-1" strike="noStrike">
+              <a:latin typeface="Arial"/>
+            </a:endParaRPr>
+          </a:p>
+        </p:txBody>
+      </p:sp>
+      <p:sp>
+        <p:nvSpPr>
+          <p:cNvPr id="73" name="PlaceHolder 3"/>
+          <p:cNvSpPr>
+            <a:spLocks noGrp="1"/>
+          </p:cNvSpPr>
+          <p:nvPr>
+            <p:ph type="body"/>
+          </p:nvPr>
+        </p:nvSpPr>
+        <p:spPr>
+          <a:xfrm>
+            <a:off x="3571200" y="1800000"/>
+            <a:ext cx="2920680" cy="2090880"/>
+          </a:xfrm>
+          <a:prstGeom prst="rect">
+            <a:avLst/>
+          </a:prstGeom>
+        </p:spPr>
+        <p:txBody>
+          <a:bodyPr lIns="0" rIns="0" tIns="0" bIns="0">
+            <a:normAutofit/>
+          </a:bodyPr>
+          <a:p>
+            <a:endParaRPr b="0" lang="en-US" sz="3200" spc="-1" strike="noStrike">
+              <a:latin typeface="Arial"/>
+            </a:endParaRPr>
+          </a:p>
+        </p:txBody>
+      </p:sp>
+      <p:sp>
+        <p:nvSpPr>
+          <p:cNvPr id="74" name="PlaceHolder 4"/>
+          <p:cNvSpPr>
+            <a:spLocks noGrp="1"/>
+          </p:cNvSpPr>
+          <p:nvPr>
+            <p:ph type="body"/>
+          </p:nvPr>
+        </p:nvSpPr>
+        <p:spPr>
+          <a:xfrm>
+            <a:off x="6638040" y="1800000"/>
+            <a:ext cx="2920680" cy="2090880"/>
+          </a:xfrm>
+          <a:prstGeom prst="rect">
+            <a:avLst/>
+          </a:prstGeom>
+        </p:spPr>
+        <p:txBody>
+          <a:bodyPr lIns="0" rIns="0" tIns="0" bIns="0">
+            <a:normAutofit/>
+          </a:bodyPr>
+          <a:p>
+            <a:endParaRPr b="0" lang="en-US" sz="3200" spc="-1" strike="noStrike">
+              <a:latin typeface="Arial"/>
+            </a:endParaRPr>
+          </a:p>
+        </p:txBody>
+      </p:sp>
+      <p:sp>
+        <p:nvSpPr>
+          <p:cNvPr id="75" name="PlaceHolder 5"/>
+          <p:cNvSpPr>
+            <a:spLocks noGrp="1"/>
+          </p:cNvSpPr>
+          <p:nvPr>
+            <p:ph type="body"/>
+          </p:nvPr>
+        </p:nvSpPr>
+        <p:spPr>
+          <a:xfrm>
+            <a:off x="504000" y="4089960"/>
+            <a:ext cx="2920680" cy="2090880"/>
+          </a:xfrm>
+          <a:prstGeom prst="rect">
+            <a:avLst/>
+          </a:prstGeom>
+        </p:spPr>
+        <p:txBody>
+          <a:bodyPr lIns="0" rIns="0" tIns="0" bIns="0">
+            <a:normAutofit/>
+          </a:bodyPr>
+          <a:p>
+            <a:endParaRPr b="0" lang="en-US" sz="3200" spc="-1" strike="noStrike">
+              <a:latin typeface="Arial"/>
+            </a:endParaRPr>
+          </a:p>
+        </p:txBody>
+      </p:sp>
+      <p:sp>
+        <p:nvSpPr>
+          <p:cNvPr id="76" name="PlaceHolder 6"/>
+          <p:cNvSpPr>
+            <a:spLocks noGrp="1"/>
+          </p:cNvSpPr>
+          <p:nvPr>
+            <p:ph type="body"/>
+          </p:nvPr>
+        </p:nvSpPr>
+        <p:spPr>
+          <a:xfrm>
+            <a:off x="3571200" y="4089960"/>
+            <a:ext cx="2920680" cy="2090880"/>
+          </a:xfrm>
+          <a:prstGeom prst="rect">
+            <a:avLst/>
+          </a:prstGeom>
+        </p:spPr>
+        <p:txBody>
+          <a:bodyPr lIns="0" rIns="0" tIns="0" bIns="0">
+            <a:normAutofit/>
+          </a:bodyPr>
+          <a:p>
+            <a:endParaRPr b="0" lang="en-US" sz="3200" spc="-1" strike="noStrike">
+              <a:latin typeface="Arial"/>
+            </a:endParaRPr>
+          </a:p>
+        </p:txBody>
+      </p:sp>
+      <p:sp>
+        <p:nvSpPr>
+          <p:cNvPr id="77" name="PlaceHolder 7"/>
+          <p:cNvSpPr>
+            <a:spLocks noGrp="1"/>
+          </p:cNvSpPr>
+          <p:nvPr>
+            <p:ph type="body"/>
+          </p:nvPr>
+        </p:nvSpPr>
+        <p:spPr>
+          <a:xfrm>
+            <a:off x="6638040" y="4089960"/>
+            <a:ext cx="2920680" cy="2090880"/>
+          </a:xfrm>
+          <a:prstGeom prst="rect">
+            <a:avLst/>
+          </a:prstGeom>
+        </p:spPr>
+        <p:txBody>
+          <a:bodyPr lIns="0" rIns="0" tIns="0" bIns="0">
+            <a:normAutofit/>
+          </a:bodyPr>
+          <a:p>
             <a:endParaRPr b="0" lang="en-US" sz="3200" spc="-1" strike="noStrike">
               <a:latin typeface="Arial"/>
             </a:endParaRPr>
@@ -651,7 +1988,7 @@
       </p:grpSpPr>
       <p:sp>
         <p:nvSpPr>
-          <p:cNvPr id="8" name="PlaceHolder 1"/>
+          <p:cNvPr id="5" name="PlaceHolder 1"/>
           <p:cNvSpPr>
             <a:spLocks noGrp="1"/>
           </p:cNvSpPr>
@@ -662,7 +1999,7 @@
         <p:spPr>
           <a:xfrm>
             <a:off x="504000" y="576000"/>
-            <a:ext cx="7200000" cy="720000"/>
+            <a:ext cx="7199640" cy="719640"/>
           </a:xfrm>
           <a:prstGeom prst="rect">
             <a:avLst/>
@@ -671,15 +2008,16 @@
         <p:txBody>
           <a:bodyPr lIns="0" rIns="0" tIns="0" bIns="0" anchor="ctr"/>
           <a:p>
-            <a:endParaRPr b="0" lang="en-US" sz="3600" spc="-1" strike="noStrike">
-              <a:latin typeface="Arial"/>
-            </a:endParaRPr>
-          </a:p>
-        </p:txBody>
-      </p:sp>
-      <p:sp>
-        <p:nvSpPr>
-          <p:cNvPr id="9" name="PlaceHolder 2"/>
+            <a:pPr algn="ctr"/>
+            <a:endParaRPr b="0" lang="en-US" sz="4400" spc="-1" strike="noStrike">
+              <a:latin typeface="Arial"/>
+            </a:endParaRPr>
+          </a:p>
+        </p:txBody>
+      </p:sp>
+      <p:sp>
+        <p:nvSpPr>
+          <p:cNvPr id="6" name="PlaceHolder 2"/>
           <p:cNvSpPr>
             <a:spLocks noGrp="1"/>
           </p:cNvSpPr>
@@ -690,7 +2028,7 @@
         <p:spPr>
           <a:xfrm>
             <a:off x="504000" y="1800000"/>
-            <a:ext cx="9072000" cy="4384440"/>
+            <a:ext cx="9071640" cy="4384080"/>
           </a:xfrm>
           <a:prstGeom prst="rect">
             <a:avLst/>
@@ -701,7 +2039,7 @@
             <a:normAutofit/>
           </a:bodyPr>
           <a:p>
-            <a:endParaRPr b="0" lang="en-US" sz="2600" spc="-1" strike="noStrike">
+            <a:endParaRPr b="0" lang="en-US" sz="3200" spc="-1" strike="noStrike">
               <a:latin typeface="Arial"/>
             </a:endParaRPr>
           </a:p>
@@ -731,7 +2069,7 @@
       </p:grpSpPr>
       <p:sp>
         <p:nvSpPr>
-          <p:cNvPr id="10" name="PlaceHolder 1"/>
+          <p:cNvPr id="7" name="PlaceHolder 1"/>
           <p:cNvSpPr>
             <a:spLocks noGrp="1"/>
           </p:cNvSpPr>
@@ -742,7 +2080,7 @@
         <p:spPr>
           <a:xfrm>
             <a:off x="504000" y="576000"/>
-            <a:ext cx="7200000" cy="720000"/>
+            <a:ext cx="7199640" cy="719640"/>
           </a:xfrm>
           <a:prstGeom prst="rect">
             <a:avLst/>
@@ -751,15 +2089,16 @@
         <p:txBody>
           <a:bodyPr lIns="0" rIns="0" tIns="0" bIns="0" anchor="ctr"/>
           <a:p>
-            <a:endParaRPr b="0" lang="en-US" sz="3600" spc="-1" strike="noStrike">
-              <a:latin typeface="Arial"/>
-            </a:endParaRPr>
-          </a:p>
-        </p:txBody>
-      </p:sp>
-      <p:sp>
-        <p:nvSpPr>
-          <p:cNvPr id="11" name="PlaceHolder 2"/>
+            <a:pPr algn="ctr"/>
+            <a:endParaRPr b="0" lang="en-US" sz="4400" spc="-1" strike="noStrike">
+              <a:latin typeface="Arial"/>
+            </a:endParaRPr>
+          </a:p>
+        </p:txBody>
+      </p:sp>
+      <p:sp>
+        <p:nvSpPr>
+          <p:cNvPr id="8" name="PlaceHolder 2"/>
           <p:cNvSpPr>
             <a:spLocks noGrp="1"/>
           </p:cNvSpPr>
@@ -770,7 +2109,7 @@
         <p:spPr>
           <a:xfrm>
             <a:off x="504000" y="1800000"/>
-            <a:ext cx="4426920" cy="4384440"/>
+            <a:ext cx="4426920" cy="4384080"/>
           </a:xfrm>
           <a:prstGeom prst="rect">
             <a:avLst/>
@@ -781,15 +2120,15 @@
             <a:normAutofit/>
           </a:bodyPr>
           <a:p>
-            <a:endParaRPr b="0" lang="en-US" sz="2600" spc="-1" strike="noStrike">
-              <a:latin typeface="Arial"/>
-            </a:endParaRPr>
-          </a:p>
-        </p:txBody>
-      </p:sp>
-      <p:sp>
-        <p:nvSpPr>
-          <p:cNvPr id="12" name="PlaceHolder 3"/>
+            <a:endParaRPr b="0" lang="en-US" sz="3200" spc="-1" strike="noStrike">
+              <a:latin typeface="Arial"/>
+            </a:endParaRPr>
+          </a:p>
+        </p:txBody>
+      </p:sp>
+      <p:sp>
+        <p:nvSpPr>
+          <p:cNvPr id="9" name="PlaceHolder 3"/>
           <p:cNvSpPr>
             <a:spLocks noGrp="1"/>
           </p:cNvSpPr>
@@ -800,7 +2139,7 @@
         <p:spPr>
           <a:xfrm>
             <a:off x="5152680" y="1800000"/>
-            <a:ext cx="4426920" cy="4384440"/>
+            <a:ext cx="4426920" cy="4384080"/>
           </a:xfrm>
           <a:prstGeom prst="rect">
             <a:avLst/>
@@ -811,7 +2150,7 @@
             <a:normAutofit/>
           </a:bodyPr>
           <a:p>
-            <a:endParaRPr b="0" lang="en-US" sz="2600" spc="-1" strike="noStrike">
+            <a:endParaRPr b="0" lang="en-US" sz="3200" spc="-1" strike="noStrike">
               <a:latin typeface="Arial"/>
             </a:endParaRPr>
           </a:p>
@@ -841,7 +2180,7 @@
       </p:grpSpPr>
       <p:sp>
         <p:nvSpPr>
-          <p:cNvPr id="13" name="PlaceHolder 1"/>
+          <p:cNvPr id="10" name="PlaceHolder 1"/>
           <p:cNvSpPr>
             <a:spLocks noGrp="1"/>
           </p:cNvSpPr>
@@ -852,7 +2191,7 @@
         <p:spPr>
           <a:xfrm>
             <a:off x="504000" y="576000"/>
-            <a:ext cx="7200000" cy="720000"/>
+            <a:ext cx="7199640" cy="719640"/>
           </a:xfrm>
           <a:prstGeom prst="rect">
             <a:avLst/>
@@ -861,7 +2200,8 @@
         <p:txBody>
           <a:bodyPr lIns="0" rIns="0" tIns="0" bIns="0" anchor="ctr"/>
           <a:p>
-            <a:endParaRPr b="0" lang="en-US" sz="3600" spc="-1" strike="noStrike">
+            <a:pPr algn="ctr"/>
+            <a:endParaRPr b="0" lang="en-US" sz="4400" spc="-1" strike="noStrike">
               <a:latin typeface="Arial"/>
             </a:endParaRPr>
           </a:p>
@@ -891,7 +2231,7 @@
       </p:grpSpPr>
       <p:sp>
         <p:nvSpPr>
-          <p:cNvPr id="14" name="PlaceHolder 1"/>
+          <p:cNvPr id="11" name="PlaceHolder 1"/>
           <p:cNvSpPr>
             <a:spLocks noGrp="1"/>
           </p:cNvSpPr>
@@ -902,7 +2242,7 @@
         <p:spPr>
           <a:xfrm>
             <a:off x="504000" y="576000"/>
-            <a:ext cx="7200000" cy="3338640"/>
+            <a:ext cx="7199640" cy="3337200"/>
           </a:xfrm>
           <a:prstGeom prst="rect">
             <a:avLst/>
@@ -942,7 +2282,7 @@
       </p:grpSpPr>
       <p:sp>
         <p:nvSpPr>
-          <p:cNvPr id="15" name="PlaceHolder 1"/>
+          <p:cNvPr id="12" name="PlaceHolder 1"/>
           <p:cNvSpPr>
             <a:spLocks noGrp="1"/>
           </p:cNvSpPr>
@@ -953,7 +2293,7 @@
         <p:spPr>
           <a:xfrm>
             <a:off x="504000" y="576000"/>
-            <a:ext cx="7200000" cy="720000"/>
+            <a:ext cx="7199640" cy="719640"/>
           </a:xfrm>
           <a:prstGeom prst="rect">
             <a:avLst/>
@@ -962,15 +2302,16 @@
         <p:txBody>
           <a:bodyPr lIns="0" rIns="0" tIns="0" bIns="0" anchor="ctr"/>
           <a:p>
-            <a:endParaRPr b="0" lang="en-US" sz="3600" spc="-1" strike="noStrike">
-              <a:latin typeface="Arial"/>
-            </a:endParaRPr>
-          </a:p>
-        </p:txBody>
-      </p:sp>
-      <p:sp>
-        <p:nvSpPr>
-          <p:cNvPr id="16" name="PlaceHolder 2"/>
+            <a:pPr algn="ctr"/>
+            <a:endParaRPr b="0" lang="en-US" sz="4400" spc="-1" strike="noStrike">
+              <a:latin typeface="Arial"/>
+            </a:endParaRPr>
+          </a:p>
+        </p:txBody>
+      </p:sp>
+      <p:sp>
+        <p:nvSpPr>
+          <p:cNvPr id="13" name="PlaceHolder 2"/>
           <p:cNvSpPr>
             <a:spLocks noGrp="1"/>
           </p:cNvSpPr>
@@ -981,7 +2322,7 @@
         <p:spPr>
           <a:xfrm>
             <a:off x="504000" y="1800000"/>
-            <a:ext cx="4426920" cy="2091240"/>
+            <a:ext cx="4426920" cy="2090880"/>
           </a:xfrm>
           <a:prstGeom prst="rect">
             <a:avLst/>
@@ -992,15 +2333,15 @@
             <a:normAutofit/>
           </a:bodyPr>
           <a:p>
-            <a:endParaRPr b="0" lang="en-US" sz="2600" spc="-1" strike="noStrike">
-              <a:latin typeface="Arial"/>
-            </a:endParaRPr>
-          </a:p>
-        </p:txBody>
-      </p:sp>
-      <p:sp>
-        <p:nvSpPr>
-          <p:cNvPr id="17" name="PlaceHolder 3"/>
+            <a:endParaRPr b="0" lang="en-US" sz="3200" spc="-1" strike="noStrike">
+              <a:latin typeface="Arial"/>
+            </a:endParaRPr>
+          </a:p>
+        </p:txBody>
+      </p:sp>
+      <p:sp>
+        <p:nvSpPr>
+          <p:cNvPr id="14" name="PlaceHolder 3"/>
           <p:cNvSpPr>
             <a:spLocks noGrp="1"/>
           </p:cNvSpPr>
@@ -1011,7 +2352,7 @@
         <p:spPr>
           <a:xfrm>
             <a:off x="5152680" y="1800000"/>
-            <a:ext cx="4426920" cy="4384440"/>
+            <a:ext cx="4426920" cy="4384080"/>
           </a:xfrm>
           <a:prstGeom prst="rect">
             <a:avLst/>
@@ -1022,15 +2363,15 @@
             <a:normAutofit/>
           </a:bodyPr>
           <a:p>
-            <a:endParaRPr b="0" lang="en-US" sz="2600" spc="-1" strike="noStrike">
-              <a:latin typeface="Arial"/>
-            </a:endParaRPr>
-          </a:p>
-        </p:txBody>
-      </p:sp>
-      <p:sp>
-        <p:nvSpPr>
-          <p:cNvPr id="18" name="PlaceHolder 4"/>
+            <a:endParaRPr b="0" lang="en-US" sz="3200" spc="-1" strike="noStrike">
+              <a:latin typeface="Arial"/>
+            </a:endParaRPr>
+          </a:p>
+        </p:txBody>
+      </p:sp>
+      <p:sp>
+        <p:nvSpPr>
+          <p:cNvPr id="15" name="PlaceHolder 4"/>
           <p:cNvSpPr>
             <a:spLocks noGrp="1"/>
           </p:cNvSpPr>
@@ -1040,8 +2381,8 @@
         </p:nvSpPr>
         <p:spPr>
           <a:xfrm>
-            <a:off x="504000" y="4090320"/>
-            <a:ext cx="4426920" cy="2091240"/>
+            <a:off x="504000" y="4089960"/>
+            <a:ext cx="4426920" cy="2090880"/>
           </a:xfrm>
           <a:prstGeom prst="rect">
             <a:avLst/>
@@ -1052,7 +2393,7 @@
             <a:normAutofit/>
           </a:bodyPr>
           <a:p>
-            <a:endParaRPr b="0" lang="en-US" sz="2600" spc="-1" strike="noStrike">
+            <a:endParaRPr b="0" lang="en-US" sz="3200" spc="-1" strike="noStrike">
               <a:latin typeface="Arial"/>
             </a:endParaRPr>
           </a:p>
@@ -1082,7 +2423,7 @@
       </p:grpSpPr>
       <p:sp>
         <p:nvSpPr>
-          <p:cNvPr id="19" name="PlaceHolder 1"/>
+          <p:cNvPr id="16" name="PlaceHolder 1"/>
           <p:cNvSpPr>
             <a:spLocks noGrp="1"/>
           </p:cNvSpPr>
@@ -1093,7 +2434,7 @@
         <p:spPr>
           <a:xfrm>
             <a:off x="504000" y="576000"/>
-            <a:ext cx="7200000" cy="720000"/>
+            <a:ext cx="7199640" cy="719640"/>
           </a:xfrm>
           <a:prstGeom prst="rect">
             <a:avLst/>
@@ -1102,15 +2443,16 @@
         <p:txBody>
           <a:bodyPr lIns="0" rIns="0" tIns="0" bIns="0" anchor="ctr"/>
           <a:p>
-            <a:endParaRPr b="0" lang="en-US" sz="3600" spc="-1" strike="noStrike">
-              <a:latin typeface="Arial"/>
-            </a:endParaRPr>
-          </a:p>
-        </p:txBody>
-      </p:sp>
-      <p:sp>
-        <p:nvSpPr>
-          <p:cNvPr id="20" name="PlaceHolder 2"/>
+            <a:pPr algn="ctr"/>
+            <a:endParaRPr b="0" lang="en-US" sz="4400" spc="-1" strike="noStrike">
+              <a:latin typeface="Arial"/>
+            </a:endParaRPr>
+          </a:p>
+        </p:txBody>
+      </p:sp>
+      <p:sp>
+        <p:nvSpPr>
+          <p:cNvPr id="17" name="PlaceHolder 2"/>
           <p:cNvSpPr>
             <a:spLocks noGrp="1"/>
           </p:cNvSpPr>
@@ -1121,7 +2463,7 @@
         <p:spPr>
           <a:xfrm>
             <a:off x="504000" y="1800000"/>
-            <a:ext cx="4426920" cy="4384440"/>
+            <a:ext cx="4426920" cy="4384080"/>
           </a:xfrm>
           <a:prstGeom prst="rect">
             <a:avLst/>
@@ -1132,15 +2474,15 @@
             <a:normAutofit/>
           </a:bodyPr>
           <a:p>
-            <a:endParaRPr b="0" lang="en-US" sz="2600" spc="-1" strike="noStrike">
-              <a:latin typeface="Arial"/>
-            </a:endParaRPr>
-          </a:p>
-        </p:txBody>
-      </p:sp>
-      <p:sp>
-        <p:nvSpPr>
-          <p:cNvPr id="21" name="PlaceHolder 3"/>
+            <a:endParaRPr b="0" lang="en-US" sz="3200" spc="-1" strike="noStrike">
+              <a:latin typeface="Arial"/>
+            </a:endParaRPr>
+          </a:p>
+        </p:txBody>
+      </p:sp>
+      <p:sp>
+        <p:nvSpPr>
+          <p:cNvPr id="18" name="PlaceHolder 3"/>
           <p:cNvSpPr>
             <a:spLocks noGrp="1"/>
           </p:cNvSpPr>
@@ -1151,7 +2493,7 @@
         <p:spPr>
           <a:xfrm>
             <a:off x="5152680" y="1800000"/>
-            <a:ext cx="4426920" cy="2091240"/>
+            <a:ext cx="4426920" cy="2090880"/>
           </a:xfrm>
           <a:prstGeom prst="rect">
             <a:avLst/>
@@ -1162,15 +2504,15 @@
             <a:normAutofit/>
           </a:bodyPr>
           <a:p>
-            <a:endParaRPr b="0" lang="en-US" sz="2600" spc="-1" strike="noStrike">
-              <a:latin typeface="Arial"/>
-            </a:endParaRPr>
-          </a:p>
-        </p:txBody>
-      </p:sp>
-      <p:sp>
-        <p:nvSpPr>
-          <p:cNvPr id="22" name="PlaceHolder 4"/>
+            <a:endParaRPr b="0" lang="en-US" sz="3200" spc="-1" strike="noStrike">
+              <a:latin typeface="Arial"/>
+            </a:endParaRPr>
+          </a:p>
+        </p:txBody>
+      </p:sp>
+      <p:sp>
+        <p:nvSpPr>
+          <p:cNvPr id="19" name="PlaceHolder 4"/>
           <p:cNvSpPr>
             <a:spLocks noGrp="1"/>
           </p:cNvSpPr>
@@ -1180,8 +2522,8 @@
         </p:nvSpPr>
         <p:spPr>
           <a:xfrm>
-            <a:off x="5152680" y="4090320"/>
-            <a:ext cx="4426920" cy="2091240"/>
+            <a:off x="5152680" y="4089960"/>
+            <a:ext cx="4426920" cy="2090880"/>
           </a:xfrm>
           <a:prstGeom prst="rect">
             <a:avLst/>
@@ -1192,7 +2534,7 @@
             <a:normAutofit/>
           </a:bodyPr>
           <a:p>
-            <a:endParaRPr b="0" lang="en-US" sz="2600" spc="-1" strike="noStrike">
+            <a:endParaRPr b="0" lang="en-US" sz="3200" spc="-1" strike="noStrike">
               <a:latin typeface="Arial"/>
             </a:endParaRPr>
           </a:p>
@@ -1222,7 +2564,7 @@
       </p:grpSpPr>
       <p:sp>
         <p:nvSpPr>
-          <p:cNvPr id="23" name="PlaceHolder 1"/>
+          <p:cNvPr id="20" name="PlaceHolder 1"/>
           <p:cNvSpPr>
             <a:spLocks noGrp="1"/>
           </p:cNvSpPr>
@@ -1233,7 +2575,7 @@
         <p:spPr>
           <a:xfrm>
             <a:off x="504000" y="576000"/>
-            <a:ext cx="7200000" cy="720000"/>
+            <a:ext cx="7199640" cy="719640"/>
           </a:xfrm>
           <a:prstGeom prst="rect">
             <a:avLst/>
@@ -1242,15 +2584,16 @@
         <p:txBody>
           <a:bodyPr lIns="0" rIns="0" tIns="0" bIns="0" anchor="ctr"/>
           <a:p>
-            <a:endParaRPr b="0" lang="en-US" sz="3600" spc="-1" strike="noStrike">
-              <a:latin typeface="Arial"/>
-            </a:endParaRPr>
-          </a:p>
-        </p:txBody>
-      </p:sp>
-      <p:sp>
-        <p:nvSpPr>
-          <p:cNvPr id="24" name="PlaceHolder 2"/>
+            <a:pPr algn="ctr"/>
+            <a:endParaRPr b="0" lang="en-US" sz="4400" spc="-1" strike="noStrike">
+              <a:latin typeface="Arial"/>
+            </a:endParaRPr>
+          </a:p>
+        </p:txBody>
+      </p:sp>
+      <p:sp>
+        <p:nvSpPr>
+          <p:cNvPr id="21" name="PlaceHolder 2"/>
           <p:cNvSpPr>
             <a:spLocks noGrp="1"/>
           </p:cNvSpPr>
@@ -1261,7 +2604,7 @@
         <p:spPr>
           <a:xfrm>
             <a:off x="504000" y="1800000"/>
-            <a:ext cx="4426920" cy="2091240"/>
+            <a:ext cx="4426920" cy="2090880"/>
           </a:xfrm>
           <a:prstGeom prst="rect">
             <a:avLst/>
@@ -1272,15 +2615,15 @@
             <a:normAutofit/>
           </a:bodyPr>
           <a:p>
-            <a:endParaRPr b="0" lang="en-US" sz="2600" spc="-1" strike="noStrike">
-              <a:latin typeface="Arial"/>
-            </a:endParaRPr>
-          </a:p>
-        </p:txBody>
-      </p:sp>
-      <p:sp>
-        <p:nvSpPr>
-          <p:cNvPr id="25" name="PlaceHolder 3"/>
+            <a:endParaRPr b="0" lang="en-US" sz="3200" spc="-1" strike="noStrike">
+              <a:latin typeface="Arial"/>
+            </a:endParaRPr>
+          </a:p>
+        </p:txBody>
+      </p:sp>
+      <p:sp>
+        <p:nvSpPr>
+          <p:cNvPr id="22" name="PlaceHolder 3"/>
           <p:cNvSpPr>
             <a:spLocks noGrp="1"/>
           </p:cNvSpPr>
@@ -1291,7 +2634,7 @@
         <p:spPr>
           <a:xfrm>
             <a:off x="5152680" y="1800000"/>
-            <a:ext cx="4426920" cy="2091240"/>
+            <a:ext cx="4426920" cy="2090880"/>
           </a:xfrm>
           <a:prstGeom prst="rect">
             <a:avLst/>
@@ -1302,15 +2645,15 @@
             <a:normAutofit/>
           </a:bodyPr>
           <a:p>
-            <a:endParaRPr b="0" lang="en-US" sz="2600" spc="-1" strike="noStrike">
-              <a:latin typeface="Arial"/>
-            </a:endParaRPr>
-          </a:p>
-        </p:txBody>
-      </p:sp>
-      <p:sp>
-        <p:nvSpPr>
-          <p:cNvPr id="26" name="PlaceHolder 4"/>
+            <a:endParaRPr b="0" lang="en-US" sz="3200" spc="-1" strike="noStrike">
+              <a:latin typeface="Arial"/>
+            </a:endParaRPr>
+          </a:p>
+        </p:txBody>
+      </p:sp>
+      <p:sp>
+        <p:nvSpPr>
+          <p:cNvPr id="23" name="PlaceHolder 4"/>
           <p:cNvSpPr>
             <a:spLocks noGrp="1"/>
           </p:cNvSpPr>
@@ -1320,8 +2663,8 @@
         </p:nvSpPr>
         <p:spPr>
           <a:xfrm>
-            <a:off x="504000" y="4090320"/>
-            <a:ext cx="9072000" cy="2091240"/>
+            <a:off x="504000" y="4089960"/>
+            <a:ext cx="9071640" cy="2090880"/>
           </a:xfrm>
           <a:prstGeom prst="rect">
             <a:avLst/>
@@ -1332,7 +2675,7 @@
             <a:normAutofit/>
           </a:bodyPr>
           <a:p>
-            <a:endParaRPr b="0" lang="en-US" sz="2600" spc="-1" strike="noStrike">
+            <a:endParaRPr b="0" lang="en-US" sz="3200" spc="-1" strike="noStrike">
               <a:latin typeface="Arial"/>
             </a:endParaRPr>
           </a:p>
@@ -1373,7 +2716,7 @@
         <p:spPr>
           <a:xfrm>
             <a:off x="720" y="720"/>
-            <a:ext cx="10079640" cy="7559640"/>
+            <a:ext cx="10079280" cy="7559280"/>
           </a:xfrm>
           <a:prstGeom prst="rect">
             <a:avLst/>
@@ -1396,7 +2739,7 @@
         <p:spPr>
           <a:xfrm>
             <a:off x="504000" y="576000"/>
-            <a:ext cx="7200000" cy="720000"/>
+            <a:ext cx="7199640" cy="719640"/>
           </a:xfrm>
           <a:prstGeom prst="rect">
             <a:avLst/>
@@ -1406,12 +2749,12 @@
           <a:bodyPr lIns="0" rIns="0" tIns="0" bIns="0" anchor="ctr"/>
           <a:p>
             <a:r>
-              <a:rPr b="0" lang="en-US" sz="3600" spc="-1" strike="noStrike">
+              <a:rPr b="0" lang="en-US" sz="1800" spc="-1" strike="noStrike">
                 <a:latin typeface="Arial"/>
               </a:rPr>
               <a:t>Click to edit the title text format</a:t>
             </a:r>
-            <a:endParaRPr b="0" lang="en-US" sz="3600" spc="-1" strike="noStrike">
+            <a:endParaRPr b="0" lang="en-US" sz="1800" spc="-1" strike="noStrike">
               <a:latin typeface="Arial"/>
             </a:endParaRPr>
           </a:p>
@@ -1430,7 +2773,7 @@
         <p:spPr>
           <a:xfrm>
             <a:off x="504000" y="1800000"/>
-            <a:ext cx="9072000" cy="4384440"/>
+            <a:ext cx="9071640" cy="4384080"/>
           </a:xfrm>
           <a:prstGeom prst="rect">
             <a:avLst/>
@@ -1442,259 +2785,155 @@
           </a:bodyPr>
           <a:p>
             <a:pPr marL="432000" indent="-324000">
-              <a:spcAft>
+              <a:spcBef>
                 <a:spcPts val="1417"/>
-              </a:spcAft>
+              </a:spcBef>
               <a:buClr>
-                <a:srgbClr val="99cc66"/>
+                <a:srgbClr val="000000"/>
               </a:buClr>
               <a:buSzPct val="45000"/>
               <a:buFont typeface="Wingdings" charset="2"/>
               <a:buChar char=""/>
             </a:pPr>
             <a:r>
-              <a:rPr b="0" lang="en-US" sz="2600" spc="-1" strike="noStrike">
+              <a:rPr b="0" lang="en-US" sz="1800" spc="-1" strike="noStrike">
                 <a:latin typeface="Arial"/>
               </a:rPr>
               <a:t>Click to edit the outline text format</a:t>
             </a:r>
-            <a:endParaRPr b="0" lang="en-US" sz="2600" spc="-1" strike="noStrike">
+            <a:endParaRPr b="0" lang="en-US" sz="1800" spc="-1" strike="noStrike">
               <a:latin typeface="Arial"/>
             </a:endParaRPr>
           </a:p>
           <a:p>
             <a:pPr lvl="1" marL="864000" indent="-324000">
-              <a:spcAft>
+              <a:spcBef>
                 <a:spcPts val="1134"/>
-              </a:spcAft>
+              </a:spcBef>
               <a:buClr>
-                <a:srgbClr val="99cc66"/>
+                <a:srgbClr val="000000"/>
               </a:buClr>
               <a:buSzPct val="75000"/>
               <a:buFont typeface="Symbol" charset="2"/>
               <a:buChar char=""/>
             </a:pPr>
             <a:r>
-              <a:rPr b="0" lang="en-US" sz="2600" spc="-1" strike="noStrike">
+              <a:rPr b="0" lang="en-US" sz="1800" spc="-1" strike="noStrike">
                 <a:latin typeface="Arial"/>
               </a:rPr>
               <a:t>Second Outline Level</a:t>
             </a:r>
-            <a:endParaRPr b="0" lang="en-US" sz="2600" spc="-1" strike="noStrike">
+            <a:endParaRPr b="0" lang="en-US" sz="1800" spc="-1" strike="noStrike">
               <a:latin typeface="Arial"/>
             </a:endParaRPr>
           </a:p>
           <a:p>
             <a:pPr lvl="2" marL="1296000" indent="-288000">
-              <a:spcAft>
+              <a:spcBef>
                 <a:spcPts val="850"/>
-              </a:spcAft>
+              </a:spcBef>
               <a:buClr>
-                <a:srgbClr val="99cc66"/>
+                <a:srgbClr val="000000"/>
               </a:buClr>
               <a:buSzPct val="45000"/>
               <a:buFont typeface="Wingdings" charset="2"/>
               <a:buChar char=""/>
             </a:pPr>
             <a:r>
-              <a:rPr b="0" lang="en-US" sz="2600" spc="-1" strike="noStrike">
+              <a:rPr b="0" lang="en-US" sz="1800" spc="-1" strike="noStrike">
                 <a:latin typeface="Arial"/>
               </a:rPr>
               <a:t>Third Outline Level</a:t>
             </a:r>
-            <a:endParaRPr b="0" lang="en-US" sz="2600" spc="-1" strike="noStrike">
+            <a:endParaRPr b="0" lang="en-US" sz="1800" spc="-1" strike="noStrike">
               <a:latin typeface="Arial"/>
             </a:endParaRPr>
           </a:p>
           <a:p>
             <a:pPr lvl="3" marL="1728000" indent="-216000">
-              <a:spcAft>
+              <a:spcBef>
                 <a:spcPts val="567"/>
-              </a:spcAft>
+              </a:spcBef>
               <a:buClr>
-                <a:srgbClr val="99cc66"/>
+                <a:srgbClr val="000000"/>
               </a:buClr>
               <a:buSzPct val="75000"/>
               <a:buFont typeface="Symbol" charset="2"/>
               <a:buChar char=""/>
             </a:pPr>
             <a:r>
-              <a:rPr b="0" lang="en-US" sz="2600" spc="-1" strike="noStrike">
+              <a:rPr b="0" lang="en-US" sz="1800" spc="-1" strike="noStrike">
                 <a:latin typeface="Arial"/>
               </a:rPr>
               <a:t>Fourth Outline Level</a:t>
             </a:r>
-            <a:endParaRPr b="0" lang="en-US" sz="2600" spc="-1" strike="noStrike">
+            <a:endParaRPr b="0" lang="en-US" sz="1800" spc="-1" strike="noStrike">
               <a:latin typeface="Arial"/>
             </a:endParaRPr>
           </a:p>
           <a:p>
             <a:pPr lvl="4" marL="2160000" indent="-216000">
-              <a:spcAft>
+              <a:spcBef>
                 <a:spcPts val="283"/>
-              </a:spcAft>
+              </a:spcBef>
               <a:buClr>
-                <a:srgbClr val="99cc66"/>
+                <a:srgbClr val="000000"/>
               </a:buClr>
               <a:buSzPct val="45000"/>
               <a:buFont typeface="Wingdings" charset="2"/>
               <a:buChar char=""/>
             </a:pPr>
             <a:r>
-              <a:rPr b="0" lang="en-US" sz="2600" spc="-1" strike="noStrike">
+              <a:rPr b="0" lang="en-US" sz="1800" spc="-1" strike="noStrike">
                 <a:latin typeface="Arial"/>
               </a:rPr>
               <a:t>Fifth Outline Level</a:t>
             </a:r>
-            <a:endParaRPr b="0" lang="en-US" sz="2600" spc="-1" strike="noStrike">
+            <a:endParaRPr b="0" lang="en-US" sz="1800" spc="-1" strike="noStrike">
               <a:latin typeface="Arial"/>
             </a:endParaRPr>
           </a:p>
           <a:p>
             <a:pPr lvl="5" marL="2592000" indent="-216000">
-              <a:spcAft>
+              <a:spcBef>
                 <a:spcPts val="283"/>
-              </a:spcAft>
+              </a:spcBef>
               <a:buClr>
-                <a:srgbClr val="99cc66"/>
+                <a:srgbClr val="000000"/>
               </a:buClr>
               <a:buSzPct val="45000"/>
               <a:buFont typeface="Wingdings" charset="2"/>
               <a:buChar char=""/>
             </a:pPr>
             <a:r>
-              <a:rPr b="0" lang="en-US" sz="2600" spc="-1" strike="noStrike">
+              <a:rPr b="0" lang="en-US" sz="1800" spc="-1" strike="noStrike">
                 <a:latin typeface="Arial"/>
               </a:rPr>
               <a:t>Sixth Outline Level</a:t>
             </a:r>
-            <a:endParaRPr b="0" lang="en-US" sz="2600" spc="-1" strike="noStrike">
+            <a:endParaRPr b="0" lang="en-US" sz="1800" spc="-1" strike="noStrike">
               <a:latin typeface="Arial"/>
             </a:endParaRPr>
           </a:p>
           <a:p>
             <a:pPr lvl="6" marL="3024000" indent="-216000">
-              <a:spcAft>
+              <a:spcBef>
                 <a:spcPts val="283"/>
-              </a:spcAft>
+              </a:spcBef>
               <a:buClr>
-                <a:srgbClr val="99cc66"/>
+                <a:srgbClr val="000000"/>
               </a:buClr>
               <a:buSzPct val="45000"/>
               <a:buFont typeface="Wingdings" charset="2"/>
               <a:buChar char=""/>
             </a:pPr>
             <a:r>
-              <a:rPr b="0" lang="en-US" sz="2600" spc="-1" strike="noStrike">
+              <a:rPr b="0" lang="en-US" sz="1800" spc="-1" strike="noStrike">
                 <a:latin typeface="Arial"/>
               </a:rPr>
               <a:t>Seventh Outline Level</a:t>
             </a:r>
-            <a:endParaRPr b="0" lang="en-US" sz="2600" spc="-1" strike="noStrike">
-              <a:latin typeface="Arial"/>
-            </a:endParaRPr>
-          </a:p>
-        </p:txBody>
-      </p:sp>
-      <p:sp>
-        <p:nvSpPr>
-          <p:cNvPr id="3" name="PlaceHolder 3"/>
-          <p:cNvSpPr>
-            <a:spLocks noGrp="1"/>
-          </p:cNvSpPr>
-          <p:nvPr>
-            <p:ph type="dt"/>
-          </p:nvPr>
-        </p:nvSpPr>
-        <p:spPr>
-          <a:xfrm>
-            <a:off x="504000" y="6887160"/>
-            <a:ext cx="2348280" cy="521280"/>
-          </a:xfrm>
-          <a:prstGeom prst="rect">
-            <a:avLst/>
-          </a:prstGeom>
-        </p:spPr>
-        <p:txBody>
-          <a:bodyPr lIns="0" rIns="0" tIns="0" bIns="0"/>
-          <a:p>
-            <a:r>
-              <a:rPr b="0" lang="en-US" sz="1400" spc="-1" strike="noStrike">
-                <a:latin typeface="Arial"/>
-              </a:rPr>
-              <a:t>&lt;date/time&gt;</a:t>
-            </a:r>
-            <a:endParaRPr b="0" lang="en-US" sz="1400" spc="-1" strike="noStrike">
-              <a:latin typeface="Arial"/>
-            </a:endParaRPr>
-          </a:p>
-        </p:txBody>
-      </p:sp>
-      <p:sp>
-        <p:nvSpPr>
-          <p:cNvPr id="4" name="PlaceHolder 4"/>
-          <p:cNvSpPr>
-            <a:spLocks noGrp="1"/>
-          </p:cNvSpPr>
-          <p:nvPr>
-            <p:ph type="ftr"/>
-          </p:nvPr>
-        </p:nvSpPr>
-        <p:spPr>
-          <a:xfrm>
-            <a:off x="3447360" y="6887160"/>
-            <a:ext cx="3195000" cy="521280"/>
-          </a:xfrm>
-          <a:prstGeom prst="rect">
-            <a:avLst/>
-          </a:prstGeom>
-        </p:spPr>
-        <p:txBody>
-          <a:bodyPr lIns="0" rIns="0" tIns="0" bIns="0"/>
-          <a:p>
-            <a:pPr algn="ctr"/>
-            <a:r>
-              <a:rPr b="0" lang="en-US" sz="1400" spc="-1" strike="noStrike">
-                <a:latin typeface="Arial"/>
-              </a:rPr>
-              <a:t>&lt;footer&gt;</a:t>
-            </a:r>
-            <a:endParaRPr b="0" lang="en-US" sz="1400" spc="-1" strike="noStrike">
-              <a:latin typeface="Arial"/>
-            </a:endParaRPr>
-          </a:p>
-        </p:txBody>
-      </p:sp>
-      <p:sp>
-        <p:nvSpPr>
-          <p:cNvPr id="5" name="PlaceHolder 5"/>
-          <p:cNvSpPr>
-            <a:spLocks noGrp="1"/>
-          </p:cNvSpPr>
-          <p:nvPr>
-            <p:ph type="sldNum"/>
-          </p:nvPr>
-        </p:nvSpPr>
-        <p:spPr>
-          <a:xfrm>
-            <a:off x="7227000" y="6887160"/>
-            <a:ext cx="2348280" cy="521280"/>
-          </a:xfrm>
-          <a:prstGeom prst="rect">
-            <a:avLst/>
-          </a:prstGeom>
-        </p:spPr>
-        <p:txBody>
-          <a:bodyPr lIns="0" rIns="0" tIns="0" bIns="0"/>
-          <a:p>
-            <a:pPr algn="r"/>
-            <a:fld id="{74E75A83-CD0F-4CC7-A3D9-5D56C1C76DD1}" type="slidenum">
-              <a:rPr b="0" lang="en-US" sz="1400" spc="-1" strike="noStrike">
-                <a:latin typeface="Arial"/>
-              </a:rPr>
-              <a:t>&lt;number&gt;</a:t>
-            </a:fld>
-            <a:endParaRPr b="0" lang="en-US" sz="1400" spc="-1" strike="noStrike">
+            <a:endParaRPr b="0" lang="en-US" sz="1800" spc="-1" strike="noStrike">
               <a:latin typeface="Arial"/>
             </a:endParaRPr>
           </a:p>
@@ -1716,6 +2955,279 @@
     <p:sldLayoutId id="2147483658" r:id="rId12"/>
     <p:sldLayoutId id="2147483659" r:id="rId13"/>
     <p:sldLayoutId id="2147483660" r:id="rId14"/>
+  </p:sldLayoutIdLst>
+</p:sldMaster>
+</file>
+
+<file path=ppt/slideMasters/slideMaster2.xml><?xml version="1.0" encoding="utf-8"?>
+<p:sldMaster xmlns:a="http://schemas.openxmlformats.org/drawingml/2006/main" xmlns:p="http://schemas.openxmlformats.org/presentationml/2006/main" xmlns:r="http://schemas.openxmlformats.org/officeDocument/2006/relationships" xmlns:p14="http://schemas.microsoft.com/office/powerpoint/2010/main" xmlns:p15="http://schemas.microsoft.com/office/powerpoint/2012/main" xmlns:mc="http://schemas.openxmlformats.org/markup-compatibility/2006">
+  <p:cSld>
+    <p:spTree>
+      <p:nvGrpSpPr>
+        <p:cNvPr id="1" name=""/>
+        <p:cNvGrpSpPr/>
+        <p:nvPr/>
+      </p:nvGrpSpPr>
+      <p:grpSpPr>
+        <a:xfrm>
+          <a:off x="0" y="0"/>
+          <a:ext cx="0" cy="0"/>
+          <a:chOff x="0" y="0"/>
+          <a:chExt cx="0" cy="0"/>
+        </a:xfrm>
+      </p:grpSpPr>
+      <p:pic>
+        <p:nvPicPr>
+          <p:cNvPr id="39" name="" descr=""/>
+          <p:cNvPicPr/>
+          <p:nvPr/>
+        </p:nvPicPr>
+        <p:blipFill>
+          <a:blip r:embed="rId2"/>
+          <a:stretch/>
+        </p:blipFill>
+        <p:spPr>
+          <a:xfrm>
+            <a:off x="720" y="720"/>
+            <a:ext cx="10079280" cy="7559280"/>
+          </a:xfrm>
+          <a:prstGeom prst="rect">
+            <a:avLst/>
+          </a:prstGeom>
+          <a:ln>
+            <a:noFill/>
+          </a:ln>
+        </p:spPr>
+      </p:pic>
+      <p:sp>
+        <p:nvSpPr>
+          <p:cNvPr id="40" name="PlaceHolder 1"/>
+          <p:cNvSpPr>
+            <a:spLocks noGrp="1"/>
+          </p:cNvSpPr>
+          <p:nvPr>
+            <p:ph type="title"/>
+          </p:nvPr>
+        </p:nvSpPr>
+        <p:spPr>
+          <a:xfrm>
+            <a:off x="504000" y="576000"/>
+            <a:ext cx="7199640" cy="719640"/>
+          </a:xfrm>
+          <a:prstGeom prst="rect">
+            <a:avLst/>
+          </a:prstGeom>
+        </p:spPr>
+        <p:txBody>
+          <a:bodyPr lIns="0" rIns="0" tIns="0" bIns="0" anchor="ctr"/>
+          <a:p>
+            <a:r>
+              <a:rPr b="0" lang="en-US" sz="1800" spc="-1" strike="noStrike">
+                <a:latin typeface="Arial"/>
+              </a:rPr>
+              <a:t>Click to edit the title text format</a:t>
+            </a:r>
+            <a:endParaRPr b="0" lang="en-US" sz="1800" spc="-1" strike="noStrike">
+              <a:latin typeface="Arial"/>
+            </a:endParaRPr>
+          </a:p>
+        </p:txBody>
+      </p:sp>
+      <p:sp>
+        <p:nvSpPr>
+          <p:cNvPr id="41" name="PlaceHolder 2"/>
+          <p:cNvSpPr>
+            <a:spLocks noGrp="1"/>
+          </p:cNvSpPr>
+          <p:nvPr>
+            <p:ph type="body"/>
+          </p:nvPr>
+        </p:nvSpPr>
+        <p:spPr>
+          <a:xfrm>
+            <a:off x="504000" y="1768680"/>
+            <a:ext cx="9072000" cy="4384080"/>
+          </a:xfrm>
+          <a:prstGeom prst="rect">
+            <a:avLst/>
+          </a:prstGeom>
+        </p:spPr>
+        <p:txBody>
+          <a:bodyPr lIns="0" rIns="0" tIns="0" bIns="0">
+            <a:normAutofit/>
+          </a:bodyPr>
+          <a:p>
+            <a:pPr marL="432000" indent="-324000">
+              <a:spcBef>
+                <a:spcPts val="1417"/>
+              </a:spcBef>
+              <a:buClr>
+                <a:srgbClr val="000000"/>
+              </a:buClr>
+              <a:buSzPct val="45000"/>
+              <a:buFont typeface="Wingdings" charset="2"/>
+              <a:buChar char=""/>
+            </a:pPr>
+            <a:r>
+              <a:rPr b="0" lang="en-US" sz="3200" spc="-1" strike="noStrike">
+                <a:latin typeface="Arial"/>
+              </a:rPr>
+              <a:t>Click to edit the outline text format</a:t>
+            </a:r>
+            <a:endParaRPr b="0" lang="en-US" sz="3200" spc="-1" strike="noStrike">
+              <a:latin typeface="Arial"/>
+            </a:endParaRPr>
+          </a:p>
+          <a:p>
+            <a:pPr lvl="1" marL="864000" indent="-324000">
+              <a:spcBef>
+                <a:spcPts val="1134"/>
+              </a:spcBef>
+              <a:buClr>
+                <a:srgbClr val="000000"/>
+              </a:buClr>
+              <a:buSzPct val="75000"/>
+              <a:buFont typeface="Symbol" charset="2"/>
+              <a:buChar char=""/>
+            </a:pPr>
+            <a:r>
+              <a:rPr b="0" lang="en-US" sz="2800" spc="-1" strike="noStrike">
+                <a:latin typeface="Arial"/>
+              </a:rPr>
+              <a:t>Second Outline Level</a:t>
+            </a:r>
+            <a:endParaRPr b="0" lang="en-US" sz="2800" spc="-1" strike="noStrike">
+              <a:latin typeface="Arial"/>
+            </a:endParaRPr>
+          </a:p>
+          <a:p>
+            <a:pPr lvl="2" marL="1296000" indent="-288000">
+              <a:spcBef>
+                <a:spcPts val="850"/>
+              </a:spcBef>
+              <a:buClr>
+                <a:srgbClr val="000000"/>
+              </a:buClr>
+              <a:buSzPct val="45000"/>
+              <a:buFont typeface="Wingdings" charset="2"/>
+              <a:buChar char=""/>
+            </a:pPr>
+            <a:r>
+              <a:rPr b="0" lang="en-US" sz="2400" spc="-1" strike="noStrike">
+                <a:latin typeface="Arial"/>
+              </a:rPr>
+              <a:t>Third Outline Level</a:t>
+            </a:r>
+            <a:endParaRPr b="0" lang="en-US" sz="2400" spc="-1" strike="noStrike">
+              <a:latin typeface="Arial"/>
+            </a:endParaRPr>
+          </a:p>
+          <a:p>
+            <a:pPr lvl="3" marL="1728000" indent="-216000">
+              <a:spcBef>
+                <a:spcPts val="567"/>
+              </a:spcBef>
+              <a:buClr>
+                <a:srgbClr val="000000"/>
+              </a:buClr>
+              <a:buSzPct val="75000"/>
+              <a:buFont typeface="Symbol" charset="2"/>
+              <a:buChar char=""/>
+            </a:pPr>
+            <a:r>
+              <a:rPr b="0" lang="en-US" sz="2000" spc="-1" strike="noStrike">
+                <a:latin typeface="Arial"/>
+              </a:rPr>
+              <a:t>Fourth Outline Level</a:t>
+            </a:r>
+            <a:endParaRPr b="0" lang="en-US" sz="2000" spc="-1" strike="noStrike">
+              <a:latin typeface="Arial"/>
+            </a:endParaRPr>
+          </a:p>
+          <a:p>
+            <a:pPr lvl="4" marL="2160000" indent="-216000">
+              <a:spcBef>
+                <a:spcPts val="283"/>
+              </a:spcBef>
+              <a:buClr>
+                <a:srgbClr val="000000"/>
+              </a:buClr>
+              <a:buSzPct val="45000"/>
+              <a:buFont typeface="Wingdings" charset="2"/>
+              <a:buChar char=""/>
+            </a:pPr>
+            <a:r>
+              <a:rPr b="0" lang="en-US" sz="2000" spc="-1" strike="noStrike">
+                <a:latin typeface="Arial"/>
+              </a:rPr>
+              <a:t>Fifth Outline Level</a:t>
+            </a:r>
+            <a:endParaRPr b="0" lang="en-US" sz="2000" spc="-1" strike="noStrike">
+              <a:latin typeface="Arial"/>
+            </a:endParaRPr>
+          </a:p>
+          <a:p>
+            <a:pPr lvl="5" marL="2592000" indent="-216000">
+              <a:spcBef>
+                <a:spcPts val="283"/>
+              </a:spcBef>
+              <a:buClr>
+                <a:srgbClr val="000000"/>
+              </a:buClr>
+              <a:buSzPct val="45000"/>
+              <a:buFont typeface="Wingdings" charset="2"/>
+              <a:buChar char=""/>
+            </a:pPr>
+            <a:r>
+              <a:rPr b="0" lang="en-US" sz="2000" spc="-1" strike="noStrike">
+                <a:latin typeface="Arial"/>
+              </a:rPr>
+              <a:t>Sixth Outline Level</a:t>
+            </a:r>
+            <a:endParaRPr b="0" lang="en-US" sz="2000" spc="-1" strike="noStrike">
+              <a:latin typeface="Arial"/>
+            </a:endParaRPr>
+          </a:p>
+          <a:p>
+            <a:pPr lvl="6" marL="3024000" indent="-216000">
+              <a:spcBef>
+                <a:spcPts val="283"/>
+              </a:spcBef>
+              <a:buClr>
+                <a:srgbClr val="000000"/>
+              </a:buClr>
+              <a:buSzPct val="45000"/>
+              <a:buFont typeface="Wingdings" charset="2"/>
+              <a:buChar char=""/>
+            </a:pPr>
+            <a:r>
+              <a:rPr b="0" lang="en-US" sz="2000" spc="-1" strike="noStrike">
+                <a:latin typeface="Arial"/>
+              </a:rPr>
+              <a:t>Seventh Outline Level</a:t>
+            </a:r>
+            <a:endParaRPr b="0" lang="en-US" sz="2000" spc="-1" strike="noStrike">
+              <a:latin typeface="Arial"/>
+            </a:endParaRPr>
+          </a:p>
+        </p:txBody>
+      </p:sp>
+    </p:spTree>
+  </p:cSld>
+  <p:clrMap bg1="lt1" bg2="lt2" tx1="dk1" tx2="dk2" accent1="accent1" accent2="accent2" accent3="accent3" accent4="accent4" accent5="accent5" accent6="accent6" hlink="hlink" folHlink="folHlink"/>
+  <p:sldLayoutIdLst>
+    <p:sldLayoutId id="2147483662" r:id="rId3"/>
+    <p:sldLayoutId id="2147483663" r:id="rId4"/>
+    <p:sldLayoutId id="2147483664" r:id="rId5"/>
+    <p:sldLayoutId id="2147483665" r:id="rId6"/>
+    <p:sldLayoutId id="2147483666" r:id="rId7"/>
+    <p:sldLayoutId id="2147483667" r:id="rId8"/>
+    <p:sldLayoutId id="2147483668" r:id="rId9"/>
+    <p:sldLayoutId id="2147483669" r:id="rId10"/>
+    <p:sldLayoutId id="2147483670" r:id="rId11"/>
+    <p:sldLayoutId id="2147483671" r:id="rId12"/>
+    <p:sldLayoutId id="2147483672" r:id="rId13"/>
+    <p:sldLayoutId id="2147483673" r:id="rId14"/>
   </p:sldLayoutIdLst>
 </p:sldMaster>
 </file>
@@ -1739,14 +3251,14 @@
       </p:grpSpPr>
       <p:sp>
         <p:nvSpPr>
-          <p:cNvPr id="42" name="TextShape 1"/>
-          <p:cNvSpPr txBox="1"/>
+          <p:cNvPr id="78" name="CustomShape 1"/>
+          <p:cNvSpPr/>
           <p:nvPr/>
         </p:nvSpPr>
         <p:spPr>
           <a:xfrm>
             <a:off x="504000" y="576000"/>
-            <a:ext cx="7200000" cy="720000"/>
+            <a:ext cx="7199640" cy="719640"/>
           </a:xfrm>
           <a:prstGeom prst="rect">
             <a:avLst/>
@@ -1756,9 +3268,20 @@
             <a:noFill/>
           </a:ln>
         </p:spPr>
+        <p:style>
+          <a:lnRef idx="0"/>
+          <a:fillRef idx="0"/>
+          <a:effectRef idx="0"/>
+          <a:fontRef idx="minor"/>
+        </p:style>
         <p:txBody>
           <a:bodyPr lIns="0" rIns="0" tIns="0" bIns="0" anchor="ctr"/>
           <a:p>
+            <a:pPr>
+              <a:lnSpc>
+                <a:spcPct val="100000"/>
+              </a:lnSpc>
+            </a:pPr>
             <a:r>
               <a:rPr b="0" lang="en-US" sz="3600" spc="-1" strike="noStrike">
                 <a:latin typeface="Arial"/>
@@ -1773,14 +3296,14 @@
       </p:sp>
       <p:sp>
         <p:nvSpPr>
-          <p:cNvPr id="43" name="TextShape 2"/>
-          <p:cNvSpPr txBox="1"/>
+          <p:cNvPr id="79" name="CustomShape 2"/>
+          <p:cNvSpPr/>
           <p:nvPr/>
         </p:nvSpPr>
         <p:spPr>
           <a:xfrm>
             <a:off x="504000" y="1800000"/>
-            <a:ext cx="9072000" cy="4384440"/>
+            <a:ext cx="9071640" cy="4384080"/>
           </a:xfrm>
           <a:prstGeom prst="rect">
             <a:avLst/>
@@ -1790,12 +3313,112 @@
             <a:noFill/>
           </a:ln>
         </p:spPr>
+        <p:style>
+          <a:lnRef idx="0"/>
+          <a:fillRef idx="0"/>
+          <a:effectRef idx="0"/>
+          <a:fontRef idx="minor"/>
+        </p:style>
         <p:txBody>
           <a:bodyPr lIns="0" rIns="0" tIns="0" bIns="0">
             <a:normAutofit/>
           </a:bodyPr>
           <a:p>
-            <a:pPr marL="432000" indent="-324000">
+            <a:pPr>
+              <a:lnSpc>
+                <a:spcPct val="100000"/>
+              </a:lnSpc>
+              <a:spcAft>
+                <a:spcPts val="1417"/>
+              </a:spcAft>
+            </a:pPr>
+            <a:endParaRPr b="0" lang="en-US" sz="1800" spc="-1" strike="noStrike">
+              <a:latin typeface="Arial"/>
+            </a:endParaRPr>
+          </a:p>
+          <a:p>
+            <a:pPr>
+              <a:lnSpc>
+                <a:spcPct val="100000"/>
+              </a:lnSpc>
+              <a:spcAft>
+                <a:spcPts val="1417"/>
+              </a:spcAft>
+            </a:pPr>
+            <a:endParaRPr b="0" lang="en-US" sz="1800" spc="-1" strike="noStrike">
+              <a:latin typeface="Arial"/>
+            </a:endParaRPr>
+          </a:p>
+          <a:p>
+            <a:pPr>
+              <a:lnSpc>
+                <a:spcPct val="100000"/>
+              </a:lnSpc>
+              <a:spcAft>
+                <a:spcPts val="1417"/>
+              </a:spcAft>
+            </a:pPr>
+            <a:endParaRPr b="0" lang="en-US" sz="1800" spc="-1" strike="noStrike">
+              <a:latin typeface="Arial"/>
+            </a:endParaRPr>
+          </a:p>
+          <a:p>
+            <a:pPr>
+              <a:lnSpc>
+                <a:spcPct val="100000"/>
+              </a:lnSpc>
+              <a:spcAft>
+                <a:spcPts val="1417"/>
+              </a:spcAft>
+            </a:pPr>
+            <a:endParaRPr b="0" lang="en-US" sz="1800" spc="-1" strike="noStrike">
+              <a:latin typeface="Arial"/>
+            </a:endParaRPr>
+          </a:p>
+          <a:p>
+            <a:pPr>
+              <a:lnSpc>
+                <a:spcPct val="100000"/>
+              </a:lnSpc>
+              <a:spcAft>
+                <a:spcPts val="1417"/>
+              </a:spcAft>
+            </a:pPr>
+            <a:endParaRPr b="0" lang="en-US" sz="1800" spc="-1" strike="noStrike">
+              <a:latin typeface="Arial"/>
+            </a:endParaRPr>
+          </a:p>
+          <a:p>
+            <a:pPr>
+              <a:lnSpc>
+                <a:spcPct val="100000"/>
+              </a:lnSpc>
+              <a:spcAft>
+                <a:spcPts val="1417"/>
+              </a:spcAft>
+            </a:pPr>
+            <a:endParaRPr b="0" lang="en-US" sz="1800" spc="-1" strike="noStrike">
+              <a:latin typeface="Arial"/>
+            </a:endParaRPr>
+          </a:p>
+          <a:p>
+            <a:pPr>
+              <a:lnSpc>
+                <a:spcPct val="100000"/>
+              </a:lnSpc>
+              <a:spcAft>
+                <a:spcPts val="1417"/>
+              </a:spcAft>
+            </a:pPr>
+            <a:endParaRPr b="0" lang="en-US" sz="1800" spc="-1" strike="noStrike">
+              <a:latin typeface="Arial"/>
+            </a:endParaRPr>
+          </a:p>
+          <a:p>
+            <a:pPr marL="4320000" indent="-215640" algn="ctr">
+              <a:lnSpc>
+                <a:spcPct val="100000"/>
+              </a:lnSpc>
               <a:spcAft>
                 <a:spcPts val="1417"/>
               </a:spcAft>
@@ -1806,118 +3429,6 @@
               <a:buFont typeface="Wingdings" charset="2"/>
               <a:buChar char=""/>
             </a:pPr>
-            <a:endParaRPr b="0" lang="en-US" sz="2600" spc="-1" strike="noStrike">
-              <a:latin typeface="Arial"/>
-            </a:endParaRPr>
-          </a:p>
-          <a:p>
-            <a:pPr marL="432000" indent="-324000">
-              <a:spcAft>
-                <a:spcPts val="1417"/>
-              </a:spcAft>
-              <a:buClr>
-                <a:srgbClr val="99cc66"/>
-              </a:buClr>
-              <a:buSzPct val="45000"/>
-              <a:buFont typeface="Wingdings" charset="2"/>
-              <a:buChar char=""/>
-            </a:pPr>
-            <a:endParaRPr b="0" lang="en-US" sz="2600" spc="-1" strike="noStrike">
-              <a:latin typeface="Arial"/>
-            </a:endParaRPr>
-          </a:p>
-          <a:p>
-            <a:pPr marL="432000" indent="-324000">
-              <a:spcAft>
-                <a:spcPts val="1417"/>
-              </a:spcAft>
-              <a:buClr>
-                <a:srgbClr val="99cc66"/>
-              </a:buClr>
-              <a:buSzPct val="45000"/>
-              <a:buFont typeface="Wingdings" charset="2"/>
-              <a:buChar char=""/>
-            </a:pPr>
-            <a:endParaRPr b="0" lang="en-US" sz="2600" spc="-1" strike="noStrike">
-              <a:latin typeface="Arial"/>
-            </a:endParaRPr>
-          </a:p>
-          <a:p>
-            <a:pPr marL="432000" indent="-324000">
-              <a:spcAft>
-                <a:spcPts val="1417"/>
-              </a:spcAft>
-              <a:buClr>
-                <a:srgbClr val="99cc66"/>
-              </a:buClr>
-              <a:buSzPct val="45000"/>
-              <a:buFont typeface="Wingdings" charset="2"/>
-              <a:buChar char=""/>
-            </a:pPr>
-            <a:endParaRPr b="0" lang="en-US" sz="2600" spc="-1" strike="noStrike">
-              <a:latin typeface="Arial"/>
-            </a:endParaRPr>
-          </a:p>
-          <a:p>
-            <a:pPr marL="432000" indent="-324000">
-              <a:spcAft>
-                <a:spcPts val="1417"/>
-              </a:spcAft>
-              <a:buClr>
-                <a:srgbClr val="99cc66"/>
-              </a:buClr>
-              <a:buSzPct val="45000"/>
-              <a:buFont typeface="Wingdings" charset="2"/>
-              <a:buChar char=""/>
-            </a:pPr>
-            <a:endParaRPr b="0" lang="en-US" sz="2600" spc="-1" strike="noStrike">
-              <a:latin typeface="Arial"/>
-            </a:endParaRPr>
-          </a:p>
-          <a:p>
-            <a:pPr marL="432000" indent="-324000">
-              <a:spcAft>
-                <a:spcPts val="1417"/>
-              </a:spcAft>
-              <a:buClr>
-                <a:srgbClr val="99cc66"/>
-              </a:buClr>
-              <a:buSzPct val="45000"/>
-              <a:buFont typeface="Wingdings" charset="2"/>
-              <a:buChar char=""/>
-            </a:pPr>
-            <a:endParaRPr b="0" lang="en-US" sz="2600" spc="-1" strike="noStrike">
-              <a:latin typeface="Arial"/>
-            </a:endParaRPr>
-          </a:p>
-          <a:p>
-            <a:pPr marL="432000" indent="-324000">
-              <a:spcAft>
-                <a:spcPts val="1417"/>
-              </a:spcAft>
-              <a:buClr>
-                <a:srgbClr val="99cc66"/>
-              </a:buClr>
-              <a:buSzPct val="45000"/>
-              <a:buFont typeface="Wingdings" charset="2"/>
-              <a:buChar char=""/>
-            </a:pPr>
-            <a:endParaRPr b="0" lang="en-US" sz="2600" spc="-1" strike="noStrike">
-              <a:latin typeface="Arial"/>
-            </a:endParaRPr>
-          </a:p>
-          <a:p>
-            <a:pPr lvl="9" marL="4320000" indent="-216000" algn="ctr">
-              <a:spcAft>
-                <a:spcPts val="1417"/>
-              </a:spcAft>
-              <a:buClr>
-                <a:srgbClr val="99cc66"/>
-              </a:buClr>
-              <a:buSzPct val="45000"/>
-              <a:buFont typeface="Wingdings" charset="2"/>
-              <a:buChar char=""/>
-            </a:pPr>
             <a:r>
               <a:rPr b="0" lang="en-US" sz="2600" spc="-1" strike="noStrike">
                 <a:latin typeface="Arial"/>
@@ -1932,6 +3443,33 @@
       </p:sp>
     </p:spTree>
   </p:cSld>
+  <p:timing>
+    <p:tnLst>
+      <p:par>
+        <p:cTn id="1" dur="indefinite" restart="never" nodeType="tmRoot">
+          <p:childTnLst>
+            <p:seq>
+              <p:cTn id="2" dur="indefinite" nodeType="mainSeq"/>
+              <p:prevCondLst>
+                <p:cond delay="0" evt="onPrev">
+                  <p:tgtEl>
+                    <p:sldTgt/>
+                  </p:tgtEl>
+                </p:cond>
+              </p:prevCondLst>
+              <p:nextCondLst>
+                <p:cond delay="0" evt="onNext">
+                  <p:tgtEl>
+                    <p:sldTgt/>
+                  </p:tgtEl>
+                </p:cond>
+              </p:nextCondLst>
+            </p:seq>
+          </p:childTnLst>
+        </p:cTn>
+      </p:par>
+    </p:tnLst>
+  </p:timing>
 </p:sld>
 </file>
 
@@ -1954,14 +3492,14 @@
       </p:grpSpPr>
       <p:sp>
         <p:nvSpPr>
-          <p:cNvPr id="72" name="TextShape 1"/>
-          <p:cNvSpPr txBox="1"/>
+          <p:cNvPr id="108" name="CustomShape 1"/>
+          <p:cNvSpPr/>
           <p:nvPr/>
         </p:nvSpPr>
         <p:spPr>
           <a:xfrm>
             <a:off x="504000" y="576000"/>
-            <a:ext cx="7200000" cy="720000"/>
+            <a:ext cx="7199640" cy="719640"/>
           </a:xfrm>
           <a:prstGeom prst="rect">
             <a:avLst/>
@@ -1971,9 +3509,20 @@
             <a:noFill/>
           </a:ln>
         </p:spPr>
+        <p:style>
+          <a:lnRef idx="0"/>
+          <a:fillRef idx="0"/>
+          <a:effectRef idx="0"/>
+          <a:fontRef idx="minor"/>
+        </p:style>
         <p:txBody>
           <a:bodyPr lIns="0" rIns="0" tIns="0" bIns="0" anchor="ctr"/>
           <a:p>
+            <a:pPr>
+              <a:lnSpc>
+                <a:spcPct val="100000"/>
+              </a:lnSpc>
+            </a:pPr>
             <a:r>
               <a:rPr b="0" lang="en-US" sz="3600" spc="-1" strike="noStrike">
                 <a:latin typeface="Arial"/>
@@ -1988,14 +3537,14 @@
       </p:sp>
       <p:sp>
         <p:nvSpPr>
-          <p:cNvPr id="73" name="TextShape 2"/>
-          <p:cNvSpPr txBox="1"/>
+          <p:cNvPr id="109" name="CustomShape 2"/>
+          <p:cNvSpPr/>
           <p:nvPr/>
         </p:nvSpPr>
         <p:spPr>
           <a:xfrm>
             <a:off x="504000" y="1800000"/>
-            <a:ext cx="9072000" cy="4384440"/>
+            <a:ext cx="9071640" cy="4384080"/>
           </a:xfrm>
           <a:prstGeom prst="rect">
             <a:avLst/>
@@ -2005,12 +3554,21 @@
             <a:noFill/>
           </a:ln>
         </p:spPr>
+        <p:style>
+          <a:lnRef idx="0"/>
+          <a:fillRef idx="0"/>
+          <a:effectRef idx="0"/>
+          <a:fontRef idx="minor"/>
+        </p:style>
         <p:txBody>
           <a:bodyPr lIns="0" rIns="0" tIns="0" bIns="0">
             <a:normAutofit/>
           </a:bodyPr>
           <a:p>
-            <a:pPr marL="432000" indent="-324000">
+            <a:pPr marL="432000" indent="-323640">
+              <a:lnSpc>
+                <a:spcPct val="100000"/>
+              </a:lnSpc>
               <a:spcAft>
                 <a:spcPts val="1417"/>
               </a:spcAft>
@@ -2032,16 +3590,13 @@
             </a:endParaRPr>
           </a:p>
           <a:p>
-            <a:pPr marL="432000" indent="-324000">
+            <a:pPr>
+              <a:lnSpc>
+                <a:spcPct val="100000"/>
+              </a:lnSpc>
               <a:spcAft>
                 <a:spcPts val="1417"/>
               </a:spcAft>
-              <a:buClr>
-                <a:srgbClr val="99cc66"/>
-              </a:buClr>
-              <a:buSzPct val="45000"/>
-              <a:buFont typeface="Wingdings" charset="2"/>
-              <a:buChar char=""/>
             </a:pPr>
             <a:endParaRPr b="0" lang="en-US" sz="2600" spc="-1" strike="noStrike">
               <a:latin typeface="Arial"/>
@@ -2051,14 +3606,14 @@
       </p:sp>
       <p:sp>
         <p:nvSpPr>
-          <p:cNvPr id="74" name="TextShape 3"/>
-          <p:cNvSpPr txBox="1"/>
+          <p:cNvPr id="110" name="CustomShape 3"/>
+          <p:cNvSpPr/>
           <p:nvPr/>
         </p:nvSpPr>
         <p:spPr>
           <a:xfrm>
             <a:off x="822960" y="2377440"/>
-            <a:ext cx="8858880" cy="426600"/>
+            <a:ext cx="8858520" cy="426240"/>
           </a:xfrm>
           <a:prstGeom prst="rect">
             <a:avLst/>
@@ -2068,11 +3623,26 @@
             <a:noFill/>
           </a:ln>
         </p:spPr>
+        <p:style>
+          <a:lnRef idx="0"/>
+          <a:fillRef idx="0"/>
+          <a:effectRef idx="0"/>
+          <a:fontRef idx="minor"/>
+        </p:style>
         <p:txBody>
           <a:bodyPr lIns="90000" rIns="90000" tIns="45000" bIns="45000"/>
           <a:p>
-            <a:r>
-              <a:rPr b="0" lang="en-US" sz="1800" spc="-1" strike="noStrike">
+            <a:pPr>
+              <a:lnSpc>
+                <a:spcPct val="100000"/>
+              </a:lnSpc>
+            </a:pPr>
+            <a:r>
+              <a:rPr b="0" lang="en-US" sz="1800" spc="-1" strike="noStrike" u="sng">
+                <a:solidFill>
+                  <a:srgbClr val="0000ff"/>
+                </a:solidFill>
+                <a:uFillTx/>
                 <a:latin typeface="Arial"/>
                 <a:hlinkClick r:id="rId1"/>
               </a:rPr>
@@ -2086,14 +3656,14 @@
       </p:sp>
       <p:sp>
         <p:nvSpPr>
-          <p:cNvPr id="75" name="TextShape 4"/>
-          <p:cNvSpPr txBox="1"/>
+          <p:cNvPr id="111" name="CustomShape 4"/>
+          <p:cNvSpPr/>
           <p:nvPr/>
         </p:nvSpPr>
         <p:spPr>
           <a:xfrm>
             <a:off x="839880" y="2834640"/>
-            <a:ext cx="10955880" cy="426600"/>
+            <a:ext cx="10955520" cy="426240"/>
           </a:xfrm>
           <a:prstGeom prst="rect">
             <a:avLst/>
@@ -2103,11 +3673,26 @@
             <a:noFill/>
           </a:ln>
         </p:spPr>
+        <p:style>
+          <a:lnRef idx="0"/>
+          <a:fillRef idx="0"/>
+          <a:effectRef idx="0"/>
+          <a:fontRef idx="minor"/>
+        </p:style>
         <p:txBody>
           <a:bodyPr lIns="90000" rIns="90000" tIns="45000" bIns="45000"/>
           <a:p>
-            <a:r>
-              <a:rPr b="0" lang="en-US" sz="1800" spc="-1" strike="noStrike">
+            <a:pPr>
+              <a:lnSpc>
+                <a:spcPct val="100000"/>
+              </a:lnSpc>
+            </a:pPr>
+            <a:r>
+              <a:rPr b="0" lang="en-US" sz="1800" spc="-1" strike="noStrike" u="sng">
+                <a:solidFill>
+                  <a:srgbClr val="0000ff"/>
+                </a:solidFill>
+                <a:uFillTx/>
                 <a:latin typeface="Arial"/>
                 <a:hlinkClick r:id="rId2"/>
               </a:rPr>
@@ -2121,6 +3706,33 @@
       </p:sp>
     </p:spTree>
   </p:cSld>
+  <p:timing>
+    <p:tnLst>
+      <p:par>
+        <p:cTn id="19" dur="indefinite" restart="never" nodeType="tmRoot">
+          <p:childTnLst>
+            <p:seq>
+              <p:cTn id="20" dur="indefinite" nodeType="mainSeq"/>
+              <p:prevCondLst>
+                <p:cond delay="0" evt="onPrev">
+                  <p:tgtEl>
+                    <p:sldTgt/>
+                  </p:tgtEl>
+                </p:cond>
+              </p:prevCondLst>
+              <p:nextCondLst>
+                <p:cond delay="0" evt="onNext">
+                  <p:tgtEl>
+                    <p:sldTgt/>
+                  </p:tgtEl>
+                </p:cond>
+              </p:nextCondLst>
+            </p:seq>
+          </p:childTnLst>
+        </p:cTn>
+      </p:par>
+    </p:tnLst>
+  </p:timing>
 </p:sld>
 </file>
 
@@ -2143,14 +3755,14 @@
       </p:grpSpPr>
       <p:sp>
         <p:nvSpPr>
-          <p:cNvPr id="44" name="TextShape 1"/>
-          <p:cNvSpPr txBox="1"/>
+          <p:cNvPr id="80" name="CustomShape 1"/>
+          <p:cNvSpPr/>
           <p:nvPr/>
         </p:nvSpPr>
         <p:spPr>
           <a:xfrm>
             <a:off x="504000" y="576000"/>
-            <a:ext cx="7200000" cy="720000"/>
+            <a:ext cx="7199640" cy="719640"/>
           </a:xfrm>
           <a:prstGeom prst="rect">
             <a:avLst/>
@@ -2160,9 +3772,20 @@
             <a:noFill/>
           </a:ln>
         </p:spPr>
+        <p:style>
+          <a:lnRef idx="0"/>
+          <a:fillRef idx="0"/>
+          <a:effectRef idx="0"/>
+          <a:fontRef idx="minor"/>
+        </p:style>
         <p:txBody>
           <a:bodyPr lIns="0" rIns="0" tIns="0" bIns="0" anchor="ctr"/>
           <a:p>
+            <a:pPr>
+              <a:lnSpc>
+                <a:spcPct val="100000"/>
+              </a:lnSpc>
+            </a:pPr>
             <a:r>
               <a:rPr b="0" lang="en-US" sz="3600" spc="-1" strike="noStrike">
                 <a:latin typeface="Arial"/>
@@ -2177,7 +3800,7 @@
       </p:sp>
       <p:pic>
         <p:nvPicPr>
-          <p:cNvPr id="45" name="" descr=""/>
+          <p:cNvPr id="81" name="" descr=""/>
           <p:cNvPicPr/>
           <p:nvPr/>
         </p:nvPicPr>
@@ -2188,7 +3811,7 @@
         <p:spPr>
           <a:xfrm>
             <a:off x="731520" y="3383280"/>
-            <a:ext cx="4297680" cy="2565360"/>
+            <a:ext cx="4297320" cy="2565000"/>
           </a:xfrm>
           <a:prstGeom prst="rect">
             <a:avLst/>
@@ -2200,14 +3823,14 @@
       </p:pic>
       <p:sp>
         <p:nvSpPr>
-          <p:cNvPr id="46" name="TextShape 2"/>
-          <p:cNvSpPr txBox="1"/>
+          <p:cNvPr id="82" name="CustomShape 2"/>
+          <p:cNvSpPr/>
           <p:nvPr/>
         </p:nvSpPr>
         <p:spPr>
           <a:xfrm>
             <a:off x="640080" y="1952640"/>
-            <a:ext cx="8778240" cy="1430640"/>
+            <a:ext cx="8777880" cy="1430280"/>
           </a:xfrm>
           <a:prstGeom prst="rect">
             <a:avLst/>
@@ -2217,9 +3840,20 @@
             <a:noFill/>
           </a:ln>
         </p:spPr>
+        <p:style>
+          <a:lnRef idx="0"/>
+          <a:fillRef idx="0"/>
+          <a:effectRef idx="0"/>
+          <a:fontRef idx="minor"/>
+        </p:style>
         <p:txBody>
           <a:bodyPr lIns="90000" rIns="90000" tIns="45000" bIns="45000"/>
           <a:p>
+            <a:pPr>
+              <a:lnSpc>
+                <a:spcPct val="100000"/>
+              </a:lnSpc>
+            </a:pPr>
             <a:r>
               <a:rPr b="0" lang="en-US" sz="1500" spc="-1" strike="noStrike">
                 <a:latin typeface="Arial"/>
@@ -2234,6 +3868,33 @@
       </p:sp>
     </p:spTree>
   </p:cSld>
+  <p:timing>
+    <p:tnLst>
+      <p:par>
+        <p:cTn id="3" dur="indefinite" restart="never" nodeType="tmRoot">
+          <p:childTnLst>
+            <p:seq>
+              <p:cTn id="4" dur="indefinite" nodeType="mainSeq"/>
+              <p:prevCondLst>
+                <p:cond delay="0" evt="onPrev">
+                  <p:tgtEl>
+                    <p:sldTgt/>
+                  </p:tgtEl>
+                </p:cond>
+              </p:prevCondLst>
+              <p:nextCondLst>
+                <p:cond delay="0" evt="onNext">
+                  <p:tgtEl>
+                    <p:sldTgt/>
+                  </p:tgtEl>
+                </p:cond>
+              </p:nextCondLst>
+            </p:seq>
+          </p:childTnLst>
+        </p:cTn>
+      </p:par>
+    </p:tnLst>
+  </p:timing>
 </p:sld>
 </file>
 
@@ -2256,14 +3917,14 @@
       </p:grpSpPr>
       <p:sp>
         <p:nvSpPr>
-          <p:cNvPr id="47" name="TextShape 1"/>
-          <p:cNvSpPr txBox="1"/>
+          <p:cNvPr id="83" name="CustomShape 1"/>
+          <p:cNvSpPr/>
           <p:nvPr/>
         </p:nvSpPr>
         <p:spPr>
           <a:xfrm>
             <a:off x="504000" y="576000"/>
-            <a:ext cx="7200000" cy="720000"/>
+            <a:ext cx="7199640" cy="719640"/>
           </a:xfrm>
           <a:prstGeom prst="rect">
             <a:avLst/>
@@ -2273,9 +3934,20 @@
             <a:noFill/>
           </a:ln>
         </p:spPr>
+        <p:style>
+          <a:lnRef idx="0"/>
+          <a:fillRef idx="0"/>
+          <a:effectRef idx="0"/>
+          <a:fontRef idx="minor"/>
+        </p:style>
         <p:txBody>
           <a:bodyPr lIns="0" rIns="0" tIns="0" bIns="0" anchor="ctr"/>
           <a:p>
+            <a:pPr>
+              <a:lnSpc>
+                <a:spcPct val="100000"/>
+              </a:lnSpc>
+            </a:pPr>
             <a:r>
               <a:rPr b="0" lang="en-US" sz="3600" spc="-1" strike="noStrike">
                 <a:latin typeface="Arial"/>
@@ -2290,14 +3962,14 @@
       </p:sp>
       <p:sp>
         <p:nvSpPr>
-          <p:cNvPr id="48" name="TextShape 2"/>
-          <p:cNvSpPr txBox="1"/>
+          <p:cNvPr id="84" name="CustomShape 2"/>
+          <p:cNvSpPr/>
           <p:nvPr/>
         </p:nvSpPr>
         <p:spPr>
           <a:xfrm>
             <a:off x="504000" y="1800000"/>
-            <a:ext cx="9072000" cy="4384440"/>
+            <a:ext cx="9071640" cy="4384080"/>
           </a:xfrm>
           <a:prstGeom prst="rect">
             <a:avLst/>
@@ -2307,12 +3979,18 @@
             <a:noFill/>
           </a:ln>
         </p:spPr>
+        <p:style>
+          <a:lnRef idx="0"/>
+          <a:fillRef idx="0"/>
+          <a:effectRef idx="0"/>
+          <a:fontRef idx="minor"/>
+        </p:style>
         <p:txBody>
           <a:bodyPr lIns="0" rIns="0" tIns="0" bIns="0">
             <a:normAutofit/>
           </a:bodyPr>
           <a:p>
-            <a:pPr marL="432000" indent="-324000">
+            <a:pPr marL="432000" indent="-323640">
               <a:lnSpc>
                 <a:spcPct val="100000"/>
               </a:lnSpc>
@@ -2337,26 +4015,20 @@
             </a:endParaRPr>
           </a:p>
           <a:p>
-            <a:pPr marL="432000" indent="-324000">
+            <a:pPr>
               <a:lnSpc>
                 <a:spcPct val="100000"/>
               </a:lnSpc>
               <a:spcBef>
                 <a:spcPts val="598"/>
               </a:spcBef>
-              <a:buClr>
-                <a:srgbClr val="99cc66"/>
-              </a:buClr>
-              <a:buSzPct val="45000"/>
-              <a:buFont typeface="Wingdings" charset="2"/>
-              <a:buChar char=""/>
             </a:pPr>
             <a:endParaRPr b="0" lang="en-US" sz="2200" spc="-1" strike="noStrike">
               <a:latin typeface="Arial"/>
             </a:endParaRPr>
           </a:p>
           <a:p>
-            <a:pPr lvl="1" marL="864000" indent="-324000">
+            <a:pPr lvl="1" marL="864000" indent="-323640">
               <a:lnSpc>
                 <a:spcPct val="100000"/>
               </a:lnSpc>
@@ -2367,7 +4039,7 @@
                 <a:srgbClr val="99cc66"/>
               </a:buClr>
               <a:buSzPct val="75000"/>
-              <a:buFont typeface="Symbol" charset="2"/>
+              <a:buFont typeface="Symbol"/>
               <a:buChar char=""/>
             </a:pPr>
             <a:r>
@@ -2381,7 +4053,7 @@
             </a:endParaRPr>
           </a:p>
           <a:p>
-            <a:pPr lvl="1" marL="864000" indent="-324000">
+            <a:pPr lvl="1" marL="864000" indent="-323640">
               <a:lnSpc>
                 <a:spcPct val="100000"/>
               </a:lnSpc>
@@ -2392,7 +4064,7 @@
                 <a:srgbClr val="99cc66"/>
               </a:buClr>
               <a:buSzPct val="75000"/>
-              <a:buFont typeface="Symbol" charset="2"/>
+              <a:buFont typeface="Symbol"/>
               <a:buChar char=""/>
             </a:pPr>
             <a:r>
@@ -2406,7 +4078,7 @@
             </a:endParaRPr>
           </a:p>
           <a:p>
-            <a:pPr lvl="1" marL="864000" indent="-324000">
+            <a:pPr lvl="1" marL="864000" indent="-323640">
               <a:lnSpc>
                 <a:spcPct val="100000"/>
               </a:lnSpc>
@@ -2417,7 +4089,7 @@
                 <a:srgbClr val="99cc66"/>
               </a:buClr>
               <a:buSzPct val="75000"/>
-              <a:buFont typeface="Symbol" charset="2"/>
+              <a:buFont typeface="Symbol"/>
               <a:buChar char=""/>
             </a:pPr>
             <a:r>
@@ -2431,7 +4103,7 @@
             </a:endParaRPr>
           </a:p>
           <a:p>
-            <a:pPr marL="432000" indent="-324000">
+            <a:pPr marL="432000" indent="-323640">
               <a:lnSpc>
                 <a:spcPct val="100000"/>
               </a:lnSpc>
@@ -2462,7 +4134,7 @@
             </a:endParaRPr>
           </a:p>
           <a:p>
-            <a:pPr marL="432000" indent="-324000">
+            <a:pPr marL="432000" indent="-323640">
               <a:lnSpc>
                 <a:spcPct val="100000"/>
               </a:lnSpc>
@@ -2490,26 +4162,20 @@
             </a:endParaRPr>
           </a:p>
           <a:p>
-            <a:pPr marL="432000" indent="-324000">
+            <a:pPr>
               <a:lnSpc>
                 <a:spcPct val="100000"/>
               </a:lnSpc>
               <a:spcBef>
                 <a:spcPts val="499"/>
               </a:spcBef>
-              <a:buClr>
-                <a:srgbClr val="99cc66"/>
-              </a:buClr>
-              <a:buSzPct val="45000"/>
-              <a:buFont typeface="Wingdings" charset="2"/>
-              <a:buChar char=""/>
             </a:pPr>
             <a:endParaRPr b="0" lang="en-US" sz="2000" spc="-1" strike="noStrike">
               <a:latin typeface="Arial"/>
             </a:endParaRPr>
           </a:p>
           <a:p>
-            <a:pPr lvl="1" marL="864000" indent="-324000">
+            <a:pPr lvl="1" marL="864000" indent="-323640">
               <a:lnSpc>
                 <a:spcPct val="100000"/>
               </a:lnSpc>
@@ -2520,7 +4186,7 @@
                 <a:srgbClr val="99cc66"/>
               </a:buClr>
               <a:buSzPct val="75000"/>
-              <a:buFont typeface="Symbol" charset="2"/>
+              <a:buFont typeface="Symbol"/>
               <a:buChar char=""/>
             </a:pPr>
             <a:r>
@@ -2540,6 +4206,33 @@
       </p:sp>
     </p:spTree>
   </p:cSld>
+  <p:timing>
+    <p:tnLst>
+      <p:par>
+        <p:cTn id="5" dur="indefinite" restart="never" nodeType="tmRoot">
+          <p:childTnLst>
+            <p:seq>
+              <p:cTn id="6" dur="indefinite" nodeType="mainSeq"/>
+              <p:prevCondLst>
+                <p:cond delay="0" evt="onPrev">
+                  <p:tgtEl>
+                    <p:sldTgt/>
+                  </p:tgtEl>
+                </p:cond>
+              </p:prevCondLst>
+              <p:nextCondLst>
+                <p:cond delay="0" evt="onNext">
+                  <p:tgtEl>
+                    <p:sldTgt/>
+                  </p:tgtEl>
+                </p:cond>
+              </p:nextCondLst>
+            </p:seq>
+          </p:childTnLst>
+        </p:cTn>
+      </p:par>
+    </p:tnLst>
+  </p:timing>
 </p:sld>
 </file>
 
@@ -2562,14 +4255,14 @@
       </p:grpSpPr>
       <p:sp>
         <p:nvSpPr>
-          <p:cNvPr id="49" name="TextShape 1"/>
-          <p:cNvSpPr txBox="1"/>
+          <p:cNvPr id="85" name="CustomShape 1"/>
+          <p:cNvSpPr/>
           <p:nvPr/>
         </p:nvSpPr>
         <p:spPr>
           <a:xfrm>
             <a:off x="504000" y="576000"/>
-            <a:ext cx="7200000" cy="720000"/>
+            <a:ext cx="7199640" cy="719640"/>
           </a:xfrm>
           <a:prstGeom prst="rect">
             <a:avLst/>
@@ -2579,9 +4272,20 @@
             <a:noFill/>
           </a:ln>
         </p:spPr>
+        <p:style>
+          <a:lnRef idx="0"/>
+          <a:fillRef idx="0"/>
+          <a:effectRef idx="0"/>
+          <a:fontRef idx="minor"/>
+        </p:style>
         <p:txBody>
           <a:bodyPr lIns="0" rIns="0" tIns="0" bIns="0" anchor="ctr"/>
           <a:p>
+            <a:pPr>
+              <a:lnSpc>
+                <a:spcPct val="100000"/>
+              </a:lnSpc>
+            </a:pPr>
             <a:r>
               <a:rPr b="0" lang="en-US" sz="3600" spc="-1" strike="noStrike">
                 <a:latin typeface="Arial"/>
@@ -2596,14 +4300,14 @@
       </p:sp>
       <p:sp>
         <p:nvSpPr>
-          <p:cNvPr id="50" name="TextShape 2"/>
-          <p:cNvSpPr txBox="1"/>
+          <p:cNvPr id="86" name="CustomShape 2"/>
+          <p:cNvSpPr/>
           <p:nvPr/>
         </p:nvSpPr>
         <p:spPr>
           <a:xfrm>
             <a:off x="504000" y="1800000"/>
-            <a:ext cx="9072000" cy="4384440"/>
+            <a:ext cx="9071640" cy="4384080"/>
           </a:xfrm>
           <a:prstGeom prst="rect">
             <a:avLst/>
@@ -2613,12 +4317,18 @@
             <a:noFill/>
           </a:ln>
         </p:spPr>
+        <p:style>
+          <a:lnRef idx="0"/>
+          <a:fillRef idx="0"/>
+          <a:effectRef idx="0"/>
+          <a:fontRef idx="minor"/>
+        </p:style>
         <p:txBody>
           <a:bodyPr lIns="0" rIns="0" tIns="0" bIns="0">
             <a:normAutofit/>
           </a:bodyPr>
           <a:p>
-            <a:pPr marL="432000" indent="-324000">
+            <a:pPr marL="432000" indent="-323640">
               <a:lnSpc>
                 <a:spcPct val="100000"/>
               </a:lnSpc>
@@ -2643,26 +4353,20 @@
             </a:endParaRPr>
           </a:p>
           <a:p>
-            <a:pPr marL="432000" indent="-324000">
+            <a:pPr>
               <a:lnSpc>
                 <a:spcPct val="100000"/>
               </a:lnSpc>
               <a:spcBef>
                 <a:spcPts val="697"/>
               </a:spcBef>
-              <a:buClr>
-                <a:srgbClr val="99cc66"/>
-              </a:buClr>
-              <a:buSzPct val="45000"/>
-              <a:buFont typeface="Wingdings" charset="2"/>
-              <a:buChar char=""/>
             </a:pPr>
             <a:endParaRPr b="0" lang="en-US" sz="2400" spc="-1" strike="noStrike">
               <a:latin typeface="Arial"/>
             </a:endParaRPr>
           </a:p>
           <a:p>
-            <a:pPr lvl="1" marL="864000" indent="-324000">
+            <a:pPr lvl="1" marL="864000" indent="-323640">
               <a:lnSpc>
                 <a:spcPct val="100000"/>
               </a:lnSpc>
@@ -2673,7 +4377,7 @@
                 <a:srgbClr val="99cc66"/>
               </a:buClr>
               <a:buSzPct val="75000"/>
-              <a:buFont typeface="Symbol" charset="2"/>
+              <a:buFont typeface="Symbol"/>
               <a:buChar char=""/>
             </a:pPr>
             <a:r>
@@ -2687,7 +4391,7 @@
             </a:endParaRPr>
           </a:p>
           <a:p>
-            <a:pPr lvl="1" marL="864000" indent="-324000">
+            <a:pPr lvl="1" marL="864000" indent="-323640">
               <a:lnSpc>
                 <a:spcPct val="100000"/>
               </a:lnSpc>
@@ -2698,7 +4402,7 @@
                 <a:srgbClr val="99cc66"/>
               </a:buClr>
               <a:buSzPct val="75000"/>
-              <a:buFont typeface="Symbol" charset="2"/>
+              <a:buFont typeface="Symbol"/>
               <a:buChar char=""/>
             </a:pPr>
             <a:r>
@@ -2712,7 +4416,7 @@
             </a:endParaRPr>
           </a:p>
           <a:p>
-            <a:pPr lvl="1" marL="864000" indent="-324000">
+            <a:pPr lvl="1" marL="864000" indent="-323640">
               <a:lnSpc>
                 <a:spcPct val="100000"/>
               </a:lnSpc>
@@ -2723,7 +4427,7 @@
                 <a:srgbClr val="99cc66"/>
               </a:buClr>
               <a:buSzPct val="75000"/>
-              <a:buFont typeface="Symbol" charset="2"/>
+              <a:buFont typeface="Symbol"/>
               <a:buChar char=""/>
             </a:pPr>
             <a:r>
@@ -2743,7 +4447,7 @@
             </a:endParaRPr>
           </a:p>
           <a:p>
-            <a:pPr lvl="1" marL="864000" indent="-324000">
+            <a:pPr lvl="1" marL="864000" indent="-323640">
               <a:lnSpc>
                 <a:spcPct val="100000"/>
               </a:lnSpc>
@@ -2754,7 +4458,7 @@
                 <a:srgbClr val="99cc66"/>
               </a:buClr>
               <a:buSzPct val="75000"/>
-              <a:buFont typeface="Symbol" charset="2"/>
+              <a:buFont typeface="Symbol"/>
               <a:buChar char=""/>
             </a:pPr>
             <a:r>
@@ -2768,7 +4472,7 @@
             </a:endParaRPr>
           </a:p>
           <a:p>
-            <a:pPr lvl="1" marL="864000" indent="-324000">
+            <a:pPr lvl="1" marL="864000" indent="-323640">
               <a:lnSpc>
                 <a:spcPct val="100000"/>
               </a:lnSpc>
@@ -2779,7 +4483,7 @@
                 <a:srgbClr val="99cc66"/>
               </a:buClr>
               <a:buSzPct val="75000"/>
-              <a:buFont typeface="Symbol" charset="2"/>
+              <a:buFont typeface="Symbol"/>
               <a:buChar char=""/>
             </a:pPr>
             <a:r>
@@ -2796,6 +4500,33 @@
       </p:sp>
     </p:spTree>
   </p:cSld>
+  <p:timing>
+    <p:tnLst>
+      <p:par>
+        <p:cTn id="7" dur="indefinite" restart="never" nodeType="tmRoot">
+          <p:childTnLst>
+            <p:seq>
+              <p:cTn id="8" dur="indefinite" nodeType="mainSeq"/>
+              <p:prevCondLst>
+                <p:cond delay="0" evt="onPrev">
+                  <p:tgtEl>
+                    <p:sldTgt/>
+                  </p:tgtEl>
+                </p:cond>
+              </p:prevCondLst>
+              <p:nextCondLst>
+                <p:cond delay="0" evt="onNext">
+                  <p:tgtEl>
+                    <p:sldTgt/>
+                  </p:tgtEl>
+                </p:cond>
+              </p:nextCondLst>
+            </p:seq>
+          </p:childTnLst>
+        </p:cTn>
+      </p:par>
+    </p:tnLst>
+  </p:timing>
 </p:sld>
 </file>
 
@@ -2818,14 +4549,14 @@
       </p:grpSpPr>
       <p:sp>
         <p:nvSpPr>
-          <p:cNvPr id="51" name="TextShape 1"/>
-          <p:cNvSpPr txBox="1"/>
+          <p:cNvPr id="87" name="CustomShape 1"/>
+          <p:cNvSpPr/>
           <p:nvPr/>
         </p:nvSpPr>
         <p:spPr>
           <a:xfrm>
             <a:off x="504000" y="576000"/>
-            <a:ext cx="7200000" cy="720000"/>
+            <a:ext cx="7199640" cy="719640"/>
           </a:xfrm>
           <a:prstGeom prst="rect">
             <a:avLst/>
@@ -2835,9 +4566,20 @@
             <a:noFill/>
           </a:ln>
         </p:spPr>
+        <p:style>
+          <a:lnRef idx="0"/>
+          <a:fillRef idx="0"/>
+          <a:effectRef idx="0"/>
+          <a:fontRef idx="minor"/>
+        </p:style>
         <p:txBody>
           <a:bodyPr lIns="0" rIns="0" tIns="0" bIns="0" anchor="ctr"/>
           <a:p>
+            <a:pPr>
+              <a:lnSpc>
+                <a:spcPct val="100000"/>
+              </a:lnSpc>
+            </a:pPr>
             <a:r>
               <a:rPr b="0" lang="en-US" sz="3600" spc="-1" strike="noStrike">
                 <a:latin typeface="Arial"/>
@@ -2852,14 +4594,14 @@
       </p:sp>
       <p:sp>
         <p:nvSpPr>
-          <p:cNvPr id="52" name="TextShape 2"/>
-          <p:cNvSpPr txBox="1"/>
+          <p:cNvPr id="88" name="CustomShape 2"/>
+          <p:cNvSpPr/>
           <p:nvPr/>
         </p:nvSpPr>
         <p:spPr>
           <a:xfrm>
             <a:off x="504000" y="1800000"/>
-            <a:ext cx="9072000" cy="4692240"/>
+            <a:ext cx="9071640" cy="4691880"/>
           </a:xfrm>
           <a:prstGeom prst="rect">
             <a:avLst/>
@@ -2869,12 +4611,18 @@
             <a:noFill/>
           </a:ln>
         </p:spPr>
+        <p:style>
+          <a:lnRef idx="0"/>
+          <a:fillRef idx="0"/>
+          <a:effectRef idx="0"/>
+          <a:fontRef idx="minor"/>
+        </p:style>
         <p:txBody>
           <a:bodyPr lIns="0" rIns="0" tIns="0" bIns="0">
             <a:normAutofit/>
           </a:bodyPr>
           <a:p>
-            <a:pPr marL="432000" indent="-324000">
+            <a:pPr marL="432000" indent="-323640">
               <a:lnSpc>
                 <a:spcPct val="100000"/>
               </a:lnSpc>
@@ -2902,7 +4650,7 @@
             </a:endParaRPr>
           </a:p>
           <a:p>
-            <a:pPr marL="432000" indent="-324000">
+            <a:pPr marL="432000" indent="-323640">
               <a:lnSpc>
                 <a:spcPct val="100000"/>
               </a:lnSpc>
@@ -2939,7 +4687,7 @@
             </a:endParaRPr>
           </a:p>
           <a:p>
-            <a:pPr marL="432000" indent="-324000">
+            <a:pPr marL="432000" indent="-323640">
               <a:lnSpc>
                 <a:spcPct val="100000"/>
               </a:lnSpc>
@@ -2976,19 +4724,13 @@
             </a:endParaRPr>
           </a:p>
           <a:p>
-            <a:pPr marL="432000" indent="-324000">
+            <a:pPr>
               <a:lnSpc>
                 <a:spcPct val="100000"/>
               </a:lnSpc>
               <a:spcBef>
                 <a:spcPts val="400"/>
               </a:spcBef>
-              <a:buClr>
-                <a:srgbClr val="99cc66"/>
-              </a:buClr>
-              <a:buSzPct val="45000"/>
-              <a:buFont typeface="Wingdings" charset="2"/>
-              <a:buChar char=""/>
             </a:pPr>
             <a:endParaRPr b="0" lang="en-US" sz="2000" spc="-1" strike="noStrike">
               <a:latin typeface="Arial"/>
@@ -2998,14 +4740,14 @@
       </p:sp>
       <p:sp>
         <p:nvSpPr>
-          <p:cNvPr id="53" name="CustomShape 3"/>
+          <p:cNvPr id="89" name="CustomShape 3"/>
           <p:cNvSpPr/>
           <p:nvPr/>
         </p:nvSpPr>
         <p:spPr>
           <a:xfrm>
             <a:off x="914400" y="2927160"/>
-            <a:ext cx="7561080" cy="1370520"/>
+            <a:ext cx="7560720" cy="1370160"/>
           </a:xfrm>
           <a:prstGeom prst="rect">
             <a:avLst/>
@@ -3029,7 +4771,7 @@
           <a:fontRef idx="minor"/>
         </p:style>
         <p:txBody>
-          <a:bodyPr/>
+          <a:bodyPr lIns="90000" rIns="90000" tIns="45000" bIns="45000"/>
           <a:p>
             <a:pPr>
               <a:lnSpc>
@@ -3042,6 +4784,7 @@
                   <a:srgbClr val="00ed00"/>
                 </a:solidFill>
                 <a:latin typeface="Lucida Console"/>
+                <a:ea typeface="DejaVu Sans"/>
               </a:rPr>
               <a:t>&lt;bean id=</a:t>
             </a:r>
@@ -3051,6 +4794,7 @@
                   <a:srgbClr val="dfdfdf"/>
                 </a:solidFill>
                 <a:latin typeface="Lucida Console"/>
+                <a:ea typeface="DejaVu Sans"/>
               </a:rPr>
               <a:t>"independetBean"</a:t>
             </a:r>
@@ -3060,6 +4804,7 @@
                   <a:srgbClr val="00ed00"/>
                 </a:solidFill>
                 <a:latin typeface="Lucida Console"/>
+                <a:ea typeface="DejaVu Sans"/>
               </a:rPr>
               <a:t> class=</a:t>
             </a:r>
@@ -3069,6 +4814,7 @@
                   <a:srgbClr val="dfdfdf"/>
                 </a:solidFill>
                 <a:latin typeface="Lucida Console"/>
+                <a:ea typeface="DejaVu Sans"/>
               </a:rPr>
               <a:t>"com.example.spring.Selfish"</a:t>
             </a:r>
@@ -3078,6 +4824,7 @@
                   <a:srgbClr val="00ed00"/>
                 </a:solidFill>
                 <a:latin typeface="Lucida Console"/>
+                <a:ea typeface="DejaVu Sans"/>
               </a:rPr>
               <a:t> /&gt;</a:t>
             </a:r>
@@ -3107,6 +4854,7 @@
                   <a:srgbClr val="00ed00"/>
                 </a:solidFill>
                 <a:latin typeface="Lucida Console"/>
+                <a:ea typeface="DejaVu Sans"/>
               </a:rPr>
               <a:t>&lt;bean id=</a:t>
             </a:r>
@@ -3116,6 +4864,7 @@
                   <a:srgbClr val="dfdfdf"/>
                 </a:solidFill>
                 <a:latin typeface="Lucida Console"/>
+                <a:ea typeface="DejaVu Sans"/>
               </a:rPr>
               <a:t>"dependent"</a:t>
             </a:r>
@@ -3125,6 +4874,7 @@
                   <a:srgbClr val="00ed00"/>
                 </a:solidFill>
                 <a:latin typeface="Lucida Console"/>
+                <a:ea typeface="DejaVu Sans"/>
               </a:rPr>
               <a:t> class=</a:t>
             </a:r>
@@ -3134,6 +4884,7 @@
                   <a:srgbClr val="dfdfdf"/>
                 </a:solidFill>
                 <a:latin typeface="Lucida Console"/>
+                <a:ea typeface="DejaVu Sans"/>
               </a:rPr>
               <a:t>"com.example.spring.DepIll"</a:t>
             </a:r>
@@ -3143,6 +4894,7 @@
                   <a:srgbClr val="00ed00"/>
                 </a:solidFill>
                 <a:latin typeface="Lucida Console"/>
+                <a:ea typeface="DejaVu Sans"/>
               </a:rPr>
               <a:t>&gt;</a:t>
             </a:r>
@@ -3162,6 +4914,7 @@
                   <a:srgbClr val="00ed00"/>
                 </a:solidFill>
                 <a:latin typeface="Lucida Console"/>
+                <a:ea typeface="DejaVu Sans"/>
               </a:rPr>
               <a:t>    </a:t>
             </a:r>
@@ -3171,6 +4924,7 @@
                   <a:srgbClr val="00ed00"/>
                 </a:solidFill>
                 <a:latin typeface="Lucida Console"/>
+                <a:ea typeface="DejaVu Sans"/>
               </a:rPr>
               <a:t>&lt;constructor-arg ref=</a:t>
             </a:r>
@@ -3180,6 +4934,7 @@
                   <a:srgbClr val="dfdfdf"/>
                 </a:solidFill>
                 <a:latin typeface="Lucida Console"/>
+                <a:ea typeface="DejaVu Sans"/>
               </a:rPr>
               <a:t>"independentBean"</a:t>
             </a:r>
@@ -3189,6 +4944,7 @@
                   <a:srgbClr val="00ed00"/>
                 </a:solidFill>
                 <a:latin typeface="Lucida Console"/>
+                <a:ea typeface="DejaVu Sans"/>
               </a:rPr>
               <a:t> /&gt;</a:t>
             </a:r>
@@ -3208,6 +4964,7 @@
                   <a:srgbClr val="00ed00"/>
                 </a:solidFill>
                 <a:latin typeface="Lucida Console"/>
+                <a:ea typeface="DejaVu Sans"/>
               </a:rPr>
               <a:t>    </a:t>
             </a:r>
@@ -3217,6 +4974,7 @@
                   <a:srgbClr val="00ed00"/>
                 </a:solidFill>
                 <a:latin typeface="Lucida Console"/>
+                <a:ea typeface="DejaVu Sans"/>
               </a:rPr>
               <a:t>&lt;constructor-arg value=</a:t>
             </a:r>
@@ -3226,6 +4984,7 @@
                   <a:srgbClr val="dfdfdf"/>
                 </a:solidFill>
                 <a:latin typeface="Lucida Console"/>
+                <a:ea typeface="DejaVu Sans"/>
               </a:rPr>
               <a:t>"Jakiś tekst"</a:t>
             </a:r>
@@ -3235,6 +4994,7 @@
                   <a:srgbClr val="00ed00"/>
                 </a:solidFill>
                 <a:latin typeface="Lucida Console"/>
+                <a:ea typeface="DejaVu Sans"/>
               </a:rPr>
               <a:t> /&gt;</a:t>
             </a:r>
@@ -3254,6 +5014,7 @@
                   <a:srgbClr val="00ed00"/>
                 </a:solidFill>
                 <a:latin typeface="Lucida Console"/>
+                <a:ea typeface="DejaVu Sans"/>
               </a:rPr>
               <a:t>&lt;/bean&gt;</a:t>
             </a:r>
@@ -3265,14 +5026,14 @@
       </p:sp>
       <p:sp>
         <p:nvSpPr>
-          <p:cNvPr id="54" name="TextShape 4"/>
-          <p:cNvSpPr txBox="1"/>
+          <p:cNvPr id="90" name="CustomShape 4"/>
+          <p:cNvSpPr/>
           <p:nvPr/>
         </p:nvSpPr>
         <p:spPr>
           <a:xfrm>
             <a:off x="731520" y="4548240"/>
-            <a:ext cx="7412040" cy="389520"/>
+            <a:ext cx="7411680" cy="389160"/>
           </a:xfrm>
           <a:prstGeom prst="rect">
             <a:avLst/>
@@ -3282,9 +5043,20 @@
             <a:noFill/>
           </a:ln>
         </p:spPr>
+        <p:style>
+          <a:lnRef idx="0"/>
+          <a:fillRef idx="0"/>
+          <a:effectRef idx="0"/>
+          <a:fontRef idx="minor"/>
+        </p:style>
         <p:txBody>
           <a:bodyPr lIns="90000" rIns="90000" tIns="45000" bIns="45000"/>
           <a:p>
+            <a:pPr>
+              <a:lnSpc>
+                <a:spcPct val="100000"/>
+              </a:lnSpc>
+            </a:pPr>
             <a:r>
               <a:rPr b="1" lang="en-US" sz="2000" spc="-1" strike="noStrike">
                 <a:solidFill>
@@ -3302,14 +5074,14 @@
       </p:sp>
       <p:sp>
         <p:nvSpPr>
-          <p:cNvPr id="55" name="CustomShape 5"/>
+          <p:cNvPr id="91" name="CustomShape 5"/>
           <p:cNvSpPr/>
           <p:nvPr/>
         </p:nvSpPr>
         <p:spPr>
           <a:xfrm>
             <a:off x="871560" y="5120640"/>
-            <a:ext cx="7632360" cy="1157400"/>
+            <a:ext cx="7632000" cy="1157040"/>
           </a:xfrm>
           <a:prstGeom prst="rect">
             <a:avLst/>
@@ -3333,7 +5105,7 @@
           <a:fontRef idx="minor"/>
         </p:style>
         <p:txBody>
-          <a:bodyPr/>
+          <a:bodyPr lIns="90000" rIns="90000" tIns="45000" bIns="45000"/>
           <a:p>
             <a:pPr>
               <a:lnSpc>
@@ -3346,6 +5118,7 @@
                   <a:srgbClr val="00ed00"/>
                 </a:solidFill>
                 <a:latin typeface="Lucida Console"/>
+                <a:ea typeface="DejaVu Sans"/>
               </a:rPr>
               <a:t>&lt;bean id=</a:t>
             </a:r>
@@ -3355,6 +5128,7 @@
                   <a:srgbClr val="dfdfdf"/>
                 </a:solidFill>
                 <a:latin typeface="Lucida Console"/>
+                <a:ea typeface="DejaVu Sans"/>
               </a:rPr>
               <a:t>"logDict"</a:t>
             </a:r>
@@ -3364,6 +5138,7 @@
                   <a:srgbClr val="00ed00"/>
                 </a:solidFill>
                 <a:latin typeface="Lucida Console"/>
+                <a:ea typeface="DejaVu Sans"/>
               </a:rPr>
               <a:t> class=</a:t>
             </a:r>
@@ -3373,6 +5148,7 @@
                   <a:srgbClr val="dfdfdf"/>
                 </a:solidFill>
                 <a:latin typeface="Lucida Console"/>
+                <a:ea typeface="DejaVu Sans"/>
               </a:rPr>
               <a:t>"com.example.spring.data.Dictionary"</a:t>
             </a:r>
@@ -3383,6 +5159,7 @@
                   <a:srgbClr val="00ed00"/>
                 </a:solidFill>
                 <a:latin typeface="Lucida Console"/>
+                <a:ea typeface="DejaVu Sans"/>
               </a:rPr>
               <a:t>factory-method=</a:t>
             </a:r>
@@ -3392,6 +5169,7 @@
                   <a:srgbClr val="dfdfdf"/>
                 </a:solidFill>
                 <a:latin typeface="Lucida Console"/>
+                <a:ea typeface="DejaVu Sans"/>
               </a:rPr>
               <a:t>"getInstance"</a:t>
             </a:r>
@@ -3401,6 +5179,7 @@
                   <a:srgbClr val="00ed00"/>
                 </a:solidFill>
                 <a:latin typeface="Lucida Console"/>
+                <a:ea typeface="DejaVu Sans"/>
               </a:rPr>
               <a:t> </a:t>
             </a:r>
@@ -3410,6 +5189,7 @@
                   <a:srgbClr val="00ed00"/>
                 </a:solidFill>
                 <a:latin typeface="Lucida Console"/>
+                <a:ea typeface="DejaVu Sans"/>
               </a:rPr>
               <a:t>factory-bean=</a:t>
             </a:r>
@@ -3419,6 +5199,7 @@
                   <a:srgbClr val="dfdfdf"/>
                 </a:solidFill>
                 <a:latin typeface="Lucida Console"/>
+                <a:ea typeface="DejaVu Sans"/>
               </a:rPr>
               <a:t>"innyBean"</a:t>
             </a:r>
@@ -3428,6 +5209,7 @@
                   <a:srgbClr val="00ed00"/>
                 </a:solidFill>
                 <a:latin typeface="Lucida Console"/>
+                <a:ea typeface="DejaVu Sans"/>
               </a:rPr>
               <a:t>&gt;</a:t>
             </a:r>
@@ -3447,6 +5229,7 @@
                   <a:srgbClr val="00ed00"/>
                 </a:solidFill>
                 <a:latin typeface="Lucida Console"/>
+                <a:ea typeface="DejaVu Sans"/>
               </a:rPr>
               <a:t>    </a:t>
             </a:r>
@@ -3456,6 +5239,7 @@
                   <a:srgbClr val="00ed00"/>
                 </a:solidFill>
                 <a:latin typeface="Lucida Console"/>
+                <a:ea typeface="DejaVu Sans"/>
               </a:rPr>
               <a:t>&lt;constructor-arg value=</a:t>
             </a:r>
@@ -3465,6 +5249,7 @@
                   <a:srgbClr val="dfdfdf"/>
                 </a:solidFill>
                 <a:latin typeface="Lucida Console"/>
+                <a:ea typeface="DejaVu Sans"/>
               </a:rPr>
               <a:t>"LOG"</a:t>
             </a:r>
@@ -3474,6 +5259,7 @@
                   <a:srgbClr val="00ed00"/>
                 </a:solidFill>
                 <a:latin typeface="Lucida Console"/>
+                <a:ea typeface="DejaVu Sans"/>
               </a:rPr>
               <a:t> /&gt;</a:t>
             </a:r>
@@ -3493,6 +5279,7 @@
                   <a:srgbClr val="00ed00"/>
                 </a:solidFill>
                 <a:latin typeface="Lucida Console"/>
+                <a:ea typeface="DejaVu Sans"/>
               </a:rPr>
               <a:t>    </a:t>
             </a:r>
@@ -3502,6 +5289,7 @@
                   <a:srgbClr val="00ed00"/>
                 </a:solidFill>
                 <a:latin typeface="Lucida Console"/>
+                <a:ea typeface="DejaVu Sans"/>
               </a:rPr>
               <a:t>&lt;constructor-arg ref=</a:t>
             </a:r>
@@ -3511,6 +5299,7 @@
                   <a:srgbClr val="dfdfdf"/>
                 </a:solidFill>
                 <a:latin typeface="Lucida Console"/>
+                <a:ea typeface="DejaVu Sans"/>
               </a:rPr>
               <a:t>"dictDao"</a:t>
             </a:r>
@@ -3520,6 +5309,7 @@
                   <a:srgbClr val="00ed00"/>
                 </a:solidFill>
                 <a:latin typeface="Lucida Console"/>
+                <a:ea typeface="DejaVu Sans"/>
               </a:rPr>
               <a:t> /&gt;</a:t>
             </a:r>
@@ -3539,6 +5329,7 @@
                   <a:srgbClr val="00ed00"/>
                 </a:solidFill>
                 <a:latin typeface="Lucida Console"/>
+                <a:ea typeface="DejaVu Sans"/>
               </a:rPr>
               <a:t>&lt;/bean&gt;</a:t>
             </a:r>
@@ -3550,6 +5341,33 @@
       </p:sp>
     </p:spTree>
   </p:cSld>
+  <p:timing>
+    <p:tnLst>
+      <p:par>
+        <p:cTn id="9" dur="indefinite" restart="never" nodeType="tmRoot">
+          <p:childTnLst>
+            <p:seq>
+              <p:cTn id="10" dur="indefinite" nodeType="mainSeq"/>
+              <p:prevCondLst>
+                <p:cond delay="0" evt="onPrev">
+                  <p:tgtEl>
+                    <p:sldTgt/>
+                  </p:tgtEl>
+                </p:cond>
+              </p:prevCondLst>
+              <p:nextCondLst>
+                <p:cond delay="0" evt="onNext">
+                  <p:tgtEl>
+                    <p:sldTgt/>
+                  </p:tgtEl>
+                </p:cond>
+              </p:nextCondLst>
+            </p:seq>
+          </p:childTnLst>
+        </p:cTn>
+      </p:par>
+    </p:tnLst>
+  </p:timing>
 </p:sld>
 </file>
 
@@ -3572,14 +5390,14 @@
       </p:grpSpPr>
       <p:sp>
         <p:nvSpPr>
-          <p:cNvPr id="56" name="TextShape 1"/>
-          <p:cNvSpPr txBox="1"/>
+          <p:cNvPr id="92" name="CustomShape 1"/>
+          <p:cNvSpPr/>
           <p:nvPr/>
         </p:nvSpPr>
         <p:spPr>
           <a:xfrm>
             <a:off x="504000" y="576000"/>
-            <a:ext cx="7200000" cy="720000"/>
+            <a:ext cx="7199640" cy="719640"/>
           </a:xfrm>
           <a:prstGeom prst="rect">
             <a:avLst/>
@@ -3589,9 +5407,20 @@
             <a:noFill/>
           </a:ln>
         </p:spPr>
+        <p:style>
+          <a:lnRef idx="0"/>
+          <a:fillRef idx="0"/>
+          <a:effectRef idx="0"/>
+          <a:fontRef idx="minor"/>
+        </p:style>
         <p:txBody>
           <a:bodyPr lIns="0" rIns="0" tIns="0" bIns="0" anchor="ctr"/>
           <a:p>
+            <a:pPr>
+              <a:lnSpc>
+                <a:spcPct val="100000"/>
+              </a:lnSpc>
+            </a:pPr>
             <a:r>
               <a:rPr b="0" lang="en-US" sz="3600" spc="-1" strike="noStrike">
                 <a:latin typeface="Arial"/>
@@ -3606,14 +5435,14 @@
       </p:sp>
       <p:sp>
         <p:nvSpPr>
-          <p:cNvPr id="57" name="TextShape 2"/>
-          <p:cNvSpPr txBox="1"/>
+          <p:cNvPr id="93" name="CustomShape 2"/>
+          <p:cNvSpPr/>
           <p:nvPr/>
         </p:nvSpPr>
         <p:spPr>
           <a:xfrm>
             <a:off x="504000" y="1800000"/>
-            <a:ext cx="9072000" cy="4384440"/>
+            <a:ext cx="9071640" cy="4384080"/>
           </a:xfrm>
           <a:prstGeom prst="rect">
             <a:avLst/>
@@ -3623,12 +5452,21 @@
             <a:noFill/>
           </a:ln>
         </p:spPr>
+        <p:style>
+          <a:lnRef idx="0"/>
+          <a:fillRef idx="0"/>
+          <a:effectRef idx="0"/>
+          <a:fontRef idx="minor"/>
+        </p:style>
         <p:txBody>
           <a:bodyPr lIns="0" rIns="0" tIns="0" bIns="0">
             <a:normAutofit/>
           </a:bodyPr>
           <a:p>
-            <a:pPr marL="432000" indent="-324000">
+            <a:pPr marL="432000" indent="-323640">
+              <a:lnSpc>
+                <a:spcPct val="100000"/>
+              </a:lnSpc>
               <a:spcAft>
                 <a:spcPts val="1417"/>
               </a:spcAft>
@@ -3653,16 +5491,13 @@
             </a:endParaRPr>
           </a:p>
           <a:p>
-            <a:pPr marL="432000" indent="-324000">
+            <a:pPr>
+              <a:lnSpc>
+                <a:spcPct val="100000"/>
+              </a:lnSpc>
               <a:spcAft>
                 <a:spcPts val="1417"/>
               </a:spcAft>
-              <a:buClr>
-                <a:srgbClr val="99cc66"/>
-              </a:buClr>
-              <a:buSzPct val="45000"/>
-              <a:buFont typeface="Wingdings" charset="2"/>
-              <a:buChar char=""/>
             </a:pPr>
             <a:endParaRPr b="0" lang="en-US" sz="2000" spc="-1" strike="noStrike">
               <a:latin typeface="Arial"/>
@@ -3672,14 +5507,14 @@
       </p:sp>
       <p:sp>
         <p:nvSpPr>
-          <p:cNvPr id="58" name="CustomShape 3"/>
+          <p:cNvPr id="94" name="CustomShape 3"/>
           <p:cNvSpPr/>
           <p:nvPr/>
         </p:nvSpPr>
         <p:spPr>
           <a:xfrm>
             <a:off x="929880" y="2235960"/>
-            <a:ext cx="7848360" cy="1513080"/>
+            <a:ext cx="7848000" cy="1512720"/>
           </a:xfrm>
           <a:prstGeom prst="rect">
             <a:avLst/>
@@ -3703,7 +5538,7 @@
           <a:fontRef idx="minor"/>
         </p:style>
         <p:txBody>
-          <a:bodyPr/>
+          <a:bodyPr lIns="90000" rIns="90000" tIns="45000" bIns="45000"/>
           <a:p>
             <a:pPr>
               <a:lnSpc>
@@ -3719,6 +5554,7 @@
                   <a:srgbClr val="00ed00"/>
                 </a:solidFill>
                 <a:latin typeface="Lucida Console"/>
+                <a:ea typeface="DejaVu Sans"/>
               </a:rPr>
               <a:t>&lt;bean id=</a:t>
             </a:r>
@@ -3728,6 +5564,7 @@
                   <a:srgbClr val="dfdfdf"/>
                 </a:solidFill>
                 <a:latin typeface="Lucida Console"/>
+                <a:ea typeface="DejaVu Sans"/>
               </a:rPr>
               <a:t>"independetBean"</a:t>
             </a:r>
@@ -3737,6 +5574,7 @@
                   <a:srgbClr val="00ed00"/>
                 </a:solidFill>
                 <a:latin typeface="Lucida Console"/>
+                <a:ea typeface="DejaVu Sans"/>
               </a:rPr>
               <a:t> class=</a:t>
             </a:r>
@@ -3746,6 +5584,7 @@
                   <a:srgbClr val="dfdfdf"/>
                 </a:solidFill>
                 <a:latin typeface="Lucida Console"/>
+                <a:ea typeface="DejaVu Sans"/>
               </a:rPr>
               <a:t>"com.example.spring.Selfish"</a:t>
             </a:r>
@@ -3755,6 +5594,7 @@
                   <a:srgbClr val="00ed00"/>
                 </a:solidFill>
                 <a:latin typeface="Lucida Console"/>
+                <a:ea typeface="DejaVu Sans"/>
               </a:rPr>
               <a:t> /&gt;</a:t>
             </a:r>
@@ -3790,6 +5630,7 @@
                   <a:srgbClr val="00ed00"/>
                 </a:solidFill>
                 <a:latin typeface="Lucida Console"/>
+                <a:ea typeface="DejaVu Sans"/>
               </a:rPr>
               <a:t>&lt;bean id=</a:t>
             </a:r>
@@ -3799,6 +5640,7 @@
                   <a:srgbClr val="dfdfdf"/>
                 </a:solidFill>
                 <a:latin typeface="Lucida Console"/>
+                <a:ea typeface="DejaVu Sans"/>
               </a:rPr>
               <a:t>"dependent"</a:t>
             </a:r>
@@ -3808,6 +5650,7 @@
                   <a:srgbClr val="00ed00"/>
                 </a:solidFill>
                 <a:latin typeface="Lucida Console"/>
+                <a:ea typeface="DejaVu Sans"/>
               </a:rPr>
               <a:t> class=</a:t>
             </a:r>
@@ -3817,6 +5660,7 @@
                   <a:srgbClr val="dfdfdf"/>
                 </a:solidFill>
                 <a:latin typeface="Lucida Console"/>
+                <a:ea typeface="DejaVu Sans"/>
               </a:rPr>
               <a:t>"com.example.spring.DepIll"</a:t>
             </a:r>
@@ -3826,6 +5670,7 @@
                   <a:srgbClr val="00ed00"/>
                 </a:solidFill>
                 <a:latin typeface="Lucida Console"/>
+                <a:ea typeface="DejaVu Sans"/>
               </a:rPr>
               <a:t>&gt;</a:t>
             </a:r>
@@ -3848,6 +5693,7 @@
                   <a:srgbClr val="00ed00"/>
                 </a:solidFill>
                 <a:latin typeface="Lucida Console"/>
+                <a:ea typeface="DejaVu Sans"/>
               </a:rPr>
               <a:t>    </a:t>
             </a:r>
@@ -3857,6 +5703,7 @@
                   <a:srgbClr val="00ed00"/>
                 </a:solidFill>
                 <a:latin typeface="Lucida Console"/>
+                <a:ea typeface="DejaVu Sans"/>
               </a:rPr>
               <a:t>&lt;property name=</a:t>
             </a:r>
@@ -3866,6 +5713,7 @@
                   <a:srgbClr val="dfdfdf"/>
                 </a:solidFill>
                 <a:latin typeface="Lucida Console"/>
+                <a:ea typeface="DejaVu Sans"/>
               </a:rPr>
               <a:t>"myProp"</a:t>
             </a:r>
@@ -3875,6 +5723,7 @@
                   <a:srgbClr val="00ed00"/>
                 </a:solidFill>
                 <a:latin typeface="Lucida Console"/>
+                <a:ea typeface="DejaVu Sans"/>
               </a:rPr>
               <a:t> ref=</a:t>
             </a:r>
@@ -3884,6 +5733,7 @@
                   <a:srgbClr val="dfdfdf"/>
                 </a:solidFill>
                 <a:latin typeface="Lucida Console"/>
+                <a:ea typeface="DejaVu Sans"/>
               </a:rPr>
               <a:t>"independentBean"</a:t>
             </a:r>
@@ -3893,6 +5743,7 @@
                   <a:srgbClr val="00ed00"/>
                 </a:solidFill>
                 <a:latin typeface="Lucida Console"/>
+                <a:ea typeface="DejaVu Sans"/>
               </a:rPr>
               <a:t> /&gt;</a:t>
             </a:r>
@@ -3915,6 +5766,7 @@
                   <a:srgbClr val="00ed00"/>
                 </a:solidFill>
                 <a:latin typeface="Lucida Console"/>
+                <a:ea typeface="DejaVu Sans"/>
               </a:rPr>
               <a:t>&lt;/bean&gt;</a:t>
             </a:r>
@@ -3926,6 +5778,33 @@
       </p:sp>
     </p:spTree>
   </p:cSld>
+  <p:timing>
+    <p:tnLst>
+      <p:par>
+        <p:cTn id="11" dur="indefinite" restart="never" nodeType="tmRoot">
+          <p:childTnLst>
+            <p:seq>
+              <p:cTn id="12" dur="indefinite" nodeType="mainSeq"/>
+              <p:prevCondLst>
+                <p:cond delay="0" evt="onPrev">
+                  <p:tgtEl>
+                    <p:sldTgt/>
+                  </p:tgtEl>
+                </p:cond>
+              </p:prevCondLst>
+              <p:nextCondLst>
+                <p:cond delay="0" evt="onNext">
+                  <p:tgtEl>
+                    <p:sldTgt/>
+                  </p:tgtEl>
+                </p:cond>
+              </p:nextCondLst>
+            </p:seq>
+          </p:childTnLst>
+        </p:cTn>
+      </p:par>
+    </p:tnLst>
+  </p:timing>
 </p:sld>
 </file>
 
@@ -3948,14 +5827,14 @@
       </p:grpSpPr>
       <p:sp>
         <p:nvSpPr>
-          <p:cNvPr id="59" name="TextShape 1"/>
-          <p:cNvSpPr txBox="1"/>
+          <p:cNvPr id="95" name="CustomShape 1"/>
+          <p:cNvSpPr/>
           <p:nvPr/>
         </p:nvSpPr>
         <p:spPr>
           <a:xfrm>
             <a:off x="504000" y="576000"/>
-            <a:ext cx="7200000" cy="720000"/>
+            <a:ext cx="7199640" cy="719640"/>
           </a:xfrm>
           <a:prstGeom prst="rect">
             <a:avLst/>
@@ -3965,9 +5844,20 @@
             <a:noFill/>
           </a:ln>
         </p:spPr>
+        <p:style>
+          <a:lnRef idx="0"/>
+          <a:fillRef idx="0"/>
+          <a:effectRef idx="0"/>
+          <a:fontRef idx="minor"/>
+        </p:style>
         <p:txBody>
           <a:bodyPr lIns="0" rIns="0" tIns="0" bIns="0" anchor="ctr"/>
           <a:p>
+            <a:pPr>
+              <a:lnSpc>
+                <a:spcPct val="100000"/>
+              </a:lnSpc>
+            </a:pPr>
             <a:r>
               <a:rPr b="0" lang="en-US" sz="3600" spc="-1" strike="noStrike">
                 <a:latin typeface="Arial"/>
@@ -3982,14 +5872,14 @@
       </p:sp>
       <p:sp>
         <p:nvSpPr>
-          <p:cNvPr id="60" name="CustomShape 2"/>
+          <p:cNvPr id="96" name="CustomShape 2"/>
           <p:cNvSpPr/>
           <p:nvPr/>
         </p:nvSpPr>
         <p:spPr>
           <a:xfrm>
             <a:off x="640080" y="1691640"/>
-            <a:ext cx="8229600" cy="1600200"/>
+            <a:ext cx="8229240" cy="1599840"/>
           </a:xfrm>
           <a:prstGeom prst="rect">
             <a:avLst/>
@@ -4013,14 +5903,14 @@
       </p:sp>
       <p:sp>
         <p:nvSpPr>
-          <p:cNvPr id="61" name="CustomShape 3"/>
+          <p:cNvPr id="97" name="CustomShape 3"/>
           <p:cNvSpPr/>
           <p:nvPr/>
         </p:nvSpPr>
         <p:spPr>
           <a:xfrm>
             <a:off x="1767960" y="3444120"/>
-            <a:ext cx="6095880" cy="3505320"/>
+            <a:ext cx="6095520" cy="3504960"/>
           </a:xfrm>
           <a:prstGeom prst="rect">
             <a:avLst/>
@@ -4044,14 +5934,14 @@
       </p:sp>
       <p:sp>
         <p:nvSpPr>
-          <p:cNvPr id="62" name="CustomShape 4"/>
+          <p:cNvPr id="98" name="CustomShape 4"/>
           <p:cNvSpPr/>
           <p:nvPr/>
         </p:nvSpPr>
         <p:spPr>
           <a:xfrm>
             <a:off x="640080" y="1734840"/>
-            <a:ext cx="8449560" cy="1465560"/>
+            <a:ext cx="8449200" cy="1465200"/>
           </a:xfrm>
           <a:custGeom>
             <a:avLst/>
@@ -4093,7 +5983,10 @@
         <p:txBody>
           <a:bodyPr wrap="none" lIns="90000" rIns="90000" tIns="46800" bIns="46800"/>
           <a:p>
-            <a:pPr marL="216000" indent="-216000">
+            <a:pPr marL="216000" indent="-215640">
+              <a:lnSpc>
+                <a:spcPct val="100000"/>
+              </a:lnSpc>
               <a:buClr>
                 <a:srgbClr val="000000"/>
               </a:buClr>
@@ -4103,7 +5996,11 @@
             </a:pPr>
             <a:r>
               <a:rPr b="0" lang="en-US" sz="1800" spc="-1" strike="noStrike">
+                <a:solidFill>
+                  <a:srgbClr val="000000"/>
+                </a:solidFill>
                 <a:latin typeface="Arial"/>
+                <a:ea typeface="DejaVu Sans"/>
               </a:rPr>
               <a:t>&lt;bean id="exampleBean" class=”com.example.ExampleBean"&gt; </a:t>
             </a:r>
@@ -4112,7 +6009,10 @@
             </a:endParaRPr>
           </a:p>
           <a:p>
-            <a:pPr marL="216000" indent="-216000">
+            <a:pPr marL="216000" indent="-215640">
+              <a:lnSpc>
+                <a:spcPct val="100000"/>
+              </a:lnSpc>
               <a:buClr>
                 <a:srgbClr val="000000"/>
               </a:buClr>
@@ -4122,13 +6022,21 @@
             </a:pPr>
             <a:r>
               <a:rPr b="0" lang="en-US" sz="1800" spc="-1" strike="noStrike">
+                <a:solidFill>
+                  <a:srgbClr val="000000"/>
+                </a:solidFill>
                 <a:latin typeface="Arial"/>
+                <a:ea typeface="DejaVu Sans"/>
               </a:rPr>
               <a:t>   </a:t>
             </a:r>
             <a:r>
               <a:rPr b="0" lang="en-US" sz="1800" spc="-1" strike="noStrike">
+                <a:solidFill>
+                  <a:srgbClr val="000000"/>
+                </a:solidFill>
                 <a:latin typeface="Arial"/>
+                <a:ea typeface="DejaVu Sans"/>
               </a:rPr>
               <a:t>&lt;property name="beanOne"&gt;&lt;ref bean="anotherExampleBean"/&gt;&lt;/property&gt; </a:t>
             </a:r>
@@ -4137,7 +6045,10 @@
             </a:endParaRPr>
           </a:p>
           <a:p>
-            <a:pPr marL="216000" indent="-216000">
+            <a:pPr marL="216000" indent="-215640">
+              <a:lnSpc>
+                <a:spcPct val="100000"/>
+              </a:lnSpc>
               <a:buClr>
                 <a:srgbClr val="000000"/>
               </a:buClr>
@@ -4147,13 +6058,21 @@
             </a:pPr>
             <a:r>
               <a:rPr b="0" lang="en-US" sz="1800" spc="-1" strike="noStrike">
+                <a:solidFill>
+                  <a:srgbClr val="000000"/>
+                </a:solidFill>
                 <a:latin typeface="Arial"/>
+                <a:ea typeface="DejaVu Sans"/>
               </a:rPr>
               <a:t>   </a:t>
             </a:r>
             <a:r>
               <a:rPr b="0" lang="en-US" sz="1800" spc="-1" strike="noStrike">
+                <a:solidFill>
+                  <a:srgbClr val="000000"/>
+                </a:solidFill>
                 <a:latin typeface="Arial"/>
+                <a:ea typeface="DejaVu Sans"/>
               </a:rPr>
               <a:t>&lt;property name="beanTwo"&gt;&lt;ref bean="yetAnotherBean"/&gt;&lt;/property&gt; </a:t>
             </a:r>
@@ -4162,7 +6081,10 @@
             </a:endParaRPr>
           </a:p>
           <a:p>
-            <a:pPr marL="216000" indent="-216000">
+            <a:pPr marL="216000" indent="-215640">
+              <a:lnSpc>
+                <a:spcPct val="100000"/>
+              </a:lnSpc>
               <a:buClr>
                 <a:srgbClr val="000000"/>
               </a:buClr>
@@ -4172,13 +6094,21 @@
             </a:pPr>
             <a:r>
               <a:rPr b="0" lang="en-US" sz="1800" spc="-1" strike="noStrike">
+                <a:solidFill>
+                  <a:srgbClr val="000000"/>
+                </a:solidFill>
                 <a:latin typeface="Arial"/>
+                <a:ea typeface="DejaVu Sans"/>
               </a:rPr>
               <a:t>   </a:t>
             </a:r>
             <a:r>
               <a:rPr b="0" lang="en-US" sz="1800" spc="-1" strike="noStrike">
+                <a:solidFill>
+                  <a:srgbClr val="000000"/>
+                </a:solidFill>
                 <a:latin typeface="Arial"/>
+                <a:ea typeface="DejaVu Sans"/>
               </a:rPr>
               <a:t>&lt;property name="integerProperty"&gt;&lt;value&gt;1&lt;/value&gt;&lt;/property&gt; </a:t>
             </a:r>
@@ -4187,7 +6117,10 @@
             </a:endParaRPr>
           </a:p>
           <a:p>
-            <a:pPr marL="216000" indent="-216000">
+            <a:pPr marL="216000" indent="-215640">
+              <a:lnSpc>
+                <a:spcPct val="100000"/>
+              </a:lnSpc>
               <a:buClr>
                 <a:srgbClr val="000000"/>
               </a:buClr>
@@ -4197,7 +6130,11 @@
             </a:pPr>
             <a:r>
               <a:rPr b="0" lang="en-US" sz="1800" spc="-1" strike="noStrike">
+                <a:solidFill>
+                  <a:srgbClr val="000000"/>
+                </a:solidFill>
                 <a:latin typeface="Arial"/>
+                <a:ea typeface="DejaVu Sans"/>
               </a:rPr>
               <a:t>&lt;/bean&gt;</a:t>
             </a:r>
@@ -4209,14 +6146,14 @@
       </p:sp>
       <p:sp>
         <p:nvSpPr>
-          <p:cNvPr id="63" name="CustomShape 5"/>
+          <p:cNvPr id="99" name="CustomShape 5"/>
           <p:cNvSpPr/>
           <p:nvPr/>
         </p:nvSpPr>
         <p:spPr>
           <a:xfrm>
             <a:off x="1767960" y="3566160"/>
-            <a:ext cx="6028200" cy="3385800"/>
+            <a:ext cx="6027840" cy="3385440"/>
           </a:xfrm>
           <a:custGeom>
             <a:avLst/>
@@ -4258,7 +6195,10 @@
         <p:txBody>
           <a:bodyPr wrap="none" lIns="90000" rIns="90000" tIns="46800" bIns="46800"/>
           <a:p>
-            <a:pPr marL="216000" indent="-216000">
+            <a:pPr marL="216000" indent="-215640">
+              <a:lnSpc>
+                <a:spcPct val="100000"/>
+              </a:lnSpc>
               <a:buClr>
                 <a:srgbClr val="000000"/>
               </a:buClr>
@@ -4268,7 +6208,11 @@
             </a:pPr>
             <a:r>
               <a:rPr b="0" lang="en-US" sz="1800" spc="-1" strike="noStrike">
+                <a:solidFill>
+                  <a:srgbClr val="000000"/>
+                </a:solidFill>
                 <a:latin typeface="Arial"/>
+                <a:ea typeface="DejaVu Sans"/>
               </a:rPr>
               <a:t>public class ExampleBean { </a:t>
             </a:r>
@@ -4277,7 +6221,7 @@
             </a:endParaRPr>
           </a:p>
           <a:p>
-            <a:pPr lvl="1" marL="457200">
+            <a:pPr marL="457200">
               <a:lnSpc>
                 <a:spcPct val="100000"/>
               </a:lnSpc>
@@ -4288,6 +6232,7 @@
                   <a:srgbClr val="000000"/>
                 </a:solidFill>
                 <a:latin typeface="Arial"/>
+                <a:ea typeface="DejaVu Sans"/>
               </a:rPr>
               <a:t>private AnotherBean beanOne; </a:t>
             </a:r>
@@ -4296,7 +6241,7 @@
             </a:endParaRPr>
           </a:p>
           <a:p>
-            <a:pPr lvl="1" marL="457200">
+            <a:pPr marL="457200">
               <a:lnSpc>
                 <a:spcPct val="100000"/>
               </a:lnSpc>
@@ -4307,6 +6252,7 @@
                   <a:srgbClr val="000000"/>
                 </a:solidFill>
                 <a:latin typeface="Arial"/>
+                <a:ea typeface="DejaVu Sans"/>
               </a:rPr>
               <a:t>private YetAnotherBean beanTwo; </a:t>
             </a:r>
@@ -4315,7 +6261,7 @@
             </a:endParaRPr>
           </a:p>
           <a:p>
-            <a:pPr lvl="1" marL="457200">
+            <a:pPr marL="457200">
               <a:lnSpc>
                 <a:spcPct val="100000"/>
               </a:lnSpc>
@@ -4326,6 +6272,7 @@
                   <a:srgbClr val="000000"/>
                 </a:solidFill>
                 <a:latin typeface="Arial"/>
+                <a:ea typeface="DejaVu Sans"/>
               </a:rPr>
               <a:t>private int i; </a:t>
             </a:r>
@@ -4334,7 +6281,7 @@
             </a:endParaRPr>
           </a:p>
           <a:p>
-            <a:pPr lvl="1" marL="457200">
+            <a:pPr marL="457200">
               <a:lnSpc>
                 <a:spcPct val="100000"/>
               </a:lnSpc>
@@ -4345,6 +6292,7 @@
                   <a:srgbClr val="000000"/>
                 </a:solidFill>
                 <a:latin typeface="Arial"/>
+                <a:ea typeface="DejaVu Sans"/>
               </a:rPr>
               <a:t>public void setBeanOne(AnotherBean beanOne) { </a:t>
             </a:r>
@@ -4353,7 +6301,7 @@
             </a:endParaRPr>
           </a:p>
           <a:p>
-            <a:pPr lvl="1" marL="457200">
+            <a:pPr marL="457200">
               <a:lnSpc>
                 <a:spcPct val="100000"/>
               </a:lnSpc>
@@ -4364,6 +6312,7 @@
                   <a:srgbClr val="000000"/>
                 </a:solidFill>
                 <a:latin typeface="Arial"/>
+                <a:ea typeface="DejaVu Sans"/>
               </a:rPr>
               <a:t>	</a:t>
             </a:r>
@@ -4373,6 +6322,7 @@
                   <a:srgbClr val="000000"/>
                 </a:solidFill>
                 <a:latin typeface="Arial"/>
+                <a:ea typeface="DejaVu Sans"/>
               </a:rPr>
               <a:t>this.beanOne = beanOne; } </a:t>
             </a:r>
@@ -4381,7 +6331,7 @@
             </a:endParaRPr>
           </a:p>
           <a:p>
-            <a:pPr lvl="1" marL="457200">
+            <a:pPr marL="457200">
               <a:lnSpc>
                 <a:spcPct val="100000"/>
               </a:lnSpc>
@@ -4392,6 +6342,7 @@
                   <a:srgbClr val="000000"/>
                 </a:solidFill>
                 <a:latin typeface="Arial"/>
+                <a:ea typeface="DejaVu Sans"/>
               </a:rPr>
               <a:t>public void setBeanTwo(YetAnotherBean beanTwo) { </a:t>
             </a:r>
@@ -4400,7 +6351,7 @@
             </a:endParaRPr>
           </a:p>
           <a:p>
-            <a:pPr lvl="1" marL="457200">
+            <a:pPr marL="457200">
               <a:lnSpc>
                 <a:spcPct val="100000"/>
               </a:lnSpc>
@@ -4411,6 +6362,7 @@
                   <a:srgbClr val="000000"/>
                 </a:solidFill>
                 <a:latin typeface="Arial"/>
+                <a:ea typeface="DejaVu Sans"/>
               </a:rPr>
               <a:t>	</a:t>
             </a:r>
@@ -4420,6 +6372,7 @@
                   <a:srgbClr val="000000"/>
                 </a:solidFill>
                 <a:latin typeface="Arial"/>
+                <a:ea typeface="DejaVu Sans"/>
               </a:rPr>
               <a:t>this.beanTwo = beanTwo; } </a:t>
             </a:r>
@@ -4428,7 +6381,7 @@
             </a:endParaRPr>
           </a:p>
           <a:p>
-            <a:pPr lvl="1" marL="457200">
+            <a:pPr marL="457200">
               <a:lnSpc>
                 <a:spcPct val="100000"/>
               </a:lnSpc>
@@ -4439,6 +6392,7 @@
                   <a:srgbClr val="000000"/>
                 </a:solidFill>
                 <a:latin typeface="Arial"/>
+                <a:ea typeface="DejaVu Sans"/>
               </a:rPr>
               <a:t>public void setIntegerProperty(int i) { </a:t>
             </a:r>
@@ -4447,7 +6401,7 @@
             </a:endParaRPr>
           </a:p>
           <a:p>
-            <a:pPr lvl="1" marL="457200">
+            <a:pPr marL="457200">
               <a:lnSpc>
                 <a:spcPct val="100000"/>
               </a:lnSpc>
@@ -4458,6 +6412,7 @@
                   <a:srgbClr val="000000"/>
                 </a:solidFill>
                 <a:latin typeface="Arial"/>
+                <a:ea typeface="DejaVu Sans"/>
               </a:rPr>
               <a:t>	</a:t>
             </a:r>
@@ -4467,6 +6422,7 @@
                   <a:srgbClr val="000000"/>
                 </a:solidFill>
                 <a:latin typeface="Arial"/>
+                <a:ea typeface="DejaVu Sans"/>
               </a:rPr>
               <a:t>this.i = i; }</a:t>
             </a:r>
@@ -4475,7 +6431,7 @@
             </a:endParaRPr>
           </a:p>
           <a:p>
-            <a:pPr lvl="1" marL="457200">
+            <a:pPr marL="457200">
               <a:lnSpc>
                 <a:spcPct val="100000"/>
               </a:lnSpc>
@@ -4486,6 +6442,7 @@
                   <a:srgbClr val="000000"/>
                 </a:solidFill>
                 <a:latin typeface="Arial"/>
+                <a:ea typeface="DejaVu Sans"/>
               </a:rPr>
               <a:t>…</a:t>
             </a:r>
@@ -4494,7 +6451,10 @@
             </a:endParaRPr>
           </a:p>
           <a:p>
-            <a:pPr marL="216000" indent="-216000">
+            <a:pPr marL="216000" indent="-215640">
+              <a:lnSpc>
+                <a:spcPct val="100000"/>
+              </a:lnSpc>
               <a:buClr>
                 <a:srgbClr val="000000"/>
               </a:buClr>
@@ -4504,7 +6464,11 @@
             </a:pPr>
             <a:r>
               <a:rPr b="0" lang="en-US" sz="1800" spc="-1" strike="noStrike">
+                <a:solidFill>
+                  <a:srgbClr val="000000"/>
+                </a:solidFill>
                 <a:latin typeface="Arial"/>
+                <a:ea typeface="DejaVu Sans"/>
               </a:rPr>
               <a:t>}</a:t>
             </a:r>
@@ -4516,6 +6480,33 @@
       </p:sp>
     </p:spTree>
   </p:cSld>
+  <p:timing>
+    <p:tnLst>
+      <p:par>
+        <p:cTn id="13" dur="indefinite" restart="never" nodeType="tmRoot">
+          <p:childTnLst>
+            <p:seq>
+              <p:cTn id="14" dur="indefinite" nodeType="mainSeq"/>
+              <p:prevCondLst>
+                <p:cond delay="0" evt="onPrev">
+                  <p:tgtEl>
+                    <p:sldTgt/>
+                  </p:tgtEl>
+                </p:cond>
+              </p:prevCondLst>
+              <p:nextCondLst>
+                <p:cond delay="0" evt="onNext">
+                  <p:tgtEl>
+                    <p:sldTgt/>
+                  </p:tgtEl>
+                </p:cond>
+              </p:nextCondLst>
+            </p:seq>
+          </p:childTnLst>
+        </p:cTn>
+      </p:par>
+    </p:tnLst>
+  </p:timing>
 </p:sld>
 </file>
 
@@ -4538,14 +6529,14 @@
       </p:grpSpPr>
       <p:sp>
         <p:nvSpPr>
-          <p:cNvPr id="64" name="TextShape 1"/>
-          <p:cNvSpPr txBox="1"/>
+          <p:cNvPr id="100" name="CustomShape 1"/>
+          <p:cNvSpPr/>
           <p:nvPr/>
         </p:nvSpPr>
         <p:spPr>
           <a:xfrm>
             <a:off x="504000" y="576000"/>
-            <a:ext cx="7200000" cy="720000"/>
+            <a:ext cx="7199640" cy="719640"/>
           </a:xfrm>
           <a:prstGeom prst="rect">
             <a:avLst/>
@@ -4555,9 +6546,20 @@
             <a:noFill/>
           </a:ln>
         </p:spPr>
+        <p:style>
+          <a:lnRef idx="0"/>
+          <a:fillRef idx="0"/>
+          <a:effectRef idx="0"/>
+          <a:fontRef idx="minor"/>
+        </p:style>
         <p:txBody>
           <a:bodyPr lIns="0" rIns="0" tIns="0" bIns="0" anchor="ctr"/>
           <a:p>
+            <a:pPr>
+              <a:lnSpc>
+                <a:spcPct val="100000"/>
+              </a:lnSpc>
+            </a:pPr>
             <a:r>
               <a:rPr b="0" lang="en-US" sz="3600" spc="-1" strike="noStrike">
                 <a:latin typeface="Arial"/>
@@ -4572,14 +6574,14 @@
       </p:sp>
       <p:sp>
         <p:nvSpPr>
-          <p:cNvPr id="65" name="TextShape 2"/>
-          <p:cNvSpPr txBox="1"/>
+          <p:cNvPr id="101" name="CustomShape 2"/>
+          <p:cNvSpPr/>
           <p:nvPr/>
         </p:nvSpPr>
         <p:spPr>
           <a:xfrm>
             <a:off x="504000" y="1800000"/>
-            <a:ext cx="9072000" cy="4384440"/>
+            <a:ext cx="9071640" cy="4384080"/>
           </a:xfrm>
           <a:prstGeom prst="rect">
             <a:avLst/>
@@ -4589,12 +6591,21 @@
             <a:noFill/>
           </a:ln>
         </p:spPr>
+        <p:style>
+          <a:lnRef idx="0"/>
+          <a:fillRef idx="0"/>
+          <a:effectRef idx="0"/>
+          <a:fontRef idx="minor"/>
+        </p:style>
         <p:txBody>
           <a:bodyPr lIns="0" rIns="0" tIns="0" bIns="0">
             <a:normAutofit/>
           </a:bodyPr>
           <a:p>
-            <a:pPr marL="432000" indent="-324000">
+            <a:pPr marL="432000" indent="-323640">
+              <a:lnSpc>
+                <a:spcPct val="100000"/>
+              </a:lnSpc>
               <a:spcAft>
                 <a:spcPts val="1417"/>
               </a:spcAft>
@@ -4619,7 +6630,10 @@
             </a:endParaRPr>
           </a:p>
           <a:p>
-            <a:pPr marL="432000" indent="-324000">
+            <a:pPr marL="432000" indent="-323640">
+              <a:lnSpc>
+                <a:spcPct val="100000"/>
+              </a:lnSpc>
               <a:spcAft>
                 <a:spcPts val="1417"/>
               </a:spcAft>
@@ -4662,7 +6676,23 @@
             </a:endParaRPr>
           </a:p>
           <a:p>
-            <a:pPr marL="432000" indent="-324000">
+            <a:pPr>
+              <a:lnSpc>
+                <a:spcPct val="100000"/>
+              </a:lnSpc>
+              <a:spcAft>
+                <a:spcPts val="1417"/>
+              </a:spcAft>
+            </a:pPr>
+            <a:endParaRPr b="0" lang="en-US" sz="1600" spc="-1" strike="noStrike">
+              <a:latin typeface="Arial"/>
+            </a:endParaRPr>
+          </a:p>
+          <a:p>
+            <a:pPr marL="432000" indent="-323640">
+              <a:lnSpc>
+                <a:spcPct val="100000"/>
+              </a:lnSpc>
               <a:spcAft>
                 <a:spcPts val="1417"/>
               </a:spcAft>
@@ -4673,12 +6703,55 @@
               <a:buFont typeface="Wingdings" charset="2"/>
               <a:buChar char=""/>
             </a:pPr>
+            <a:r>
+              <a:rPr b="0" lang="en-US" sz="2000" spc="-1" strike="noStrike">
+                <a:solidFill>
+                  <a:srgbClr val="333300"/>
+                </a:solidFill>
+                <a:latin typeface="Constantia"/>
+              </a:rPr>
+              <a:t> </a:t>
+            </a:r>
+            <a:r>
+              <a:rPr b="1" lang="en-US" sz="1600" spc="-1" strike="noStrike">
+                <a:solidFill>
+                  <a:srgbClr val="333300"/>
+                </a:solidFill>
+                <a:latin typeface="Constantia"/>
+              </a:rPr>
+              <a:t>prototype</a:t>
+            </a:r>
+            <a:r>
+              <a:rPr b="0" lang="en-US" sz="1600" spc="-1" strike="noStrike">
+                <a:solidFill>
+                  <a:srgbClr val="333300"/>
+                </a:solidFill>
+                <a:latin typeface="Constantia"/>
+              </a:rPr>
+              <a:t> – wiele egzemplarzy, tworzone gdy trzeba</a:t>
+            </a:r>
             <a:endParaRPr b="0" lang="en-US" sz="1600" spc="-1" strike="noStrike">
               <a:latin typeface="Arial"/>
             </a:endParaRPr>
           </a:p>
           <a:p>
-            <a:pPr marL="432000" indent="-324000">
+            <a:pPr>
+              <a:lnSpc>
+                <a:spcPct val="100000"/>
+              </a:lnSpc>
+              <a:spcAft>
+                <a:spcPts val="1417"/>
+              </a:spcAft>
+            </a:pPr>
+            <a:endParaRPr b="0" lang="en-US" sz="1600" spc="-1" strike="noStrike">
+              <a:latin typeface="Arial"/>
+            </a:endParaRPr>
+          </a:p>
+          <a:p>
+            <a:pPr marL="432000" indent="-323640">
+              <a:lnSpc>
+                <a:spcPct val="100000"/>
+              </a:lnSpc>
               <a:spcAft>
                 <a:spcPts val="1417"/>
               </a:spcAft>
@@ -4705,7 +6778,7 @@
                 </a:solidFill>
                 <a:latin typeface="Constantia"/>
               </a:rPr>
-              <a:t>prototype</a:t>
+              <a:t>session</a:t>
             </a:r>
             <a:r>
               <a:rPr b="0" lang="en-US" sz="1600" spc="-1" strike="noStrike">
@@ -4714,14 +6787,30 @@
                 </a:solidFill>
                 <a:latin typeface="Constantia"/>
               </a:rPr>
-              <a:t> – wiele egzemplarzy, tworzone gdy trzeba</a:t>
+              <a:t> – jeden egzemplarz na każdą sesje HTTP, tworzony gdy trzeba</a:t>
             </a:r>
             <a:endParaRPr b="0" lang="en-US" sz="1600" spc="-1" strike="noStrike">
               <a:latin typeface="Arial"/>
             </a:endParaRPr>
           </a:p>
           <a:p>
-            <a:pPr marL="432000" indent="-324000">
+            <a:pPr>
+              <a:lnSpc>
+                <a:spcPct val="100000"/>
+              </a:lnSpc>
+              <a:spcAft>
+                <a:spcPts val="1417"/>
+              </a:spcAft>
+            </a:pPr>
+            <a:endParaRPr b="0" lang="en-US" sz="1600" spc="-1" strike="noStrike">
+              <a:latin typeface="Arial"/>
+            </a:endParaRPr>
+          </a:p>
+          <a:p>
+            <a:pPr marL="432000" indent="-323640">
+              <a:lnSpc>
+                <a:spcPct val="100000"/>
+              </a:lnSpc>
               <a:spcAft>
                 <a:spcPts val="1417"/>
               </a:spcAft>
@@ -4732,12 +6821,55 @@
               <a:buFont typeface="Wingdings" charset="2"/>
               <a:buChar char=""/>
             </a:pPr>
+            <a:r>
+              <a:rPr b="0" lang="en-US" sz="2000" spc="-1" strike="noStrike">
+                <a:solidFill>
+                  <a:srgbClr val="333300"/>
+                </a:solidFill>
+                <a:latin typeface="Constantia"/>
+              </a:rPr>
+              <a:t> </a:t>
+            </a:r>
+            <a:r>
+              <a:rPr b="1" lang="en-US" sz="1600" spc="-1" strike="noStrike">
+                <a:solidFill>
+                  <a:srgbClr val="333300"/>
+                </a:solidFill>
+                <a:latin typeface="Constantia"/>
+              </a:rPr>
+              <a:t>request </a:t>
+            </a:r>
+            <a:r>
+              <a:rPr b="0" lang="en-US" sz="1600" spc="-1" strike="noStrike">
+                <a:solidFill>
+                  <a:srgbClr val="333300"/>
+                </a:solidFill>
+                <a:latin typeface="Constantia"/>
+              </a:rPr>
+              <a:t>– jeden egzemplarz na jedno zapytanie HTTP, tworzony gdy trzeba</a:t>
+            </a:r>
             <a:endParaRPr b="0" lang="en-US" sz="1600" spc="-1" strike="noStrike">
               <a:latin typeface="Arial"/>
             </a:endParaRPr>
           </a:p>
           <a:p>
-            <a:pPr marL="432000" indent="-324000">
+            <a:pPr>
+              <a:lnSpc>
+                <a:spcPct val="100000"/>
+              </a:lnSpc>
+              <a:spcAft>
+                <a:spcPts val="1417"/>
+              </a:spcAft>
+            </a:pPr>
+            <a:endParaRPr b="0" lang="en-US" sz="1600" spc="-1" strike="noStrike">
+              <a:latin typeface="Arial"/>
+            </a:endParaRPr>
+          </a:p>
+          <a:p>
+            <a:pPr marL="432000" indent="-323640">
+              <a:lnSpc>
+                <a:spcPct val="100000"/>
+              </a:lnSpc>
               <a:spcAft>
                 <a:spcPts val="1417"/>
               </a:spcAft>
@@ -4758,164 +6890,43 @@
               <a:t> </a:t>
             </a:r>
             <a:r>
-              <a:rPr b="1" lang="en-US" sz="1600" spc="-1" strike="noStrike">
+              <a:rPr b="0" lang="en-US" sz="1600" spc="-1" strike="noStrike">
                 <a:solidFill>
                   <a:srgbClr val="333300"/>
                 </a:solidFill>
                 <a:latin typeface="Constantia"/>
               </a:rPr>
-              <a:t>session</a:t>
-            </a:r>
-            <a:r>
-              <a:rPr b="0" lang="en-US" sz="1600" spc="-1" strike="noStrike">
-                <a:solidFill>
-                  <a:srgbClr val="333300"/>
-                </a:solidFill>
-                <a:latin typeface="Constantia"/>
-              </a:rPr>
-              <a:t> – jeden egzemplarz na każdą sesje HTTP, tworzony gdy trzeba</a:t>
+              <a:t>można definiować swoje własne zasięgi (np. nowy bean dla każdego wątku)!</a:t>
             </a:r>
             <a:endParaRPr b="0" lang="en-US" sz="1600" spc="-1" strike="noStrike">
               <a:latin typeface="Arial"/>
             </a:endParaRPr>
           </a:p>
           <a:p>
-            <a:pPr marL="432000" indent="-324000">
+            <a:pPr>
+              <a:lnSpc>
+                <a:spcPct val="100000"/>
+              </a:lnSpc>
               <a:spcAft>
                 <a:spcPts val="1417"/>
               </a:spcAft>
-              <a:buClr>
-                <a:srgbClr val="99cc66"/>
-              </a:buClr>
-              <a:buSzPct val="45000"/>
-              <a:buFont typeface="Wingdings" charset="2"/>
-              <a:buChar char=""/>
             </a:pPr>
             <a:endParaRPr b="0" lang="en-US" sz="1600" spc="-1" strike="noStrike">
               <a:latin typeface="Arial"/>
             </a:endParaRPr>
           </a:p>
-          <a:p>
-            <a:pPr marL="432000" indent="-324000">
-              <a:spcAft>
-                <a:spcPts val="1417"/>
-              </a:spcAft>
-              <a:buClr>
-                <a:srgbClr val="99cc66"/>
-              </a:buClr>
-              <a:buSzPct val="45000"/>
-              <a:buFont typeface="Wingdings" charset="2"/>
-              <a:buChar char=""/>
-            </a:pPr>
-            <a:r>
-              <a:rPr b="0" lang="en-US" sz="2000" spc="-1" strike="noStrike">
-                <a:solidFill>
-                  <a:srgbClr val="333300"/>
-                </a:solidFill>
-                <a:latin typeface="Constantia"/>
-              </a:rPr>
-              <a:t> </a:t>
-            </a:r>
-            <a:r>
-              <a:rPr b="1" lang="en-US" sz="1600" spc="-1" strike="noStrike">
-                <a:solidFill>
-                  <a:srgbClr val="333300"/>
-                </a:solidFill>
-                <a:latin typeface="Constantia"/>
-              </a:rPr>
-              <a:t>request </a:t>
-            </a:r>
-            <a:r>
-              <a:rPr b="0" lang="en-US" sz="1600" spc="-1" strike="noStrike">
-                <a:solidFill>
-                  <a:srgbClr val="333300"/>
-                </a:solidFill>
-                <a:latin typeface="Constantia"/>
-              </a:rPr>
-              <a:t>– jeden egzemplarz na jedno zapytanie HTTP, tworzony gdy trzeba</a:t>
-            </a:r>
-            <a:endParaRPr b="0" lang="en-US" sz="1600" spc="-1" strike="noStrike">
-              <a:latin typeface="Arial"/>
-            </a:endParaRPr>
-          </a:p>
-          <a:p>
-            <a:pPr marL="432000" indent="-324000">
-              <a:spcAft>
-                <a:spcPts val="1417"/>
-              </a:spcAft>
-              <a:buClr>
-                <a:srgbClr val="99cc66"/>
-              </a:buClr>
-              <a:buSzPct val="45000"/>
-              <a:buFont typeface="Wingdings" charset="2"/>
-              <a:buChar char=""/>
-            </a:pPr>
-            <a:endParaRPr b="0" lang="en-US" sz="1600" spc="-1" strike="noStrike">
-              <a:latin typeface="Arial"/>
-            </a:endParaRPr>
-          </a:p>
-          <a:p>
-            <a:pPr marL="432000" indent="-324000">
-              <a:spcAft>
-                <a:spcPts val="1417"/>
-              </a:spcAft>
-              <a:buClr>
-                <a:srgbClr val="99cc66"/>
-              </a:buClr>
-              <a:buSzPct val="45000"/>
-              <a:buFont typeface="Wingdings" charset="2"/>
-              <a:buChar char=""/>
-            </a:pPr>
-            <a:r>
-              <a:rPr b="0" lang="en-US" sz="2000" spc="-1" strike="noStrike">
-                <a:solidFill>
-                  <a:srgbClr val="333300"/>
-                </a:solidFill>
-                <a:latin typeface="Constantia"/>
-              </a:rPr>
-              <a:t> </a:t>
-            </a:r>
-            <a:r>
-              <a:rPr b="0" lang="en-US" sz="1600" spc="-1" strike="noStrike">
-                <a:solidFill>
-                  <a:srgbClr val="333300"/>
-                </a:solidFill>
-                <a:latin typeface="Constantia"/>
-              </a:rPr>
-              <a:t>można definiować swoje własne zasięgi (np. nowy bean dla każdego wątku)!</a:t>
-            </a:r>
-            <a:endParaRPr b="0" lang="en-US" sz="1600" spc="-1" strike="noStrike">
-              <a:latin typeface="Arial"/>
-            </a:endParaRPr>
-          </a:p>
-          <a:p>
-            <a:pPr marL="432000" indent="-324000">
-              <a:spcAft>
-                <a:spcPts val="1417"/>
-              </a:spcAft>
-              <a:buClr>
-                <a:srgbClr val="99cc66"/>
-              </a:buClr>
-              <a:buSzPct val="45000"/>
-              <a:buFont typeface="Wingdings" charset="2"/>
-              <a:buChar char=""/>
-            </a:pPr>
-            <a:endParaRPr b="0" lang="en-US" sz="1600" spc="-1" strike="noStrike">
-              <a:latin typeface="Arial"/>
-            </a:endParaRPr>
-          </a:p>
-        </p:txBody>
-      </p:sp>
-      <p:sp>
-        <p:nvSpPr>
-          <p:cNvPr id="66" name="CustomShape 3"/>
+        </p:txBody>
+      </p:sp>
+      <p:sp>
+        <p:nvSpPr>
+          <p:cNvPr id="102" name="CustomShape 3"/>
           <p:cNvSpPr/>
           <p:nvPr/>
         </p:nvSpPr>
         <p:spPr>
           <a:xfrm>
             <a:off x="986760" y="2743200"/>
-            <a:ext cx="8065800" cy="304920"/>
+            <a:ext cx="8065440" cy="304560"/>
           </a:xfrm>
           <a:prstGeom prst="rect">
             <a:avLst/>
@@ -4939,7 +6950,7 @@
           <a:fontRef idx="minor"/>
         </p:style>
         <p:txBody>
-          <a:bodyPr/>
+          <a:bodyPr lIns="90000" rIns="90000" tIns="45000" bIns="45000"/>
           <a:p>
             <a:pPr>
               <a:lnSpc>
@@ -4955,6 +6966,7 @@
                   <a:srgbClr val="00ed00"/>
                 </a:solidFill>
                 <a:latin typeface="Lucida Console"/>
+                <a:ea typeface="DejaVu Sans"/>
               </a:rPr>
               <a:t>&lt;bean id=</a:t>
             </a:r>
@@ -4964,6 +6976,7 @@
                   <a:srgbClr val="dfdfdf"/>
                 </a:solidFill>
                 <a:latin typeface="Lucida Console"/>
+                <a:ea typeface="DejaVu Sans"/>
               </a:rPr>
               <a:t>"kontroler"</a:t>
             </a:r>
@@ -4973,6 +6986,7 @@
                   <a:srgbClr val="00ed00"/>
                 </a:solidFill>
                 <a:latin typeface="Lucida Console"/>
+                <a:ea typeface="DejaVu Sans"/>
               </a:rPr>
               <a:t> class=</a:t>
             </a:r>
@@ -4982,6 +6996,7 @@
                   <a:srgbClr val="dfdfdf"/>
                 </a:solidFill>
                 <a:latin typeface="Lucida Console"/>
+                <a:ea typeface="DejaVu Sans"/>
               </a:rPr>
               <a:t>"com.example.spring.Foo"</a:t>
             </a:r>
@@ -4991,6 +7006,7 @@
                   <a:srgbClr val="00ed00"/>
                 </a:solidFill>
                 <a:latin typeface="Lucida Console"/>
+                <a:ea typeface="DejaVu Sans"/>
               </a:rPr>
               <a:t> scope=</a:t>
             </a:r>
@@ -5000,6 +7016,7 @@
                   <a:srgbClr val="dfdfdf"/>
                 </a:solidFill>
                 <a:latin typeface="Lucida Console"/>
+                <a:ea typeface="DejaVu Sans"/>
               </a:rPr>
               <a:t>"singleton"</a:t>
             </a:r>
@@ -5009,6 +7026,7 @@
                   <a:srgbClr val="00ed00"/>
                 </a:solidFill>
                 <a:latin typeface="Lucida Console"/>
+                <a:ea typeface="DejaVu Sans"/>
               </a:rPr>
               <a:t> /&gt;</a:t>
             </a:r>
@@ -5020,14 +7038,14 @@
       </p:sp>
       <p:sp>
         <p:nvSpPr>
-          <p:cNvPr id="67" name="CustomShape 4"/>
+          <p:cNvPr id="103" name="CustomShape 4"/>
           <p:cNvSpPr/>
           <p:nvPr/>
         </p:nvSpPr>
         <p:spPr>
           <a:xfrm>
             <a:off x="986760" y="3627000"/>
-            <a:ext cx="8065800" cy="304920"/>
+            <a:ext cx="8065440" cy="304560"/>
           </a:xfrm>
           <a:prstGeom prst="rect">
             <a:avLst/>
@@ -5051,7 +7069,7 @@
           <a:fontRef idx="minor"/>
         </p:style>
         <p:txBody>
-          <a:bodyPr/>
+          <a:bodyPr lIns="90000" rIns="90000" tIns="45000" bIns="45000"/>
           <a:p>
             <a:pPr>
               <a:lnSpc>
@@ -5067,6 +7085,7 @@
                   <a:srgbClr val="00ed00"/>
                 </a:solidFill>
                 <a:latin typeface="Lucida Console"/>
+                <a:ea typeface="DejaVu Sans"/>
               </a:rPr>
               <a:t>&lt;bean id=</a:t>
             </a:r>
@@ -5076,6 +7095,7 @@
                   <a:srgbClr val="dfdfdf"/>
                 </a:solidFill>
                 <a:latin typeface="Lucida Console"/>
+                <a:ea typeface="DejaVu Sans"/>
               </a:rPr>
               <a:t>"obiektX"</a:t>
             </a:r>
@@ -5085,6 +7105,7 @@
                   <a:srgbClr val="00ed00"/>
                 </a:solidFill>
                 <a:latin typeface="Lucida Console"/>
+                <a:ea typeface="DejaVu Sans"/>
               </a:rPr>
               <a:t> class=</a:t>
             </a:r>
@@ -5094,6 +7115,7 @@
                   <a:srgbClr val="dfdfdf"/>
                 </a:solidFill>
                 <a:latin typeface="Lucida Console"/>
+                <a:ea typeface="DejaVu Sans"/>
               </a:rPr>
               <a:t>"com.example.spring.Bar"</a:t>
             </a:r>
@@ -5103,6 +7125,7 @@
                   <a:srgbClr val="00ed00"/>
                 </a:solidFill>
                 <a:latin typeface="Lucida Console"/>
+                <a:ea typeface="DejaVu Sans"/>
               </a:rPr>
               <a:t> scope=</a:t>
             </a:r>
@@ -5112,6 +7135,7 @@
                   <a:srgbClr val="dfdfdf"/>
                 </a:solidFill>
                 <a:latin typeface="Lucida Console"/>
+                <a:ea typeface="DejaVu Sans"/>
               </a:rPr>
               <a:t>"prototype"</a:t>
             </a:r>
@@ -5121,6 +7145,7 @@
                   <a:srgbClr val="00ed00"/>
                 </a:solidFill>
                 <a:latin typeface="Lucida Console"/>
+                <a:ea typeface="DejaVu Sans"/>
               </a:rPr>
               <a:t> /&gt;</a:t>
             </a:r>
@@ -5132,14 +7157,14 @@
       </p:sp>
       <p:sp>
         <p:nvSpPr>
-          <p:cNvPr id="68" name="CustomShape 5"/>
+          <p:cNvPr id="104" name="CustomShape 5"/>
           <p:cNvSpPr/>
           <p:nvPr/>
         </p:nvSpPr>
         <p:spPr>
           <a:xfrm>
             <a:off x="986760" y="4449960"/>
-            <a:ext cx="8065800" cy="304920"/>
+            <a:ext cx="8065440" cy="304560"/>
           </a:xfrm>
           <a:prstGeom prst="rect">
             <a:avLst/>
@@ -5163,7 +7188,7 @@
           <a:fontRef idx="minor"/>
         </p:style>
         <p:txBody>
-          <a:bodyPr/>
+          <a:bodyPr lIns="90000" rIns="90000" tIns="45000" bIns="45000"/>
           <a:p>
             <a:pPr>
               <a:lnSpc>
@@ -5179,6 +7204,7 @@
                   <a:srgbClr val="00ed00"/>
                 </a:solidFill>
                 <a:latin typeface="Lucida Console"/>
+                <a:ea typeface="DejaVu Sans"/>
               </a:rPr>
               <a:t>&lt;bean id=</a:t>
             </a:r>
@@ -5188,6 +7214,7 @@
                   <a:srgbClr val="dfdfdf"/>
                 </a:solidFill>
                 <a:latin typeface="Lucida Console"/>
+                <a:ea typeface="DejaVu Sans"/>
               </a:rPr>
               <a:t>"stan"</a:t>
             </a:r>
@@ -5197,6 +7224,7 @@
                   <a:srgbClr val="00ed00"/>
                 </a:solidFill>
                 <a:latin typeface="Lucida Console"/>
+                <a:ea typeface="DejaVu Sans"/>
               </a:rPr>
               <a:t> class=</a:t>
             </a:r>
@@ -5206,8 +7234,9 @@
                   <a:srgbClr val="dfdfdf"/>
                 </a:solidFill>
                 <a:latin typeface="Lucida Console"/>
-              </a:rPr>
-              <a:t>"com.comarch.example.Session"</a:t>
+                <a:ea typeface="DejaVu Sans"/>
+              </a:rPr>
+              <a:t>"com.example.Session"</a:t>
             </a:r>
             <a:r>
               <a:rPr b="1" lang="en-US" sz="1400" spc="-1" strike="noStrike">
@@ -5215,6 +7244,7 @@
                   <a:srgbClr val="00ed00"/>
                 </a:solidFill>
                 <a:latin typeface="Lucida Console"/>
+                <a:ea typeface="DejaVu Sans"/>
               </a:rPr>
               <a:t> scope=</a:t>
             </a:r>
@@ -5224,6 +7254,7 @@
                   <a:srgbClr val="dfdfdf"/>
                 </a:solidFill>
                 <a:latin typeface="Lucida Console"/>
+                <a:ea typeface="DejaVu Sans"/>
               </a:rPr>
               <a:t>"session"</a:t>
             </a:r>
@@ -5233,6 +7264,7 @@
                   <a:srgbClr val="00ed00"/>
                 </a:solidFill>
                 <a:latin typeface="Lucida Console"/>
+                <a:ea typeface="DejaVu Sans"/>
               </a:rPr>
               <a:t> /&gt;</a:t>
             </a:r>
@@ -5244,14 +7276,14 @@
       </p:sp>
       <p:sp>
         <p:nvSpPr>
-          <p:cNvPr id="69" name="CustomShape 6"/>
+          <p:cNvPr id="105" name="CustomShape 6"/>
           <p:cNvSpPr/>
           <p:nvPr/>
         </p:nvSpPr>
         <p:spPr>
           <a:xfrm>
             <a:off x="986760" y="5303520"/>
-            <a:ext cx="8065800" cy="304920"/>
+            <a:ext cx="8065440" cy="304560"/>
           </a:xfrm>
           <a:prstGeom prst="rect">
             <a:avLst/>
@@ -5275,7 +7307,7 @@
           <a:fontRef idx="minor"/>
         </p:style>
         <p:txBody>
-          <a:bodyPr/>
+          <a:bodyPr lIns="90000" rIns="90000" tIns="45000" bIns="45000"/>
           <a:p>
             <a:pPr>
               <a:lnSpc>
@@ -5291,6 +7323,7 @@
                   <a:srgbClr val="00ed00"/>
                 </a:solidFill>
                 <a:latin typeface="Lucida Console"/>
+                <a:ea typeface="DejaVu Sans"/>
               </a:rPr>
               <a:t>&lt;bean id=</a:t>
             </a:r>
@@ -5300,6 +7333,7 @@
                   <a:srgbClr val="dfdfdf"/>
                 </a:solidFill>
                 <a:latin typeface="Lucida Console"/>
+                <a:ea typeface="DejaVu Sans"/>
               </a:rPr>
               <a:t>"pytanie"</a:t>
             </a:r>
@@ -5309,6 +7343,7 @@
                   <a:srgbClr val="00ed00"/>
                 </a:solidFill>
                 <a:latin typeface="Lucida Console"/>
+                <a:ea typeface="DejaVu Sans"/>
               </a:rPr>
               <a:t> class=</a:t>
             </a:r>
@@ -5318,8 +7353,9 @@
                   <a:srgbClr val="dfdfdf"/>
                 </a:solidFill>
                 <a:latin typeface="Lucida Console"/>
-              </a:rPr>
-              <a:t>"com.comarch.example.Quest"</a:t>
+                <a:ea typeface="DejaVu Sans"/>
+              </a:rPr>
+              <a:t>"com.example.Quest"</a:t>
             </a:r>
             <a:r>
               <a:rPr b="1" lang="en-US" sz="1400" spc="-1" strike="noStrike">
@@ -5327,6 +7363,7 @@
                   <a:srgbClr val="00ed00"/>
                 </a:solidFill>
                 <a:latin typeface="Lucida Console"/>
+                <a:ea typeface="DejaVu Sans"/>
               </a:rPr>
               <a:t> scope=</a:t>
             </a:r>
@@ -5336,6 +7373,7 @@
                   <a:srgbClr val="dfdfdf"/>
                 </a:solidFill>
                 <a:latin typeface="Lucida Console"/>
+                <a:ea typeface="DejaVu Sans"/>
               </a:rPr>
               <a:t>"request"</a:t>
             </a:r>
@@ -5345,6 +7383,7 @@
                   <a:srgbClr val="00ed00"/>
                 </a:solidFill>
                 <a:latin typeface="Lucida Console"/>
+                <a:ea typeface="DejaVu Sans"/>
               </a:rPr>
               <a:t> /&gt;</a:t>
             </a:r>
@@ -5356,6 +7395,33 @@
       </p:sp>
     </p:spTree>
   </p:cSld>
+  <p:timing>
+    <p:tnLst>
+      <p:par>
+        <p:cTn id="15" dur="indefinite" restart="never" nodeType="tmRoot">
+          <p:childTnLst>
+            <p:seq>
+              <p:cTn id="16" dur="indefinite" nodeType="mainSeq"/>
+              <p:prevCondLst>
+                <p:cond delay="0" evt="onPrev">
+                  <p:tgtEl>
+                    <p:sldTgt/>
+                  </p:tgtEl>
+                </p:cond>
+              </p:prevCondLst>
+              <p:nextCondLst>
+                <p:cond delay="0" evt="onNext">
+                  <p:tgtEl>
+                    <p:sldTgt/>
+                  </p:tgtEl>
+                </p:cond>
+              </p:nextCondLst>
+            </p:seq>
+          </p:childTnLst>
+        </p:cTn>
+      </p:par>
+    </p:tnLst>
+  </p:timing>
 </p:sld>
 </file>
 
@@ -5378,14 +7444,14 @@
       </p:grpSpPr>
       <p:sp>
         <p:nvSpPr>
-          <p:cNvPr id="70" name="TextShape 1"/>
-          <p:cNvSpPr txBox="1"/>
+          <p:cNvPr id="106" name="CustomShape 1"/>
+          <p:cNvSpPr/>
           <p:nvPr/>
         </p:nvSpPr>
         <p:spPr>
           <a:xfrm>
             <a:off x="504000" y="576000"/>
-            <a:ext cx="7200000" cy="720000"/>
+            <a:ext cx="7199640" cy="719640"/>
           </a:xfrm>
           <a:prstGeom prst="rect">
             <a:avLst/>
@@ -5395,9 +7461,20 @@
             <a:noFill/>
           </a:ln>
         </p:spPr>
+        <p:style>
+          <a:lnRef idx="0"/>
+          <a:fillRef idx="0"/>
+          <a:effectRef idx="0"/>
+          <a:fontRef idx="minor"/>
+        </p:style>
         <p:txBody>
           <a:bodyPr lIns="0" rIns="0" tIns="0" bIns="0" anchor="ctr"/>
           <a:p>
+            <a:pPr>
+              <a:lnSpc>
+                <a:spcPct val="100000"/>
+              </a:lnSpc>
+            </a:pPr>
             <a:r>
               <a:rPr b="0" lang="en-US" sz="3600" spc="-1" strike="noStrike">
                 <a:latin typeface="Arial"/>
@@ -5412,14 +7489,14 @@
       </p:sp>
       <p:sp>
         <p:nvSpPr>
-          <p:cNvPr id="71" name="TextShape 2"/>
-          <p:cNvSpPr txBox="1"/>
+          <p:cNvPr id="107" name="CustomShape 2"/>
+          <p:cNvSpPr/>
           <p:nvPr/>
         </p:nvSpPr>
         <p:spPr>
           <a:xfrm>
             <a:off x="365760" y="1518480"/>
-            <a:ext cx="9072000" cy="4937760"/>
+            <a:ext cx="9071640" cy="4937400"/>
           </a:xfrm>
           <a:prstGeom prst="rect">
             <a:avLst/>
@@ -5429,6 +7506,12 @@
             <a:noFill/>
           </a:ln>
         </p:spPr>
+        <p:style>
+          <a:lnRef idx="0"/>
+          <a:fillRef idx="0"/>
+          <a:effectRef idx="0"/>
+          <a:fontRef idx="minor"/>
+        </p:style>
         <p:txBody>
           <a:bodyPr lIns="0" rIns="0" tIns="0" bIns="0" anchor="ctr"/>
           <a:p>
@@ -5482,7 +7565,7 @@
             </a:endParaRPr>
           </a:p>
           <a:p>
-            <a:pPr marL="742680" indent="-285480">
+            <a:pPr marL="742680" indent="-285120">
               <a:lnSpc>
                 <a:spcPct val="90000"/>
               </a:lnSpc>
@@ -5501,7 +7584,7 @@
             </a:endParaRPr>
           </a:p>
           <a:p>
-            <a:pPr marL="742680" indent="-285480">
+            <a:pPr marL="742680" indent="-285120">
               <a:lnSpc>
                 <a:spcPct val="90000"/>
               </a:lnSpc>
@@ -5520,7 +7603,7 @@
             </a:endParaRPr>
           </a:p>
           <a:p>
-            <a:pPr marL="742680" indent="-285480">
+            <a:pPr marL="742680" indent="-285120">
               <a:lnSpc>
                 <a:spcPct val="90000"/>
               </a:lnSpc>
@@ -5539,7 +7622,7 @@
             </a:endParaRPr>
           </a:p>
           <a:p>
-            <a:pPr marL="742680" indent="-285480">
+            <a:pPr marL="742680" indent="-285120">
               <a:lnSpc>
                 <a:spcPct val="90000"/>
               </a:lnSpc>
@@ -5558,7 +7641,7 @@
             </a:endParaRPr>
           </a:p>
           <a:p>
-            <a:pPr marL="742680" indent="-285480">
+            <a:pPr marL="742680" indent="-285120">
               <a:lnSpc>
                 <a:spcPct val="90000"/>
               </a:lnSpc>
@@ -5571,7 +7654,7 @@
             </a:endParaRPr>
           </a:p>
           <a:p>
-            <a:pPr>
+            <a:pPr marL="742680" indent="-285120">
               <a:lnSpc>
                 <a:spcPct val="90000"/>
               </a:lnSpc>
@@ -5596,7 +7679,7 @@
             </a:endParaRPr>
           </a:p>
           <a:p>
-            <a:pPr marL="1143000" indent="-228600">
+            <a:pPr marL="1143000" indent="-228240">
               <a:lnSpc>
                 <a:spcPct val="90000"/>
               </a:lnSpc>
@@ -5615,7 +7698,7 @@
             </a:endParaRPr>
           </a:p>
           <a:p>
-            <a:pPr marL="1143000" indent="-228600">
+            <a:pPr marL="1143000" indent="-228240">
               <a:lnSpc>
                 <a:spcPct val="90000"/>
               </a:lnSpc>
@@ -5628,6 +7711,11 @@
             </a:endParaRPr>
           </a:p>
           <a:p>
+            <a:pPr marL="1143000" indent="-228240">
+              <a:lnSpc>
+                <a:spcPct val="100000"/>
+              </a:lnSpc>
+            </a:pPr>
             <a:r>
               <a:rPr b="0" lang="en-US" sz="2000" spc="-1" strike="noStrike">
                 <a:latin typeface="Arial"/>
@@ -5669,11 +7757,21 @@
             </a:endParaRPr>
           </a:p>
           <a:p>
+            <a:pPr marL="1143000" indent="-228240">
+              <a:lnSpc>
+                <a:spcPct val="100000"/>
+              </a:lnSpc>
+            </a:pPr>
             <a:endParaRPr b="0" lang="en-US" sz="2000" spc="-1" strike="noStrike">
               <a:latin typeface="Arial"/>
             </a:endParaRPr>
           </a:p>
           <a:p>
+            <a:pPr marL="1143000" indent="-228240">
+              <a:lnSpc>
+                <a:spcPct val="100000"/>
+              </a:lnSpc>
+            </a:pPr>
             <a:r>
               <a:rPr b="0" lang="en-US" sz="1600" spc="-1" strike="noStrike">
                 <a:latin typeface="Courier New"/>
@@ -5772,6 +7870,33 @@
       </p:sp>
     </p:spTree>
   </p:cSld>
+  <p:timing>
+    <p:tnLst>
+      <p:par>
+        <p:cTn id="17" dur="indefinite" restart="never" nodeType="tmRoot">
+          <p:childTnLst>
+            <p:seq>
+              <p:cTn id="18" dur="indefinite" nodeType="mainSeq"/>
+              <p:prevCondLst>
+                <p:cond delay="0" evt="onPrev">
+                  <p:tgtEl>
+                    <p:sldTgt/>
+                  </p:tgtEl>
+                </p:cond>
+              </p:prevCondLst>
+              <p:nextCondLst>
+                <p:cond delay="0" evt="onNext">
+                  <p:tgtEl>
+                    <p:sldTgt/>
+                  </p:tgtEl>
+                </p:cond>
+              </p:nextCondLst>
+            </p:seq>
+          </p:childTnLst>
+        </p:cTn>
+      </p:par>
+    </p:tnLst>
+  </p:timing>
 </p:sld>
 </file>
 
@@ -5996,4 +8121,227 @@
     </a:fmtScheme>
   </a:themeElements>
 </a:theme>
+</file>
+
+<file path=ppt/theme/theme2.xml><?xml version="1.0" encoding="utf-8"?>
+<a:theme xmlns:a="http://schemas.openxmlformats.org/drawingml/2006/main" name="Office Theme">
+  <a:themeElements>
+    <a:clrScheme name="Office">
+      <a:dk1>
+        <a:sysClr val="windowText" lastClr="000000"/>
+      </a:dk1>
+      <a:lt1>
+        <a:sysClr val="window" lastClr="FFFFFF"/>
+      </a:lt1>
+      <a:dk2>
+        <a:srgbClr val="1f497d"/>
+      </a:dk2>
+      <a:lt2>
+        <a:srgbClr val="eeece1"/>
+      </a:lt2>
+      <a:accent1>
+        <a:srgbClr val="4f81bd"/>
+      </a:accent1>
+      <a:accent2>
+        <a:srgbClr val="c0504d"/>
+      </a:accent2>
+      <a:accent3>
+        <a:srgbClr val="9bbb59"/>
+      </a:accent3>
+      <a:accent4>
+        <a:srgbClr val="8064a2"/>
+      </a:accent4>
+      <a:accent5>
+        <a:srgbClr val="4bacc6"/>
+      </a:accent5>
+      <a:accent6>
+        <a:srgbClr val="f79646"/>
+      </a:accent6>
+      <a:hlink>
+        <a:srgbClr val="0000ff"/>
+      </a:hlink>
+      <a:folHlink>
+        <a:srgbClr val="800080"/>
+      </a:folHlink>
+    </a:clrScheme>
+    <a:fontScheme name="Office">
+      <a:majorFont>
+        <a:latin typeface="Arial"/>
+        <a:ea typeface="DejaVu Sans"/>
+        <a:cs typeface="DejaVu Sans"/>
+      </a:majorFont>
+      <a:minorFont>
+        <a:latin typeface="Arial"/>
+        <a:ea typeface="DejaVu Sans"/>
+        <a:cs typeface="DejaVu Sans"/>
+      </a:minorFont>
+    </a:fontScheme>
+    <a:fmtScheme name="Office">
+      <a:fillStyleLst>
+        <a:solidFill>
+          <a:schemeClr val="phClr"/>
+        </a:solidFill>
+        <a:gradFill rotWithShape="1">
+          <a:gsLst>
+            <a:gs pos="0">
+              <a:schemeClr val="phClr">
+                <a:tint val="50000"/>
+                <a:satMod val="300000"/>
+              </a:schemeClr>
+            </a:gs>
+            <a:gs pos="35000">
+              <a:schemeClr val="phClr">
+                <a:tint val="37000"/>
+                <a:satMod val="300000"/>
+              </a:schemeClr>
+            </a:gs>
+            <a:gs pos="100000">
+              <a:schemeClr val="phClr">
+                <a:tint val="15000"/>
+                <a:satMod val="350000"/>
+              </a:schemeClr>
+            </a:gs>
+          </a:gsLst>
+          <a:lin ang="16200000" scaled="1"/>
+        </a:gradFill>
+        <a:gradFill rotWithShape="1">
+          <a:gsLst>
+            <a:gs pos="0">
+              <a:schemeClr val="phClr">
+                <a:shade val="51000"/>
+                <a:satMod val="130000"/>
+              </a:schemeClr>
+            </a:gs>
+            <a:gs pos="80000">
+              <a:schemeClr val="phClr">
+                <a:shade val="93000"/>
+                <a:satMod val="130000"/>
+              </a:schemeClr>
+            </a:gs>
+            <a:gs pos="100000">
+              <a:schemeClr val="phClr">
+                <a:shade val="94000"/>
+                <a:satMod val="135000"/>
+              </a:schemeClr>
+            </a:gs>
+          </a:gsLst>
+          <a:lin ang="16200000" scaled="0"/>
+        </a:gradFill>
+      </a:fillStyleLst>
+      <a:lnStyleLst>
+        <a:ln w="9525" cap="flat" cmpd="sng" algn="ctr">
+          <a:solidFill>
+            <a:schemeClr val="phClr">
+              <a:shade val="95000"/>
+              <a:satMod val="105000"/>
+            </a:schemeClr>
+          </a:solidFill>
+          <a:prstDash val="solid"/>
+        </a:ln>
+        <a:ln w="25400" cap="flat" cmpd="sng" algn="ctr">
+          <a:solidFill>
+            <a:schemeClr val="phClr"/>
+          </a:solidFill>
+          <a:prstDash val="solid"/>
+        </a:ln>
+        <a:ln w="38100" cap="flat" cmpd="sng" algn="ctr">
+          <a:solidFill>
+            <a:schemeClr val="phClr"/>
+          </a:solidFill>
+          <a:prstDash val="solid"/>
+        </a:ln>
+      </a:lnStyleLst>
+      <a:effectStyleLst>
+        <a:effectStyle>
+          <a:effectLst>
+            <a:outerShdw blurRad="40000" dist="20000" dir="5400000" rotWithShape="0">
+              <a:srgbClr val="000000">
+                <a:alpha val="38000"/>
+              </a:srgbClr>
+            </a:outerShdw>
+          </a:effectLst>
+        </a:effectStyle>
+        <a:effectStyle>
+          <a:effectLst>
+            <a:outerShdw blurRad="40000" dist="23000" dir="5400000" rotWithShape="0">
+              <a:srgbClr val="000000">
+                <a:alpha val="35000"/>
+              </a:srgbClr>
+            </a:outerShdw>
+          </a:effectLst>
+        </a:effectStyle>
+        <a:effectStyle>
+          <a:effectLst>
+            <a:outerShdw blurRad="40000" dist="23000" dir="5400000" rotWithShape="0">
+              <a:srgbClr val="000000">
+                <a:alpha val="35000"/>
+              </a:srgbClr>
+            </a:outerShdw>
+          </a:effectLst>
+          <a:scene3d>
+            <a:camera prst="orthographicFront">
+              <a:rot lat="0" lon="0" rev="0"/>
+            </a:camera>
+            <a:lightRig rig="threePt" dir="t">
+              <a:rot lat="0" lon="0" rev="1200000"/>
+            </a:lightRig>
+          </a:scene3d>
+          <a:sp3d>
+            <a:bevelT w="63500" h="25400"/>
+          </a:sp3d>
+        </a:effectStyle>
+      </a:effectStyleLst>
+      <a:bgFillStyleLst>
+        <a:solidFill>
+          <a:schemeClr val="phClr"/>
+        </a:solidFill>
+        <a:gradFill rotWithShape="1">
+          <a:gsLst>
+            <a:gs pos="0">
+              <a:schemeClr val="phClr">
+                <a:tint val="40000"/>
+                <a:satMod val="350000"/>
+              </a:schemeClr>
+            </a:gs>
+            <a:gs pos="40000">
+              <a:schemeClr val="phClr">
+                <a:tint val="45000"/>
+                <a:shade val="99000"/>
+                <a:satMod val="350000"/>
+              </a:schemeClr>
+            </a:gs>
+            <a:gs pos="100000">
+              <a:schemeClr val="phClr">
+                <a:shade val="20000"/>
+                <a:satMod val="255000"/>
+              </a:schemeClr>
+            </a:gs>
+          </a:gsLst>
+          <a:path path="circle">
+            <a:fillToRect l="50000" t="-80000" r="50000" b="180000"/>
+          </a:path>
+        </a:gradFill>
+        <a:gradFill rotWithShape="1">
+          <a:gsLst>
+            <a:gs pos="0">
+              <a:schemeClr val="phClr">
+                <a:tint val="80000"/>
+                <a:satMod val="300000"/>
+              </a:schemeClr>
+            </a:gs>
+            <a:gs pos="100000">
+              <a:schemeClr val="phClr">
+                <a:shade val="30000"/>
+                <a:satMod val="200000"/>
+              </a:schemeClr>
+            </a:gs>
+          </a:gsLst>
+          <a:path path="circle">
+            <a:fillToRect l="50000" t="50000" r="50000" b="50000"/>
+          </a:path>
+        </a:gradFill>
+      </a:bgFillStyleLst>
+    </a:fmtScheme>
+  </a:themeElements>
+</a:theme>
 </file>